--- a/Meilensteine.pptx
+++ b/Meilensteine.pptx
@@ -105,6 +105,11 @@
       </a:defRPr>
     </a:lvl9pPr>
   </p:defaultTextStyle>
+  <p:extLst>
+    <p:ext uri="{EFAFB233-063F-42B5-8137-9DF3F51BA10A}">
+      <p15:sldGuideLst xmlns:p15="http://schemas.microsoft.com/office/powerpoint/2012/main"/>
+    </p:ext>
+  </p:extLst>
 </p:presentation>
 </file>
 
@@ -1224,43 +1229,6 @@
         </a:p>
       </dgm:t>
     </dgm:pt>
-    <dgm:pt modelId="{56314716-819A-426E-BA1F-D516AF566FA4}">
-      <dgm:prSet phldrT="[Text]"/>
-      <dgm:spPr/>
-      <dgm:t>
-        <a:bodyPr/>
-        <a:lstStyle/>
-        <a:p>
-          <a:r>
-            <a:rPr lang="de-DE" dirty="0" smtClean="0"/>
-            <a:t>Treffen</a:t>
-          </a:r>
-          <a:endParaRPr lang="de-DE" dirty="0"/>
-        </a:p>
-      </dgm:t>
-    </dgm:pt>
-    <dgm:pt modelId="{EEA53229-6E0C-48AA-A32A-DC4A07D11A5B}" type="parTrans" cxnId="{73985F79-380A-4C86-9702-7A71BBB5E0B8}">
-      <dgm:prSet/>
-      <dgm:spPr/>
-      <dgm:t>
-        <a:bodyPr/>
-        <a:lstStyle/>
-        <a:p>
-          <a:endParaRPr lang="de-DE"/>
-        </a:p>
-      </dgm:t>
-    </dgm:pt>
-    <dgm:pt modelId="{1ED3E5EB-0D74-414D-AAAD-91BFBDF0CF1D}" type="sibTrans" cxnId="{73985F79-380A-4C86-9702-7A71BBB5E0B8}">
-      <dgm:prSet/>
-      <dgm:spPr/>
-      <dgm:t>
-        <a:bodyPr/>
-        <a:lstStyle/>
-        <a:p>
-          <a:endParaRPr lang="de-DE"/>
-        </a:p>
-      </dgm:t>
-    </dgm:pt>
     <dgm:pt modelId="{35F2F850-E107-4C77-8C9D-F91B243DC4A5}">
       <dgm:prSet phldrT="[Text]"/>
       <dgm:spPr/>
@@ -1741,6 +1709,52 @@
           <a:endParaRPr lang="de-DE"/>
         </a:p>
       </dgm:t>
+    </dgm:pt>
+    <dgm:pt modelId="{1A2BC42C-D917-47BA-9892-2A98BFAD301C}">
+      <dgm:prSet phldrT="[Text]"/>
+      <dgm:spPr/>
+      <dgm:t>
+        <a:bodyPr/>
+        <a:lstStyle/>
+        <a:p>
+          <a:r>
+            <a:rPr lang="de-DE" dirty="0" smtClean="0"/>
+            <a:t>Übergabe</a:t>
+          </a:r>
+          <a:endParaRPr lang="de-DE" dirty="0"/>
+        </a:p>
+      </dgm:t>
+    </dgm:pt>
+    <dgm:pt modelId="{3F2A56FE-F1F3-4B58-A8E4-6A6FF3C12065}" type="parTrans" cxnId="{F3A46E32-D761-40C2-B0EA-7291D6D35642}">
+      <dgm:prSet/>
+      <dgm:spPr/>
+    </dgm:pt>
+    <dgm:pt modelId="{DEB770E0-3D0E-45A5-95A4-5D65E42BA39F}" type="sibTrans" cxnId="{F3A46E32-D761-40C2-B0EA-7291D6D35642}">
+      <dgm:prSet/>
+      <dgm:spPr/>
+    </dgm:pt>
+    <dgm:pt modelId="{9D320C81-0A74-4E83-9A78-EDE402268EA2}">
+      <dgm:prSet phldrT="[Text]"/>
+      <dgm:spPr/>
+      <dgm:t>
+        <a:bodyPr/>
+        <a:lstStyle/>
+        <a:p>
+          <a:r>
+            <a:rPr lang="de-DE" dirty="0" smtClean="0"/>
+            <a:t>Veröffentlichung</a:t>
+          </a:r>
+          <a:endParaRPr lang="de-DE" dirty="0"/>
+        </a:p>
+      </dgm:t>
+    </dgm:pt>
+    <dgm:pt modelId="{7E029FC5-0B45-4201-9BBC-FB6C44F05368}" type="parTrans" cxnId="{5D0D2F16-3D63-4AFA-BBFE-4BA6DC8E3AC0}">
+      <dgm:prSet/>
+      <dgm:spPr/>
+    </dgm:pt>
+    <dgm:pt modelId="{5B678CCF-84DA-4A15-9790-D90C01312BF4}" type="sibTrans" cxnId="{5D0D2F16-3D63-4AFA-BBFE-4BA6DC8E3AC0}">
+      <dgm:prSet/>
+      <dgm:spPr/>
     </dgm:pt>
     <dgm:pt modelId="{B6F79879-3595-4E55-B58D-6113B02CD8E8}" type="pres">
       <dgm:prSet presAssocID="{5F27BC77-8941-43F4-8B90-FB3B05823CAC}" presName="hierChild1" presStyleCnt="0">
@@ -1754,6 +1768,13 @@
         </dgm:presLayoutVars>
       </dgm:prSet>
       <dgm:spPr/>
+      <dgm:t>
+        <a:bodyPr/>
+        <a:lstStyle/>
+        <a:p>
+          <a:endParaRPr lang="de-DE"/>
+        </a:p>
+      </dgm:t>
     </dgm:pt>
     <dgm:pt modelId="{FCE71EAA-F8EC-40CF-9D77-F1FDDFE717C9}" type="pres">
       <dgm:prSet presAssocID="{2018ECA3-3A50-4106-AD7A-B731246A7598}" presName="hierRoot1" presStyleCnt="0">
@@ -1785,6 +1806,13 @@
     <dgm:pt modelId="{EDB2F9E9-0BB0-4A14-AE78-9ADE0DB7D7F9}" type="pres">
       <dgm:prSet presAssocID="{2018ECA3-3A50-4106-AD7A-B731246A7598}" presName="rootConnector1" presStyleLbl="node1" presStyleIdx="0" presStyleCnt="0"/>
       <dgm:spPr/>
+      <dgm:t>
+        <a:bodyPr/>
+        <a:lstStyle/>
+        <a:p>
+          <a:endParaRPr lang="de-DE"/>
+        </a:p>
+      </dgm:t>
     </dgm:pt>
     <dgm:pt modelId="{67D6477E-1D91-4F67-9FA1-D9D59917F9EF}" type="pres">
       <dgm:prSet presAssocID="{2018ECA3-3A50-4106-AD7A-B731246A7598}" presName="hierChild2" presStyleCnt="0"/>
@@ -1793,6 +1821,13 @@
     <dgm:pt modelId="{6A3AAAAC-3DFF-43F8-8209-3D0095E6D75A}" type="pres">
       <dgm:prSet presAssocID="{02223512-5C62-4EE0-AA42-DE6D4435D584}" presName="Name37" presStyleLbl="parChTrans1D2" presStyleIdx="0" presStyleCnt="5"/>
       <dgm:spPr/>
+      <dgm:t>
+        <a:bodyPr/>
+        <a:lstStyle/>
+        <a:p>
+          <a:endParaRPr lang="de-DE"/>
+        </a:p>
+      </dgm:t>
     </dgm:pt>
     <dgm:pt modelId="{649561B6-0084-4724-96AE-451094300B33}" type="pres">
       <dgm:prSet presAssocID="{DA23096C-C503-4079-9651-0120D7DFD8FB}" presName="hierRoot2" presStyleCnt="0">
@@ -1824,14 +1859,28 @@
     <dgm:pt modelId="{EC93B103-468E-4CBD-B903-F7F643BE1263}" type="pres">
       <dgm:prSet presAssocID="{DA23096C-C503-4079-9651-0120D7DFD8FB}" presName="rootConnector" presStyleLbl="node2" presStyleIdx="0" presStyleCnt="5"/>
       <dgm:spPr/>
+      <dgm:t>
+        <a:bodyPr/>
+        <a:lstStyle/>
+        <a:p>
+          <a:endParaRPr lang="de-DE"/>
+        </a:p>
+      </dgm:t>
     </dgm:pt>
     <dgm:pt modelId="{010AB613-B901-4576-B068-1F469F970E7C}" type="pres">
       <dgm:prSet presAssocID="{DA23096C-C503-4079-9651-0120D7DFD8FB}" presName="hierChild4" presStyleCnt="0"/>
       <dgm:spPr/>
     </dgm:pt>
     <dgm:pt modelId="{2635FAE6-A136-440B-94EE-CD567052726F}" type="pres">
-      <dgm:prSet presAssocID="{FEA03D8D-E2A3-446C-8872-F4EF7675901C}" presName="Name37" presStyleLbl="parChTrans1D3" presStyleIdx="0" presStyleCnt="9"/>
-      <dgm:spPr/>
+      <dgm:prSet presAssocID="{FEA03D8D-E2A3-446C-8872-F4EF7675901C}" presName="Name37" presStyleLbl="parChTrans1D3" presStyleIdx="0" presStyleCnt="10"/>
+      <dgm:spPr/>
+      <dgm:t>
+        <a:bodyPr/>
+        <a:lstStyle/>
+        <a:p>
+          <a:endParaRPr lang="de-DE"/>
+        </a:p>
+      </dgm:t>
     </dgm:pt>
     <dgm:pt modelId="{84060C82-FD4A-4413-933D-92DD0A49E54A}" type="pres">
       <dgm:prSet presAssocID="{B4CD55CE-5A64-4000-9BDC-B03F47603D86}" presName="hierRoot2" presStyleCnt="0">
@@ -1846,7 +1895,7 @@
       <dgm:spPr/>
     </dgm:pt>
     <dgm:pt modelId="{4AF33755-706D-4315-B258-1F1C2070289F}" type="pres">
-      <dgm:prSet presAssocID="{B4CD55CE-5A64-4000-9BDC-B03F47603D86}" presName="rootText" presStyleLbl="node3" presStyleIdx="0" presStyleCnt="9">
+      <dgm:prSet presAssocID="{B4CD55CE-5A64-4000-9BDC-B03F47603D86}" presName="rootText" presStyleLbl="node3" presStyleIdx="0" presStyleCnt="10">
         <dgm:presLayoutVars>
           <dgm:chPref val="3"/>
         </dgm:presLayoutVars>
@@ -1861,8 +1910,15 @@
       </dgm:t>
     </dgm:pt>
     <dgm:pt modelId="{5E69BB79-7E02-4BAB-9583-D3921136B6A3}" type="pres">
-      <dgm:prSet presAssocID="{B4CD55CE-5A64-4000-9BDC-B03F47603D86}" presName="rootConnector" presStyleLbl="node3" presStyleIdx="0" presStyleCnt="9"/>
-      <dgm:spPr/>
+      <dgm:prSet presAssocID="{B4CD55CE-5A64-4000-9BDC-B03F47603D86}" presName="rootConnector" presStyleLbl="node3" presStyleIdx="0" presStyleCnt="10"/>
+      <dgm:spPr/>
+      <dgm:t>
+        <a:bodyPr/>
+        <a:lstStyle/>
+        <a:p>
+          <a:endParaRPr lang="de-DE"/>
+        </a:p>
+      </dgm:t>
     </dgm:pt>
     <dgm:pt modelId="{75D9F856-3306-4925-9F40-6167699D92DD}" type="pres">
       <dgm:prSet presAssocID="{B4CD55CE-5A64-4000-9BDC-B03F47603D86}" presName="hierChild4" presStyleCnt="0"/>
@@ -1873,8 +1929,15 @@
       <dgm:spPr/>
     </dgm:pt>
     <dgm:pt modelId="{AB95BCF8-91C6-4CC4-9159-EBAB7291A3AA}" type="pres">
-      <dgm:prSet presAssocID="{D452F109-5781-45E9-8B00-AF4D270F3020}" presName="Name37" presStyleLbl="parChTrans1D3" presStyleIdx="1" presStyleCnt="9"/>
-      <dgm:spPr/>
+      <dgm:prSet presAssocID="{D452F109-5781-45E9-8B00-AF4D270F3020}" presName="Name37" presStyleLbl="parChTrans1D3" presStyleIdx="1" presStyleCnt="10"/>
+      <dgm:spPr/>
+      <dgm:t>
+        <a:bodyPr/>
+        <a:lstStyle/>
+        <a:p>
+          <a:endParaRPr lang="de-DE"/>
+        </a:p>
+      </dgm:t>
     </dgm:pt>
     <dgm:pt modelId="{E02C5DF7-1273-4921-9630-A0F145279983}" type="pres">
       <dgm:prSet presAssocID="{A3D2CFEB-E623-4534-ADF8-DB2132888CFF}" presName="hierRoot2" presStyleCnt="0">
@@ -1889,7 +1952,7 @@
       <dgm:spPr/>
     </dgm:pt>
     <dgm:pt modelId="{AD606730-8D94-4FAE-84AB-6C0CC4496D5D}" type="pres">
-      <dgm:prSet presAssocID="{A3D2CFEB-E623-4534-ADF8-DB2132888CFF}" presName="rootText" presStyleLbl="node3" presStyleIdx="1" presStyleCnt="9">
+      <dgm:prSet presAssocID="{A3D2CFEB-E623-4534-ADF8-DB2132888CFF}" presName="rootText" presStyleLbl="node3" presStyleIdx="1" presStyleCnt="10">
         <dgm:presLayoutVars>
           <dgm:chPref val="3"/>
         </dgm:presLayoutVars>
@@ -1904,8 +1967,15 @@
       </dgm:t>
     </dgm:pt>
     <dgm:pt modelId="{8B5ADAD1-6A48-4917-ACF8-1E93A1E2A654}" type="pres">
-      <dgm:prSet presAssocID="{A3D2CFEB-E623-4534-ADF8-DB2132888CFF}" presName="rootConnector" presStyleLbl="node3" presStyleIdx="1" presStyleCnt="9"/>
-      <dgm:spPr/>
+      <dgm:prSet presAssocID="{A3D2CFEB-E623-4534-ADF8-DB2132888CFF}" presName="rootConnector" presStyleLbl="node3" presStyleIdx="1" presStyleCnt="10"/>
+      <dgm:spPr/>
+      <dgm:t>
+        <a:bodyPr/>
+        <a:lstStyle/>
+        <a:p>
+          <a:endParaRPr lang="de-DE"/>
+        </a:p>
+      </dgm:t>
     </dgm:pt>
     <dgm:pt modelId="{5C09A6DF-321D-416B-BB01-ED5FD4D7405F}" type="pres">
       <dgm:prSet presAssocID="{A3D2CFEB-E623-4534-ADF8-DB2132888CFF}" presName="hierChild4" presStyleCnt="0"/>
@@ -1915,49 +1985,6 @@
       <dgm:prSet presAssocID="{A3D2CFEB-E623-4534-ADF8-DB2132888CFF}" presName="hierChild5" presStyleCnt="0"/>
       <dgm:spPr/>
     </dgm:pt>
-    <dgm:pt modelId="{7A348A02-FCC0-4657-82E7-8BB1945C03A5}" type="pres">
-      <dgm:prSet presAssocID="{EEA53229-6E0C-48AA-A32A-DC4A07D11A5B}" presName="Name37" presStyleLbl="parChTrans1D3" presStyleIdx="2" presStyleCnt="9"/>
-      <dgm:spPr/>
-    </dgm:pt>
-    <dgm:pt modelId="{2EF615C9-3AB3-4C30-9DBC-DB340722ABC1}" type="pres">
-      <dgm:prSet presAssocID="{56314716-819A-426E-BA1F-D516AF566FA4}" presName="hierRoot2" presStyleCnt="0">
-        <dgm:presLayoutVars>
-          <dgm:hierBranch val="init"/>
-        </dgm:presLayoutVars>
-      </dgm:prSet>
-      <dgm:spPr/>
-    </dgm:pt>
-    <dgm:pt modelId="{B5EDEBBD-D977-4D19-96AF-1DABB52F3B50}" type="pres">
-      <dgm:prSet presAssocID="{56314716-819A-426E-BA1F-D516AF566FA4}" presName="rootComposite" presStyleCnt="0"/>
-      <dgm:spPr/>
-    </dgm:pt>
-    <dgm:pt modelId="{981F6E55-0F5E-420B-B184-AA2344AF585E}" type="pres">
-      <dgm:prSet presAssocID="{56314716-819A-426E-BA1F-D516AF566FA4}" presName="rootText" presStyleLbl="node3" presStyleIdx="2" presStyleCnt="9">
-        <dgm:presLayoutVars>
-          <dgm:chPref val="3"/>
-        </dgm:presLayoutVars>
-      </dgm:prSet>
-      <dgm:spPr/>
-      <dgm:t>
-        <a:bodyPr/>
-        <a:lstStyle/>
-        <a:p>
-          <a:endParaRPr lang="de-DE"/>
-        </a:p>
-      </dgm:t>
-    </dgm:pt>
-    <dgm:pt modelId="{C0C8E80E-E467-47DA-99E3-C0A4920522DF}" type="pres">
-      <dgm:prSet presAssocID="{56314716-819A-426E-BA1F-D516AF566FA4}" presName="rootConnector" presStyleLbl="node3" presStyleIdx="2" presStyleCnt="9"/>
-      <dgm:spPr/>
-    </dgm:pt>
-    <dgm:pt modelId="{A1F2B51A-5F79-45F5-A531-BEE6343292FC}" type="pres">
-      <dgm:prSet presAssocID="{56314716-819A-426E-BA1F-D516AF566FA4}" presName="hierChild4" presStyleCnt="0"/>
-      <dgm:spPr/>
-    </dgm:pt>
-    <dgm:pt modelId="{2D03EBB0-440F-4D2F-8B80-EEBDB6D487C7}" type="pres">
-      <dgm:prSet presAssocID="{56314716-819A-426E-BA1F-D516AF566FA4}" presName="hierChild5" presStyleCnt="0"/>
-      <dgm:spPr/>
-    </dgm:pt>
     <dgm:pt modelId="{4EEA6625-4AFB-4F5D-96DF-544D00D3EEC1}" type="pres">
       <dgm:prSet presAssocID="{DA23096C-C503-4079-9651-0120D7DFD8FB}" presName="hierChild5" presStyleCnt="0"/>
       <dgm:spPr/>
@@ -1965,6 +1992,13 @@
     <dgm:pt modelId="{989FA015-F7E7-4C0D-9F5B-8CEF27A60918}" type="pres">
       <dgm:prSet presAssocID="{81A8F166-AF98-495B-AFD5-4B70C9FEEB93}" presName="Name37" presStyleLbl="parChTrans1D2" presStyleIdx="1" presStyleCnt="5"/>
       <dgm:spPr/>
+      <dgm:t>
+        <a:bodyPr/>
+        <a:lstStyle/>
+        <a:p>
+          <a:endParaRPr lang="de-DE"/>
+        </a:p>
+      </dgm:t>
     </dgm:pt>
     <dgm:pt modelId="{19AB2DF1-038D-4B99-B294-B6007F04EEA2}" type="pres">
       <dgm:prSet presAssocID="{9F0B79EA-3A30-448C-90A2-15B8E9112023}" presName="hierRoot2" presStyleCnt="0">
@@ -1996,14 +2030,28 @@
     <dgm:pt modelId="{60B23CFF-F02E-4461-AAFB-9778B1658DF2}" type="pres">
       <dgm:prSet presAssocID="{9F0B79EA-3A30-448C-90A2-15B8E9112023}" presName="rootConnector" presStyleLbl="node2" presStyleIdx="1" presStyleCnt="5"/>
       <dgm:spPr/>
+      <dgm:t>
+        <a:bodyPr/>
+        <a:lstStyle/>
+        <a:p>
+          <a:endParaRPr lang="de-DE"/>
+        </a:p>
+      </dgm:t>
     </dgm:pt>
     <dgm:pt modelId="{D5B9A80C-D123-4550-A6EA-1B98E17C8BD2}" type="pres">
       <dgm:prSet presAssocID="{9F0B79EA-3A30-448C-90A2-15B8E9112023}" presName="hierChild4" presStyleCnt="0"/>
       <dgm:spPr/>
     </dgm:pt>
     <dgm:pt modelId="{8574B1D5-AB4E-4EA2-9BE4-CF4DA634B87C}" type="pres">
-      <dgm:prSet presAssocID="{B8722430-E04D-4FFD-BB4C-E90C8E6E9917}" presName="Name37" presStyleLbl="parChTrans1D3" presStyleIdx="3" presStyleCnt="9"/>
-      <dgm:spPr/>
+      <dgm:prSet presAssocID="{B8722430-E04D-4FFD-BB4C-E90C8E6E9917}" presName="Name37" presStyleLbl="parChTrans1D3" presStyleIdx="2" presStyleCnt="10"/>
+      <dgm:spPr/>
+      <dgm:t>
+        <a:bodyPr/>
+        <a:lstStyle/>
+        <a:p>
+          <a:endParaRPr lang="de-DE"/>
+        </a:p>
+      </dgm:t>
     </dgm:pt>
     <dgm:pt modelId="{0C0A688C-8BBF-4B31-B539-CDC58E342405}" type="pres">
       <dgm:prSet presAssocID="{C65A0A47-1744-428E-A2CA-26F846199C1C}" presName="hierRoot2" presStyleCnt="0">
@@ -2018,7 +2066,7 @@
       <dgm:spPr/>
     </dgm:pt>
     <dgm:pt modelId="{1575D451-D673-4424-AE4D-AB209AF5EC81}" type="pres">
-      <dgm:prSet presAssocID="{C65A0A47-1744-428E-A2CA-26F846199C1C}" presName="rootText" presStyleLbl="node3" presStyleIdx="3" presStyleCnt="9">
+      <dgm:prSet presAssocID="{C65A0A47-1744-428E-A2CA-26F846199C1C}" presName="rootText" presStyleLbl="node3" presStyleIdx="2" presStyleCnt="10">
         <dgm:presLayoutVars>
           <dgm:chPref val="3"/>
         </dgm:presLayoutVars>
@@ -2033,8 +2081,15 @@
       </dgm:t>
     </dgm:pt>
     <dgm:pt modelId="{7E1259E6-9B91-4841-A55A-80511B9ACB54}" type="pres">
-      <dgm:prSet presAssocID="{C65A0A47-1744-428E-A2CA-26F846199C1C}" presName="rootConnector" presStyleLbl="node3" presStyleIdx="3" presStyleCnt="9"/>
-      <dgm:spPr/>
+      <dgm:prSet presAssocID="{C65A0A47-1744-428E-A2CA-26F846199C1C}" presName="rootConnector" presStyleLbl="node3" presStyleIdx="2" presStyleCnt="10"/>
+      <dgm:spPr/>
+      <dgm:t>
+        <a:bodyPr/>
+        <a:lstStyle/>
+        <a:p>
+          <a:endParaRPr lang="de-DE"/>
+        </a:p>
+      </dgm:t>
     </dgm:pt>
     <dgm:pt modelId="{61D70EDF-8520-4790-AB83-3532E8C95E22}" type="pres">
       <dgm:prSet presAssocID="{C65A0A47-1744-428E-A2CA-26F846199C1C}" presName="hierChild4" presStyleCnt="0"/>
@@ -2045,8 +2100,15 @@
       <dgm:spPr/>
     </dgm:pt>
     <dgm:pt modelId="{2D2F53EB-A352-4924-8B99-8D078D24C7EA}" type="pres">
-      <dgm:prSet presAssocID="{2DCF58DD-E3D0-4E43-9D60-E17E6BC34C3E}" presName="Name37" presStyleLbl="parChTrans1D3" presStyleIdx="4" presStyleCnt="9"/>
-      <dgm:spPr/>
+      <dgm:prSet presAssocID="{2DCF58DD-E3D0-4E43-9D60-E17E6BC34C3E}" presName="Name37" presStyleLbl="parChTrans1D3" presStyleIdx="3" presStyleCnt="10"/>
+      <dgm:spPr/>
+      <dgm:t>
+        <a:bodyPr/>
+        <a:lstStyle/>
+        <a:p>
+          <a:endParaRPr lang="de-DE"/>
+        </a:p>
+      </dgm:t>
     </dgm:pt>
     <dgm:pt modelId="{08493807-9B17-4948-9A6B-0FFA6EED6D7C}" type="pres">
       <dgm:prSet presAssocID="{35F2F850-E107-4C77-8C9D-F91B243DC4A5}" presName="hierRoot2" presStyleCnt="0">
@@ -2061,7 +2123,7 @@
       <dgm:spPr/>
     </dgm:pt>
     <dgm:pt modelId="{F8718B6D-A3A0-4C07-B15E-4D6AA2E80E21}" type="pres">
-      <dgm:prSet presAssocID="{35F2F850-E107-4C77-8C9D-F91B243DC4A5}" presName="rootText" presStyleLbl="node3" presStyleIdx="4" presStyleCnt="9">
+      <dgm:prSet presAssocID="{35F2F850-E107-4C77-8C9D-F91B243DC4A5}" presName="rootText" presStyleLbl="node3" presStyleIdx="3" presStyleCnt="10">
         <dgm:presLayoutVars>
           <dgm:chPref val="3"/>
         </dgm:presLayoutVars>
@@ -2076,8 +2138,15 @@
       </dgm:t>
     </dgm:pt>
     <dgm:pt modelId="{AF007662-F341-4510-BF09-E05402B91184}" type="pres">
-      <dgm:prSet presAssocID="{35F2F850-E107-4C77-8C9D-F91B243DC4A5}" presName="rootConnector" presStyleLbl="node3" presStyleIdx="4" presStyleCnt="9"/>
-      <dgm:spPr/>
+      <dgm:prSet presAssocID="{35F2F850-E107-4C77-8C9D-F91B243DC4A5}" presName="rootConnector" presStyleLbl="node3" presStyleIdx="3" presStyleCnt="10"/>
+      <dgm:spPr/>
+      <dgm:t>
+        <a:bodyPr/>
+        <a:lstStyle/>
+        <a:p>
+          <a:endParaRPr lang="de-DE"/>
+        </a:p>
+      </dgm:t>
     </dgm:pt>
     <dgm:pt modelId="{06C953EF-682A-4BE3-A8FB-34E267A2823E}" type="pres">
       <dgm:prSet presAssocID="{35F2F850-E107-4C77-8C9D-F91B243DC4A5}" presName="hierChild4" presStyleCnt="0"/>
@@ -2086,6 +2155,13 @@
     <dgm:pt modelId="{6D4EC7F1-CA82-432F-971D-3C7AA1308BF2}" type="pres">
       <dgm:prSet presAssocID="{87C6722B-8411-4627-88ED-F20025A38A56}" presName="Name37" presStyleLbl="parChTrans1D4" presStyleIdx="0" presStyleCnt="7"/>
       <dgm:spPr/>
+      <dgm:t>
+        <a:bodyPr/>
+        <a:lstStyle/>
+        <a:p>
+          <a:endParaRPr lang="de-DE"/>
+        </a:p>
+      </dgm:t>
     </dgm:pt>
     <dgm:pt modelId="{B1F7C453-AB50-4AEE-8DD5-C28F4E62E7EE}" type="pres">
       <dgm:prSet presAssocID="{085AFD13-7F14-47B7-B76D-A7F6AA6D7212}" presName="hierRoot2" presStyleCnt="0">
@@ -2117,6 +2193,13 @@
     <dgm:pt modelId="{46D53ED0-223E-4775-9DAF-03CE5C37E983}" type="pres">
       <dgm:prSet presAssocID="{085AFD13-7F14-47B7-B76D-A7F6AA6D7212}" presName="rootConnector" presStyleLbl="node4" presStyleIdx="0" presStyleCnt="7"/>
       <dgm:spPr/>
+      <dgm:t>
+        <a:bodyPr/>
+        <a:lstStyle/>
+        <a:p>
+          <a:endParaRPr lang="de-DE"/>
+        </a:p>
+      </dgm:t>
     </dgm:pt>
     <dgm:pt modelId="{B18BCA6A-DDCD-482C-9F4A-4EF8DF69F3B3}" type="pres">
       <dgm:prSet presAssocID="{085AFD13-7F14-47B7-B76D-A7F6AA6D7212}" presName="hierChild4" presStyleCnt="0"/>
@@ -2129,6 +2212,13 @@
     <dgm:pt modelId="{A3259B1B-DB33-4D5F-8977-A5F3077C258A}" type="pres">
       <dgm:prSet presAssocID="{03CB0662-E879-4F8D-8F23-6182AFD1D0F2}" presName="Name37" presStyleLbl="parChTrans1D4" presStyleIdx="1" presStyleCnt="7"/>
       <dgm:spPr/>
+      <dgm:t>
+        <a:bodyPr/>
+        <a:lstStyle/>
+        <a:p>
+          <a:endParaRPr lang="de-DE"/>
+        </a:p>
+      </dgm:t>
     </dgm:pt>
     <dgm:pt modelId="{E1B1CE88-5B30-4AD5-AB5D-BA82844C7264}" type="pres">
       <dgm:prSet presAssocID="{9649AF04-732C-4AFA-88F7-8FC2C53116FF}" presName="hierRoot2" presStyleCnt="0">
@@ -2160,6 +2250,13 @@
     <dgm:pt modelId="{E1BABCF3-339D-4090-9CAF-29C1BCCD5CF0}" type="pres">
       <dgm:prSet presAssocID="{9649AF04-732C-4AFA-88F7-8FC2C53116FF}" presName="rootConnector" presStyleLbl="node4" presStyleIdx="1" presStyleCnt="7"/>
       <dgm:spPr/>
+      <dgm:t>
+        <a:bodyPr/>
+        <a:lstStyle/>
+        <a:p>
+          <a:endParaRPr lang="de-DE"/>
+        </a:p>
+      </dgm:t>
     </dgm:pt>
     <dgm:pt modelId="{EBDBD6B7-AC18-4FC4-9B0E-435DA36B2E69}" type="pres">
       <dgm:prSet presAssocID="{9649AF04-732C-4AFA-88F7-8FC2C53116FF}" presName="hierChild4" presStyleCnt="0"/>
@@ -2180,6 +2277,13 @@
     <dgm:pt modelId="{5D798A56-5DCE-4375-B08A-9E5028C52174}" type="pres">
       <dgm:prSet presAssocID="{1199739B-BFE7-4EDE-9E9F-B924D03D7AC9}" presName="Name37" presStyleLbl="parChTrans1D2" presStyleIdx="2" presStyleCnt="5"/>
       <dgm:spPr/>
+      <dgm:t>
+        <a:bodyPr/>
+        <a:lstStyle/>
+        <a:p>
+          <a:endParaRPr lang="de-DE"/>
+        </a:p>
+      </dgm:t>
     </dgm:pt>
     <dgm:pt modelId="{5AC53238-AA98-4F32-8A4C-0DDFBE1A5DCE}" type="pres">
       <dgm:prSet presAssocID="{0520B758-E43F-43DC-8B3F-027FD277C58B}" presName="hierRoot2" presStyleCnt="0">
@@ -2211,14 +2315,28 @@
     <dgm:pt modelId="{83E75304-9D64-4ED0-A8F2-C2AD90D882CF}" type="pres">
       <dgm:prSet presAssocID="{0520B758-E43F-43DC-8B3F-027FD277C58B}" presName="rootConnector" presStyleLbl="node2" presStyleIdx="2" presStyleCnt="5"/>
       <dgm:spPr/>
+      <dgm:t>
+        <a:bodyPr/>
+        <a:lstStyle/>
+        <a:p>
+          <a:endParaRPr lang="de-DE"/>
+        </a:p>
+      </dgm:t>
     </dgm:pt>
     <dgm:pt modelId="{ED6F329F-EA65-4963-9A5C-2340FCD10E0B}" type="pres">
       <dgm:prSet presAssocID="{0520B758-E43F-43DC-8B3F-027FD277C58B}" presName="hierChild4" presStyleCnt="0"/>
       <dgm:spPr/>
     </dgm:pt>
     <dgm:pt modelId="{74337026-54A3-416F-BF29-2F2933D2B907}" type="pres">
-      <dgm:prSet presAssocID="{5EEA19EC-82E6-48A6-A9DF-5998351B73D7}" presName="Name37" presStyleLbl="parChTrans1D3" presStyleIdx="5" presStyleCnt="9"/>
-      <dgm:spPr/>
+      <dgm:prSet presAssocID="{5EEA19EC-82E6-48A6-A9DF-5998351B73D7}" presName="Name37" presStyleLbl="parChTrans1D3" presStyleIdx="4" presStyleCnt="10"/>
+      <dgm:spPr/>
+      <dgm:t>
+        <a:bodyPr/>
+        <a:lstStyle/>
+        <a:p>
+          <a:endParaRPr lang="de-DE"/>
+        </a:p>
+      </dgm:t>
     </dgm:pt>
     <dgm:pt modelId="{592F98B9-E19B-4E09-8CA1-9EB98AB0F441}" type="pres">
       <dgm:prSet presAssocID="{24A9F61A-F705-4899-85B6-BE7BEA938049}" presName="hierRoot2" presStyleCnt="0">
@@ -2233,7 +2351,7 @@
       <dgm:spPr/>
     </dgm:pt>
     <dgm:pt modelId="{8E128385-4E4F-4484-A4CF-529E679AEB44}" type="pres">
-      <dgm:prSet presAssocID="{24A9F61A-F705-4899-85B6-BE7BEA938049}" presName="rootText" presStyleLbl="node3" presStyleIdx="5" presStyleCnt="9">
+      <dgm:prSet presAssocID="{24A9F61A-F705-4899-85B6-BE7BEA938049}" presName="rootText" presStyleLbl="node3" presStyleIdx="4" presStyleCnt="10">
         <dgm:presLayoutVars>
           <dgm:chPref val="3"/>
         </dgm:presLayoutVars>
@@ -2248,8 +2366,15 @@
       </dgm:t>
     </dgm:pt>
     <dgm:pt modelId="{FE964393-FF24-4F12-9E04-C5AC74F5291E}" type="pres">
-      <dgm:prSet presAssocID="{24A9F61A-F705-4899-85B6-BE7BEA938049}" presName="rootConnector" presStyleLbl="node3" presStyleIdx="5" presStyleCnt="9"/>
-      <dgm:spPr/>
+      <dgm:prSet presAssocID="{24A9F61A-F705-4899-85B6-BE7BEA938049}" presName="rootConnector" presStyleLbl="node3" presStyleIdx="4" presStyleCnt="10"/>
+      <dgm:spPr/>
+      <dgm:t>
+        <a:bodyPr/>
+        <a:lstStyle/>
+        <a:p>
+          <a:endParaRPr lang="de-DE"/>
+        </a:p>
+      </dgm:t>
     </dgm:pt>
     <dgm:pt modelId="{C97923B4-8ED9-47AE-8BB5-0F15CD439EAC}" type="pres">
       <dgm:prSet presAssocID="{24A9F61A-F705-4899-85B6-BE7BEA938049}" presName="hierChild4" presStyleCnt="0"/>
@@ -2258,6 +2383,13 @@
     <dgm:pt modelId="{89A51EBE-9714-4FEA-8270-2B8A9D36AEBA}" type="pres">
       <dgm:prSet presAssocID="{8AD0676E-5553-460D-B309-99833FC441A9}" presName="Name37" presStyleLbl="parChTrans1D4" presStyleIdx="2" presStyleCnt="7"/>
       <dgm:spPr/>
+      <dgm:t>
+        <a:bodyPr/>
+        <a:lstStyle/>
+        <a:p>
+          <a:endParaRPr lang="de-DE"/>
+        </a:p>
+      </dgm:t>
     </dgm:pt>
     <dgm:pt modelId="{1D09AE56-2C40-4B7B-860E-5D0D10FA0567}" type="pres">
       <dgm:prSet presAssocID="{FDDA1B6B-1D57-4249-BFEA-C1F357D8F7DB}" presName="hierRoot2" presStyleCnt="0">
@@ -2289,6 +2421,13 @@
     <dgm:pt modelId="{EC5F192A-868D-4E0D-B55E-262045590AED}" type="pres">
       <dgm:prSet presAssocID="{FDDA1B6B-1D57-4249-BFEA-C1F357D8F7DB}" presName="rootConnector" presStyleLbl="node4" presStyleIdx="2" presStyleCnt="7"/>
       <dgm:spPr/>
+      <dgm:t>
+        <a:bodyPr/>
+        <a:lstStyle/>
+        <a:p>
+          <a:endParaRPr lang="de-DE"/>
+        </a:p>
+      </dgm:t>
     </dgm:pt>
     <dgm:pt modelId="{A1D83878-08BB-471B-A22A-C55FE4396D3B}" type="pres">
       <dgm:prSet presAssocID="{FDDA1B6B-1D57-4249-BFEA-C1F357D8F7DB}" presName="hierChild4" presStyleCnt="0"/>
@@ -2301,6 +2440,13 @@
     <dgm:pt modelId="{7654533E-21FF-4056-AF83-E7A1A3DEF6CD}" type="pres">
       <dgm:prSet presAssocID="{EF96740E-451F-4D50-A83B-D8B9E2184D46}" presName="Name37" presStyleLbl="parChTrans1D4" presStyleIdx="3" presStyleCnt="7"/>
       <dgm:spPr/>
+      <dgm:t>
+        <a:bodyPr/>
+        <a:lstStyle/>
+        <a:p>
+          <a:endParaRPr lang="de-DE"/>
+        </a:p>
+      </dgm:t>
     </dgm:pt>
     <dgm:pt modelId="{70B4AF15-3C68-48F6-A2FD-37D9CBB7884C}" type="pres">
       <dgm:prSet presAssocID="{270BEE6F-2C56-4827-9E7A-D9E89357073A}" presName="hierRoot2" presStyleCnt="0">
@@ -2332,6 +2478,13 @@
     <dgm:pt modelId="{5B933681-DE6A-4935-82A7-0509A910A9A4}" type="pres">
       <dgm:prSet presAssocID="{270BEE6F-2C56-4827-9E7A-D9E89357073A}" presName="rootConnector" presStyleLbl="node4" presStyleIdx="3" presStyleCnt="7"/>
       <dgm:spPr/>
+      <dgm:t>
+        <a:bodyPr/>
+        <a:lstStyle/>
+        <a:p>
+          <a:endParaRPr lang="de-DE"/>
+        </a:p>
+      </dgm:t>
     </dgm:pt>
     <dgm:pt modelId="{8B02B157-8A2A-4696-A726-3D32DA686718}" type="pres">
       <dgm:prSet presAssocID="{270BEE6F-2C56-4827-9E7A-D9E89357073A}" presName="hierChild4" presStyleCnt="0"/>
@@ -2344,6 +2497,13 @@
     <dgm:pt modelId="{4013B4B6-4487-4BA1-A2D2-3518FC17178F}" type="pres">
       <dgm:prSet presAssocID="{91CA89EE-BC4A-4834-B60F-925408B98746}" presName="Name37" presStyleLbl="parChTrans1D4" presStyleIdx="4" presStyleCnt="7"/>
       <dgm:spPr/>
+      <dgm:t>
+        <a:bodyPr/>
+        <a:lstStyle/>
+        <a:p>
+          <a:endParaRPr lang="de-DE"/>
+        </a:p>
+      </dgm:t>
     </dgm:pt>
     <dgm:pt modelId="{D36B2EAB-6328-4CD9-820A-D8C7B7A62F9E}" type="pres">
       <dgm:prSet presAssocID="{238AF202-FC15-4185-BFB0-CA07D2C4F3F9}" presName="hierRoot2" presStyleCnt="0">
@@ -2375,6 +2535,13 @@
     <dgm:pt modelId="{3ACE5AC5-CCF3-4813-86F3-CA9684BFDAE6}" type="pres">
       <dgm:prSet presAssocID="{238AF202-FC15-4185-BFB0-CA07D2C4F3F9}" presName="rootConnector" presStyleLbl="node4" presStyleIdx="4" presStyleCnt="7"/>
       <dgm:spPr/>
+      <dgm:t>
+        <a:bodyPr/>
+        <a:lstStyle/>
+        <a:p>
+          <a:endParaRPr lang="de-DE"/>
+        </a:p>
+      </dgm:t>
     </dgm:pt>
     <dgm:pt modelId="{B161A8E3-C5AE-457E-A2B9-5D895E8A12F6}" type="pres">
       <dgm:prSet presAssocID="{238AF202-FC15-4185-BFB0-CA07D2C4F3F9}" presName="hierChild4" presStyleCnt="0"/>
@@ -2389,8 +2556,15 @@
       <dgm:spPr/>
     </dgm:pt>
     <dgm:pt modelId="{7A49B742-3638-49B3-A71F-D6A49A18C5F1}" type="pres">
-      <dgm:prSet presAssocID="{A0A88FD2-0664-4A56-BE63-946D5533CF07}" presName="Name37" presStyleLbl="parChTrans1D3" presStyleIdx="6" presStyleCnt="9"/>
-      <dgm:spPr/>
+      <dgm:prSet presAssocID="{A0A88FD2-0664-4A56-BE63-946D5533CF07}" presName="Name37" presStyleLbl="parChTrans1D3" presStyleIdx="5" presStyleCnt="10"/>
+      <dgm:spPr/>
+      <dgm:t>
+        <a:bodyPr/>
+        <a:lstStyle/>
+        <a:p>
+          <a:endParaRPr lang="de-DE"/>
+        </a:p>
+      </dgm:t>
     </dgm:pt>
     <dgm:pt modelId="{E92EB82A-12B3-4C07-B754-57F7637C46C7}" type="pres">
       <dgm:prSet presAssocID="{2502981D-B508-4D00-BBE3-C266A648905B}" presName="hierRoot2" presStyleCnt="0">
@@ -2405,7 +2579,7 @@
       <dgm:spPr/>
     </dgm:pt>
     <dgm:pt modelId="{34D4E5E4-68CC-437A-86B7-1D596880EB2E}" type="pres">
-      <dgm:prSet presAssocID="{2502981D-B508-4D00-BBE3-C266A648905B}" presName="rootText" presStyleLbl="node3" presStyleIdx="6" presStyleCnt="9">
+      <dgm:prSet presAssocID="{2502981D-B508-4D00-BBE3-C266A648905B}" presName="rootText" presStyleLbl="node3" presStyleIdx="5" presStyleCnt="10">
         <dgm:presLayoutVars>
           <dgm:chPref val="3"/>
         </dgm:presLayoutVars>
@@ -2420,8 +2594,15 @@
       </dgm:t>
     </dgm:pt>
     <dgm:pt modelId="{1B1CDD48-3727-404A-A7F2-A7C163EFA9B4}" type="pres">
-      <dgm:prSet presAssocID="{2502981D-B508-4D00-BBE3-C266A648905B}" presName="rootConnector" presStyleLbl="node3" presStyleIdx="6" presStyleCnt="9"/>
-      <dgm:spPr/>
+      <dgm:prSet presAssocID="{2502981D-B508-4D00-BBE3-C266A648905B}" presName="rootConnector" presStyleLbl="node3" presStyleIdx="5" presStyleCnt="10"/>
+      <dgm:spPr/>
+      <dgm:t>
+        <a:bodyPr/>
+        <a:lstStyle/>
+        <a:p>
+          <a:endParaRPr lang="de-DE"/>
+        </a:p>
+      </dgm:t>
     </dgm:pt>
     <dgm:pt modelId="{42D2DF20-3822-4BF2-9CB3-05E8F25472E1}" type="pres">
       <dgm:prSet presAssocID="{2502981D-B508-4D00-BBE3-C266A648905B}" presName="hierChild4" presStyleCnt="0"/>
@@ -2430,6 +2611,13 @@
     <dgm:pt modelId="{36755ADB-4774-42F4-B5DF-685D738A5BC8}" type="pres">
       <dgm:prSet presAssocID="{CC19FE3F-C17B-470C-A3B0-EB551EE659BD}" presName="Name37" presStyleLbl="parChTrans1D4" presStyleIdx="5" presStyleCnt="7"/>
       <dgm:spPr/>
+      <dgm:t>
+        <a:bodyPr/>
+        <a:lstStyle/>
+        <a:p>
+          <a:endParaRPr lang="de-DE"/>
+        </a:p>
+      </dgm:t>
     </dgm:pt>
     <dgm:pt modelId="{9FE722D3-6905-48E0-A8FC-C8AD1D72BA5A}" type="pres">
       <dgm:prSet presAssocID="{BF228FAE-E2F9-4440-A067-75BC2D09439E}" presName="hierRoot2" presStyleCnt="0">
@@ -2461,6 +2649,13 @@
     <dgm:pt modelId="{7625274D-FF50-41DF-84DB-11BC22C45A36}" type="pres">
       <dgm:prSet presAssocID="{BF228FAE-E2F9-4440-A067-75BC2D09439E}" presName="rootConnector" presStyleLbl="node4" presStyleIdx="5" presStyleCnt="7"/>
       <dgm:spPr/>
+      <dgm:t>
+        <a:bodyPr/>
+        <a:lstStyle/>
+        <a:p>
+          <a:endParaRPr lang="de-DE"/>
+        </a:p>
+      </dgm:t>
     </dgm:pt>
     <dgm:pt modelId="{0310138A-05B0-47A8-9C05-3346CE9BF995}" type="pres">
       <dgm:prSet presAssocID="{BF228FAE-E2F9-4440-A067-75BC2D09439E}" presName="hierChild4" presStyleCnt="0"/>
@@ -2473,6 +2668,13 @@
     <dgm:pt modelId="{DC2E5D02-8D5B-489E-92B8-769C86A6A212}" type="pres">
       <dgm:prSet presAssocID="{0B361A93-DC8B-43E9-9E58-435B18AFC9B2}" presName="Name37" presStyleLbl="parChTrans1D4" presStyleIdx="6" presStyleCnt="7"/>
       <dgm:spPr/>
+      <dgm:t>
+        <a:bodyPr/>
+        <a:lstStyle/>
+        <a:p>
+          <a:endParaRPr lang="de-DE"/>
+        </a:p>
+      </dgm:t>
     </dgm:pt>
     <dgm:pt modelId="{133AE3F3-B5F1-40B9-94D1-FDAC905CDCE4}" type="pres">
       <dgm:prSet presAssocID="{F2A070D0-90DC-4710-9AF5-B06B5662AEA6}" presName="hierRoot2" presStyleCnt="0">
@@ -2504,6 +2706,13 @@
     <dgm:pt modelId="{002116D8-3FBF-45CD-850E-4D9F16A63BA2}" type="pres">
       <dgm:prSet presAssocID="{F2A070D0-90DC-4710-9AF5-B06B5662AEA6}" presName="rootConnector" presStyleLbl="node4" presStyleIdx="6" presStyleCnt="7"/>
       <dgm:spPr/>
+      <dgm:t>
+        <a:bodyPr/>
+        <a:lstStyle/>
+        <a:p>
+          <a:endParaRPr lang="de-DE"/>
+        </a:p>
+      </dgm:t>
     </dgm:pt>
     <dgm:pt modelId="{EEE3D357-CFF8-4590-9E79-44C91DEDACD8}" type="pres">
       <dgm:prSet presAssocID="{F2A070D0-90DC-4710-9AF5-B06B5662AEA6}" presName="hierChild4" presStyleCnt="0"/>
@@ -2524,6 +2733,13 @@
     <dgm:pt modelId="{EDA619DB-9D3D-445F-A1B6-8136A798A345}" type="pres">
       <dgm:prSet presAssocID="{4B834CAB-818E-4F52-9286-EB6761DDC1AB}" presName="Name37" presStyleLbl="parChTrans1D2" presStyleIdx="3" presStyleCnt="5"/>
       <dgm:spPr/>
+      <dgm:t>
+        <a:bodyPr/>
+        <a:lstStyle/>
+        <a:p>
+          <a:endParaRPr lang="de-DE"/>
+        </a:p>
+      </dgm:t>
     </dgm:pt>
     <dgm:pt modelId="{4B4435BB-5768-4F5E-B815-AEA7F030D1E4}" type="pres">
       <dgm:prSet presAssocID="{5CC81FDE-3B98-4B95-AD39-89E4A4F2D92D}" presName="hierRoot2" presStyleCnt="0">
@@ -2555,14 +2771,28 @@
     <dgm:pt modelId="{781DFCE4-43A1-43B6-9B54-DDC2B388E18A}" type="pres">
       <dgm:prSet presAssocID="{5CC81FDE-3B98-4B95-AD39-89E4A4F2D92D}" presName="rootConnector" presStyleLbl="node2" presStyleIdx="3" presStyleCnt="5"/>
       <dgm:spPr/>
+      <dgm:t>
+        <a:bodyPr/>
+        <a:lstStyle/>
+        <a:p>
+          <a:endParaRPr lang="de-DE"/>
+        </a:p>
+      </dgm:t>
     </dgm:pt>
     <dgm:pt modelId="{29357991-63A8-4B00-8002-771FB55A3F62}" type="pres">
       <dgm:prSet presAssocID="{5CC81FDE-3B98-4B95-AD39-89E4A4F2D92D}" presName="hierChild4" presStyleCnt="0"/>
       <dgm:spPr/>
     </dgm:pt>
     <dgm:pt modelId="{794C1402-FE47-41F6-A06E-0AB094AACC3A}" type="pres">
-      <dgm:prSet presAssocID="{9735FA81-A365-4641-8F21-8EFA2F6CD387}" presName="Name37" presStyleLbl="parChTrans1D3" presStyleIdx="7" presStyleCnt="9"/>
-      <dgm:spPr/>
+      <dgm:prSet presAssocID="{9735FA81-A365-4641-8F21-8EFA2F6CD387}" presName="Name37" presStyleLbl="parChTrans1D3" presStyleIdx="6" presStyleCnt="10"/>
+      <dgm:spPr/>
+      <dgm:t>
+        <a:bodyPr/>
+        <a:lstStyle/>
+        <a:p>
+          <a:endParaRPr lang="de-DE"/>
+        </a:p>
+      </dgm:t>
     </dgm:pt>
     <dgm:pt modelId="{2CC79835-682D-486A-84C9-824DE42C82B8}" type="pres">
       <dgm:prSet presAssocID="{B97417FE-BCBA-4F7E-B26B-114EB0A63CDD}" presName="hierRoot2" presStyleCnt="0">
@@ -2577,7 +2807,7 @@
       <dgm:spPr/>
     </dgm:pt>
     <dgm:pt modelId="{E33D8E8D-3F33-46DC-8C84-D1C71321D732}" type="pres">
-      <dgm:prSet presAssocID="{B97417FE-BCBA-4F7E-B26B-114EB0A63CDD}" presName="rootText" presStyleLbl="node3" presStyleIdx="7" presStyleCnt="9">
+      <dgm:prSet presAssocID="{B97417FE-BCBA-4F7E-B26B-114EB0A63CDD}" presName="rootText" presStyleLbl="node3" presStyleIdx="6" presStyleCnt="10">
         <dgm:presLayoutVars>
           <dgm:chPref val="3"/>
         </dgm:presLayoutVars>
@@ -2592,8 +2822,15 @@
       </dgm:t>
     </dgm:pt>
     <dgm:pt modelId="{A639485A-B3DE-4FF7-8B8F-86421D00FFBF}" type="pres">
-      <dgm:prSet presAssocID="{B97417FE-BCBA-4F7E-B26B-114EB0A63CDD}" presName="rootConnector" presStyleLbl="node3" presStyleIdx="7" presStyleCnt="9"/>
-      <dgm:spPr/>
+      <dgm:prSet presAssocID="{B97417FE-BCBA-4F7E-B26B-114EB0A63CDD}" presName="rootConnector" presStyleLbl="node3" presStyleIdx="6" presStyleCnt="10"/>
+      <dgm:spPr/>
+      <dgm:t>
+        <a:bodyPr/>
+        <a:lstStyle/>
+        <a:p>
+          <a:endParaRPr lang="de-DE"/>
+        </a:p>
+      </dgm:t>
     </dgm:pt>
     <dgm:pt modelId="{9C3426A6-6DA3-4483-884F-D134FDFC3014}" type="pres">
       <dgm:prSet presAssocID="{B97417FE-BCBA-4F7E-B26B-114EB0A63CDD}" presName="hierChild4" presStyleCnt="0"/>
@@ -2604,8 +2841,15 @@
       <dgm:spPr/>
     </dgm:pt>
     <dgm:pt modelId="{394E97AD-5282-4D3C-851B-1739E18C3B22}" type="pres">
-      <dgm:prSet presAssocID="{71383C8E-BA2F-4107-B6C7-08C92C51E575}" presName="Name37" presStyleLbl="parChTrans1D3" presStyleIdx="8" presStyleCnt="9"/>
-      <dgm:spPr/>
+      <dgm:prSet presAssocID="{71383C8E-BA2F-4107-B6C7-08C92C51E575}" presName="Name37" presStyleLbl="parChTrans1D3" presStyleIdx="7" presStyleCnt="10"/>
+      <dgm:spPr/>
+      <dgm:t>
+        <a:bodyPr/>
+        <a:lstStyle/>
+        <a:p>
+          <a:endParaRPr lang="de-DE"/>
+        </a:p>
+      </dgm:t>
     </dgm:pt>
     <dgm:pt modelId="{D170563D-5423-48C5-9C47-A65D29275EFB}" type="pres">
       <dgm:prSet presAssocID="{6BEC65C1-B5DA-4EA7-84AF-12402488F2FA}" presName="hierRoot2" presStyleCnt="0">
@@ -2620,7 +2864,7 @@
       <dgm:spPr/>
     </dgm:pt>
     <dgm:pt modelId="{2C4631C8-13A4-470E-8A9B-D904F220465A}" type="pres">
-      <dgm:prSet presAssocID="{6BEC65C1-B5DA-4EA7-84AF-12402488F2FA}" presName="rootText" presStyleLbl="node3" presStyleIdx="8" presStyleCnt="9">
+      <dgm:prSet presAssocID="{6BEC65C1-B5DA-4EA7-84AF-12402488F2FA}" presName="rootText" presStyleLbl="node3" presStyleIdx="7" presStyleCnt="10">
         <dgm:presLayoutVars>
           <dgm:chPref val="3"/>
         </dgm:presLayoutVars>
@@ -2635,8 +2879,15 @@
       </dgm:t>
     </dgm:pt>
     <dgm:pt modelId="{2D4163EB-C95A-4803-87E5-AF71E21D9F0A}" type="pres">
-      <dgm:prSet presAssocID="{6BEC65C1-B5DA-4EA7-84AF-12402488F2FA}" presName="rootConnector" presStyleLbl="node3" presStyleIdx="8" presStyleCnt="9"/>
-      <dgm:spPr/>
+      <dgm:prSet presAssocID="{6BEC65C1-B5DA-4EA7-84AF-12402488F2FA}" presName="rootConnector" presStyleLbl="node3" presStyleIdx="7" presStyleCnt="10"/>
+      <dgm:spPr/>
+      <dgm:t>
+        <a:bodyPr/>
+        <a:lstStyle/>
+        <a:p>
+          <a:endParaRPr lang="de-DE"/>
+        </a:p>
+      </dgm:t>
     </dgm:pt>
     <dgm:pt modelId="{B2D88DD4-4003-49B6-88B6-728A56032AB4}" type="pres">
       <dgm:prSet presAssocID="{6BEC65C1-B5DA-4EA7-84AF-12402488F2FA}" presName="hierChild4" presStyleCnt="0"/>
@@ -2653,6 +2904,13 @@
     <dgm:pt modelId="{722677F9-659F-4F19-B1A2-EF88290C73BD}" type="pres">
       <dgm:prSet presAssocID="{41CD59CA-F9D8-4CA1-A04F-A4DA4627C1CC}" presName="Name37" presStyleLbl="parChTrans1D2" presStyleIdx="4" presStyleCnt="5"/>
       <dgm:spPr/>
+      <dgm:t>
+        <a:bodyPr/>
+        <a:lstStyle/>
+        <a:p>
+          <a:endParaRPr lang="de-DE"/>
+        </a:p>
+      </dgm:t>
     </dgm:pt>
     <dgm:pt modelId="{93810826-555D-4956-B1D5-3741B963AC2F}" type="pres">
       <dgm:prSet presAssocID="{7DD12802-E74A-4097-86D1-028A7F959A05}" presName="hierRoot2" presStyleCnt="0">
@@ -2684,11 +2942,118 @@
     <dgm:pt modelId="{E979CEFB-882A-43F6-B0D1-C6E4CD22FE8F}" type="pres">
       <dgm:prSet presAssocID="{7DD12802-E74A-4097-86D1-028A7F959A05}" presName="rootConnector" presStyleLbl="node2" presStyleIdx="4" presStyleCnt="5"/>
       <dgm:spPr/>
+      <dgm:t>
+        <a:bodyPr/>
+        <a:lstStyle/>
+        <a:p>
+          <a:endParaRPr lang="de-DE"/>
+        </a:p>
+      </dgm:t>
     </dgm:pt>
     <dgm:pt modelId="{C51149F5-66CE-4D25-BC30-AFC67EC7E4D9}" type="pres">
       <dgm:prSet presAssocID="{7DD12802-E74A-4097-86D1-028A7F959A05}" presName="hierChild4" presStyleCnt="0"/>
       <dgm:spPr/>
     </dgm:pt>
+    <dgm:pt modelId="{1C0336C7-1C3B-4EC3-A39C-A32229FEE91F}" type="pres">
+      <dgm:prSet presAssocID="{3F2A56FE-F1F3-4B58-A8E4-6A6FF3C12065}" presName="Name37" presStyleLbl="parChTrans1D3" presStyleIdx="8" presStyleCnt="10"/>
+      <dgm:spPr/>
+    </dgm:pt>
+    <dgm:pt modelId="{49CF4F22-04BE-4AC8-8100-542149D9D21B}" type="pres">
+      <dgm:prSet presAssocID="{1A2BC42C-D917-47BA-9892-2A98BFAD301C}" presName="hierRoot2" presStyleCnt="0">
+        <dgm:presLayoutVars>
+          <dgm:hierBranch val="init"/>
+        </dgm:presLayoutVars>
+      </dgm:prSet>
+      <dgm:spPr/>
+    </dgm:pt>
+    <dgm:pt modelId="{DCD109F0-3F57-47D0-8E17-0DFA60BAF5D3}" type="pres">
+      <dgm:prSet presAssocID="{1A2BC42C-D917-47BA-9892-2A98BFAD301C}" presName="rootComposite" presStyleCnt="0"/>
+      <dgm:spPr/>
+    </dgm:pt>
+    <dgm:pt modelId="{D94E57F3-1295-403E-9BE0-48A7FD99AC72}" type="pres">
+      <dgm:prSet presAssocID="{1A2BC42C-D917-47BA-9892-2A98BFAD301C}" presName="rootText" presStyleLbl="node3" presStyleIdx="8" presStyleCnt="10">
+        <dgm:presLayoutVars>
+          <dgm:chPref val="3"/>
+        </dgm:presLayoutVars>
+      </dgm:prSet>
+      <dgm:spPr/>
+      <dgm:t>
+        <a:bodyPr/>
+        <a:lstStyle/>
+        <a:p>
+          <a:endParaRPr lang="de-DE"/>
+        </a:p>
+      </dgm:t>
+    </dgm:pt>
+    <dgm:pt modelId="{CFB5BC9A-3731-456B-9D76-4EE628132314}" type="pres">
+      <dgm:prSet presAssocID="{1A2BC42C-D917-47BA-9892-2A98BFAD301C}" presName="rootConnector" presStyleLbl="node3" presStyleIdx="8" presStyleCnt="10"/>
+      <dgm:spPr/>
+      <dgm:t>
+        <a:bodyPr/>
+        <a:lstStyle/>
+        <a:p>
+          <a:endParaRPr lang="de-DE"/>
+        </a:p>
+      </dgm:t>
+    </dgm:pt>
+    <dgm:pt modelId="{0D7DB93A-DCEE-4419-8599-51B67E21DA01}" type="pres">
+      <dgm:prSet presAssocID="{1A2BC42C-D917-47BA-9892-2A98BFAD301C}" presName="hierChild4" presStyleCnt="0"/>
+      <dgm:spPr/>
+    </dgm:pt>
+    <dgm:pt modelId="{118CFA7B-C4B6-420F-98BE-DF39C828CD68}" type="pres">
+      <dgm:prSet presAssocID="{1A2BC42C-D917-47BA-9892-2A98BFAD301C}" presName="hierChild5" presStyleCnt="0"/>
+      <dgm:spPr/>
+    </dgm:pt>
+    <dgm:pt modelId="{562C605B-7DD0-4B03-9063-F50EE92E1CA5}" type="pres">
+      <dgm:prSet presAssocID="{7E029FC5-0B45-4201-9BBC-FB6C44F05368}" presName="Name37" presStyleLbl="parChTrans1D3" presStyleIdx="9" presStyleCnt="10"/>
+      <dgm:spPr/>
+    </dgm:pt>
+    <dgm:pt modelId="{DF52BB91-9E7F-41E9-B6E8-381D9C0A6FB7}" type="pres">
+      <dgm:prSet presAssocID="{9D320C81-0A74-4E83-9A78-EDE402268EA2}" presName="hierRoot2" presStyleCnt="0">
+        <dgm:presLayoutVars>
+          <dgm:hierBranch val="init"/>
+        </dgm:presLayoutVars>
+      </dgm:prSet>
+      <dgm:spPr/>
+    </dgm:pt>
+    <dgm:pt modelId="{27B7C032-E72F-49A0-A665-24FA294AD99D}" type="pres">
+      <dgm:prSet presAssocID="{9D320C81-0A74-4E83-9A78-EDE402268EA2}" presName="rootComposite" presStyleCnt="0"/>
+      <dgm:spPr/>
+    </dgm:pt>
+    <dgm:pt modelId="{CA5B0725-412D-430C-AD19-F662C982586F}" type="pres">
+      <dgm:prSet presAssocID="{9D320C81-0A74-4E83-9A78-EDE402268EA2}" presName="rootText" presStyleLbl="node3" presStyleIdx="9" presStyleCnt="10">
+        <dgm:presLayoutVars>
+          <dgm:chPref val="3"/>
+        </dgm:presLayoutVars>
+      </dgm:prSet>
+      <dgm:spPr/>
+      <dgm:t>
+        <a:bodyPr/>
+        <a:lstStyle/>
+        <a:p>
+          <a:endParaRPr lang="de-DE"/>
+        </a:p>
+      </dgm:t>
+    </dgm:pt>
+    <dgm:pt modelId="{B0AD86AF-D4B7-47AA-A340-27CAC413D1EA}" type="pres">
+      <dgm:prSet presAssocID="{9D320C81-0A74-4E83-9A78-EDE402268EA2}" presName="rootConnector" presStyleLbl="node3" presStyleIdx="9" presStyleCnt="10"/>
+      <dgm:spPr/>
+      <dgm:t>
+        <a:bodyPr/>
+        <a:lstStyle/>
+        <a:p>
+          <a:endParaRPr lang="de-DE"/>
+        </a:p>
+      </dgm:t>
+    </dgm:pt>
+    <dgm:pt modelId="{09003C8B-1F64-46B5-BB1F-C3A543365C61}" type="pres">
+      <dgm:prSet presAssocID="{9D320C81-0A74-4E83-9A78-EDE402268EA2}" presName="hierChild4" presStyleCnt="0"/>
+      <dgm:spPr/>
+    </dgm:pt>
+    <dgm:pt modelId="{86843BDA-CD70-4CFB-974D-815F521E7D17}" type="pres">
+      <dgm:prSet presAssocID="{9D320C81-0A74-4E83-9A78-EDE402268EA2}" presName="hierChild5" presStyleCnt="0"/>
+      <dgm:spPr/>
+    </dgm:pt>
     <dgm:pt modelId="{4915874F-9AE7-4812-9E6B-9332BDA8F98C}" type="pres">
       <dgm:prSet presAssocID="{7DD12802-E74A-4097-86D1-028A7F959A05}" presName="hierChild5" presStyleCnt="0"/>
       <dgm:spPr/>
@@ -2699,94 +3064,98 @@
     </dgm:pt>
   </dgm:ptLst>
   <dgm:cxnLst>
+    <dgm:cxn modelId="{4D5F7AE8-51F1-41DB-AAD4-EED2643B49FB}" type="presOf" srcId="{35F2F850-E107-4C77-8C9D-F91B243DC4A5}" destId="{AF007662-F341-4510-BF09-E05402B91184}" srcOrd="1" destOrd="0" presId="urn:microsoft.com/office/officeart/2005/8/layout/orgChart1"/>
+    <dgm:cxn modelId="{10B4C848-3F32-4893-81A6-DA12E261A7C0}" type="presOf" srcId="{BF228FAE-E2F9-4440-A067-75BC2D09439E}" destId="{7625274D-FF50-41DF-84DB-11BC22C45A36}" srcOrd="1" destOrd="0" presId="urn:microsoft.com/office/officeart/2005/8/layout/orgChart1"/>
+    <dgm:cxn modelId="{0FC609F1-AAC4-4FAF-9B3B-41F5C2F8D3C0}" type="presOf" srcId="{24A9F61A-F705-4899-85B6-BE7BEA938049}" destId="{FE964393-FF24-4F12-9E04-C5AC74F5291E}" srcOrd="1" destOrd="0" presId="urn:microsoft.com/office/officeart/2005/8/layout/orgChart1"/>
+    <dgm:cxn modelId="{0262AF80-CE15-43E0-9E9E-A30B4E447467}" type="presOf" srcId="{5CC81FDE-3B98-4B95-AD39-89E4A4F2D92D}" destId="{781DFCE4-43A1-43B6-9B54-DDC2B388E18A}" srcOrd="1" destOrd="0" presId="urn:microsoft.com/office/officeart/2005/8/layout/orgChart1"/>
+    <dgm:cxn modelId="{56F81063-38ED-4965-A44F-90995047F453}" srcId="{2018ECA3-3A50-4106-AD7A-B731246A7598}" destId="{9F0B79EA-3A30-448C-90A2-15B8E9112023}" srcOrd="1" destOrd="0" parTransId="{81A8F166-AF98-495B-AFD5-4B70C9FEEB93}" sibTransId="{85E8328E-F519-4D47-AC71-E81378C096CD}"/>
+    <dgm:cxn modelId="{0734FB30-C88D-48DF-8A55-8F2FA11CD7D7}" type="presOf" srcId="{81A8F166-AF98-495B-AFD5-4B70C9FEEB93}" destId="{989FA015-F7E7-4C0D-9F5B-8CEF27A60918}" srcOrd="0" destOrd="0" presId="urn:microsoft.com/office/officeart/2005/8/layout/orgChart1"/>
+    <dgm:cxn modelId="{A5AA5415-F98B-4B0B-A4A8-B9FEE09AB379}" type="presOf" srcId="{2502981D-B508-4D00-BBE3-C266A648905B}" destId="{34D4E5E4-68CC-437A-86B7-1D596880EB2E}" srcOrd="0" destOrd="0" presId="urn:microsoft.com/office/officeart/2005/8/layout/orgChart1"/>
+    <dgm:cxn modelId="{658CB509-02F2-4814-9D27-A43D9BEC4F92}" srcId="{9F0B79EA-3A30-448C-90A2-15B8E9112023}" destId="{35F2F850-E107-4C77-8C9D-F91B243DC4A5}" srcOrd="1" destOrd="0" parTransId="{2DCF58DD-E3D0-4E43-9D60-E17E6BC34C3E}" sibTransId="{33DFDB88-B597-4516-B152-EA9E667C9F60}"/>
+    <dgm:cxn modelId="{81EE1E1C-72CD-47F9-9ECB-D58978B3F592}" type="presOf" srcId="{1A2BC42C-D917-47BA-9892-2A98BFAD301C}" destId="{CFB5BC9A-3731-456B-9D76-4EE628132314}" srcOrd="1" destOrd="0" presId="urn:microsoft.com/office/officeart/2005/8/layout/orgChart1"/>
     <dgm:cxn modelId="{E889756A-0E8E-4804-AA02-515F8981569A}" type="presOf" srcId="{085AFD13-7F14-47B7-B76D-A7F6AA6D7212}" destId="{1A350C2A-05E7-447D-A367-A20852E33E48}" srcOrd="0" destOrd="0" presId="urn:microsoft.com/office/officeart/2005/8/layout/orgChart1"/>
-    <dgm:cxn modelId="{10B4C848-3F32-4893-81A6-DA12E261A7C0}" type="presOf" srcId="{BF228FAE-E2F9-4440-A067-75BC2D09439E}" destId="{7625274D-FF50-41DF-84DB-11BC22C45A36}" srcOrd="1" destOrd="0" presId="urn:microsoft.com/office/officeart/2005/8/layout/orgChart1"/>
-    <dgm:cxn modelId="{56F81063-38ED-4965-A44F-90995047F453}" srcId="{2018ECA3-3A50-4106-AD7A-B731246A7598}" destId="{9F0B79EA-3A30-448C-90A2-15B8E9112023}" srcOrd="1" destOrd="0" parTransId="{81A8F166-AF98-495B-AFD5-4B70C9FEEB93}" sibTransId="{85E8328E-F519-4D47-AC71-E81378C096CD}"/>
+    <dgm:cxn modelId="{3525C27C-5AAE-4834-9C45-7E3B6AD5A52F}" type="presOf" srcId="{1199739B-BFE7-4EDE-9E9F-B924D03D7AC9}" destId="{5D798A56-5DCE-4375-B08A-9E5028C52174}" srcOrd="0" destOrd="0" presId="urn:microsoft.com/office/officeart/2005/8/layout/orgChart1"/>
+    <dgm:cxn modelId="{1CE9031A-0783-4A20-B18F-2D5F8E8B423F}" srcId="{35F2F850-E107-4C77-8C9D-F91B243DC4A5}" destId="{085AFD13-7F14-47B7-B76D-A7F6AA6D7212}" srcOrd="0" destOrd="0" parTransId="{87C6722B-8411-4627-88ED-F20025A38A56}" sibTransId="{D934D5F9-9223-4490-A537-0C0B68174B19}"/>
+    <dgm:cxn modelId="{E2D0A395-B9A4-44CF-8500-02E687AAFE9A}" type="presOf" srcId="{24A9F61A-F705-4899-85B6-BE7BEA938049}" destId="{8E128385-4E4F-4484-A4CF-529E679AEB44}" srcOrd="0" destOrd="0" presId="urn:microsoft.com/office/officeart/2005/8/layout/orgChart1"/>
+    <dgm:cxn modelId="{139A8D14-5574-461B-B3DA-991766D5F892}" srcId="{5CC81FDE-3B98-4B95-AD39-89E4A4F2D92D}" destId="{6BEC65C1-B5DA-4EA7-84AF-12402488F2FA}" srcOrd="1" destOrd="0" parTransId="{71383C8E-BA2F-4107-B6C7-08C92C51E575}" sibTransId="{FA040C3E-DFAC-4170-8A15-DD8397136B0D}"/>
+    <dgm:cxn modelId="{C807E77E-BB01-4AA8-97EF-1155F0B4E132}" type="presOf" srcId="{FDDA1B6B-1D57-4249-BFEA-C1F357D8F7DB}" destId="{D0D61E12-9153-48D3-A2FC-AA594E45FA03}" srcOrd="0" destOrd="0" presId="urn:microsoft.com/office/officeart/2005/8/layout/orgChart1"/>
+    <dgm:cxn modelId="{413F3A88-8B64-4AB9-95F4-45747A4F6EC3}" srcId="{0520B758-E43F-43DC-8B3F-027FD277C58B}" destId="{24A9F61A-F705-4899-85B6-BE7BEA938049}" srcOrd="0" destOrd="0" parTransId="{5EEA19EC-82E6-48A6-A9DF-5998351B73D7}" sibTransId="{FAB74B7E-CAA5-48DC-8963-3500579199D0}"/>
+    <dgm:cxn modelId="{974AA234-1440-46D7-A175-2C8600FAF478}" type="presOf" srcId="{B4CD55CE-5A64-4000-9BDC-B03F47603D86}" destId="{4AF33755-706D-4315-B258-1F1C2070289F}" srcOrd="0" destOrd="0" presId="urn:microsoft.com/office/officeart/2005/8/layout/orgChart1"/>
+    <dgm:cxn modelId="{F7797B2A-125B-4C0B-A0DB-B8437AE07347}" srcId="{5F27BC77-8941-43F4-8B90-FB3B05823CAC}" destId="{2018ECA3-3A50-4106-AD7A-B731246A7598}" srcOrd="0" destOrd="0" parTransId="{93CCB537-67DE-4CC6-8D9A-856EDB5572C9}" sibTransId="{EEB4D02B-1A50-4631-B303-68850DFE97D9}"/>
+    <dgm:cxn modelId="{84BB7F5F-1052-4F7D-A3B4-CEDAC0F6F465}" type="presOf" srcId="{41CD59CA-F9D8-4CA1-A04F-A4DA4627C1CC}" destId="{722677F9-659F-4F19-B1A2-EF88290C73BD}" srcOrd="0" destOrd="0" presId="urn:microsoft.com/office/officeart/2005/8/layout/orgChart1"/>
+    <dgm:cxn modelId="{0B05A31D-F65E-4E1E-860D-60A12A4321D4}" srcId="{0520B758-E43F-43DC-8B3F-027FD277C58B}" destId="{2502981D-B508-4D00-BBE3-C266A648905B}" srcOrd="1" destOrd="0" parTransId="{A0A88FD2-0664-4A56-BE63-946D5533CF07}" sibTransId="{F69F2A0E-4AF0-422E-AFAC-2B8C277D4922}"/>
+    <dgm:cxn modelId="{60AC721A-EEB5-4598-886A-ED978EE70EDC}" type="presOf" srcId="{F2A070D0-90DC-4710-9AF5-B06B5662AEA6}" destId="{DE55CCFF-0CB8-4F39-8009-B257196C6675}" srcOrd="0" destOrd="0" presId="urn:microsoft.com/office/officeart/2005/8/layout/orgChart1"/>
+    <dgm:cxn modelId="{2C58A8E4-8AC3-4D93-9DE0-2FE5D74EA321}" type="presOf" srcId="{03CB0662-E879-4F8D-8F23-6182AFD1D0F2}" destId="{A3259B1B-DB33-4D5F-8977-A5F3077C258A}" srcOrd="0" destOrd="0" presId="urn:microsoft.com/office/officeart/2005/8/layout/orgChart1"/>
+    <dgm:cxn modelId="{0D2EE4F1-1378-49B8-B2C0-1218AB0F83BF}" type="presOf" srcId="{270BEE6F-2C56-4827-9E7A-D9E89357073A}" destId="{5B933681-DE6A-4935-82A7-0509A910A9A4}" srcOrd="1" destOrd="0" presId="urn:microsoft.com/office/officeart/2005/8/layout/orgChart1"/>
+    <dgm:cxn modelId="{3C4A128B-6933-4B54-A176-49B19B4D19B5}" srcId="{24A9F61A-F705-4899-85B6-BE7BEA938049}" destId="{FDDA1B6B-1D57-4249-BFEA-C1F357D8F7DB}" srcOrd="0" destOrd="0" parTransId="{8AD0676E-5553-460D-B309-99833FC441A9}" sibTransId="{35E4DF9E-A722-48D1-ABB0-F242726577EE}"/>
+    <dgm:cxn modelId="{AD11DC8C-3D03-41CF-8DFA-6C34ABC19A52}" type="presOf" srcId="{0520B758-E43F-43DC-8B3F-027FD277C58B}" destId="{6D0C319E-23D6-43F1-B42A-A98526B61A96}" srcOrd="0" destOrd="0" presId="urn:microsoft.com/office/officeart/2005/8/layout/orgChart1"/>
+    <dgm:cxn modelId="{BA797577-CC54-430D-982D-24CEDEAFE85B}" type="presOf" srcId="{1A2BC42C-D917-47BA-9892-2A98BFAD301C}" destId="{D94E57F3-1295-403E-9BE0-48A7FD99AC72}" srcOrd="0" destOrd="0" presId="urn:microsoft.com/office/officeart/2005/8/layout/orgChart1"/>
+    <dgm:cxn modelId="{AF7475BA-5B53-4E11-9F86-DF91C4C12249}" type="presOf" srcId="{2018ECA3-3A50-4106-AD7A-B731246A7598}" destId="{1058AA14-F65C-440C-AFE3-B314A177C29A}" srcOrd="0" destOrd="0" presId="urn:microsoft.com/office/officeart/2005/8/layout/orgChart1"/>
+    <dgm:cxn modelId="{D893047D-9855-4DA6-9FA3-AA77B4095214}" type="presOf" srcId="{7E029FC5-0B45-4201-9BBC-FB6C44F05368}" destId="{562C605B-7DD0-4B03-9063-F50EE92E1CA5}" srcOrd="0" destOrd="0" presId="urn:microsoft.com/office/officeart/2005/8/layout/orgChart1"/>
+    <dgm:cxn modelId="{F96E68CC-2A40-4FB0-BE9A-FBDBC5B9FC3E}" type="presOf" srcId="{3F2A56FE-F1F3-4B58-A8E4-6A6FF3C12065}" destId="{1C0336C7-1C3B-4EC3-A39C-A32229FEE91F}" srcOrd="0" destOrd="0" presId="urn:microsoft.com/office/officeart/2005/8/layout/orgChart1"/>
+    <dgm:cxn modelId="{5020BA93-3DC6-49F5-B2E9-F9F386EB175F}" type="presOf" srcId="{6BEC65C1-B5DA-4EA7-84AF-12402488F2FA}" destId="{2D4163EB-C95A-4803-87E5-AF71E21D9F0A}" srcOrd="1" destOrd="0" presId="urn:microsoft.com/office/officeart/2005/8/layout/orgChart1"/>
+    <dgm:cxn modelId="{04C776B0-ED38-49D3-BD98-FB67A64DF6A6}" type="presOf" srcId="{7DD12802-E74A-4097-86D1-028A7F959A05}" destId="{602B28CD-9751-402D-B38A-9208699B88B9}" srcOrd="0" destOrd="0" presId="urn:microsoft.com/office/officeart/2005/8/layout/orgChart1"/>
+    <dgm:cxn modelId="{DA442048-9214-422A-AD55-B62E4D42569A}" type="presOf" srcId="{DA23096C-C503-4079-9651-0120D7DFD8FB}" destId="{5A4A07DA-DC3F-4FB2-985A-69869BE7034F}" srcOrd="0" destOrd="0" presId="urn:microsoft.com/office/officeart/2005/8/layout/orgChart1"/>
+    <dgm:cxn modelId="{5250407C-D23B-4BD4-A19D-9BD02DCCBB1E}" srcId="{DA23096C-C503-4079-9651-0120D7DFD8FB}" destId="{B4CD55CE-5A64-4000-9BDC-B03F47603D86}" srcOrd="0" destOrd="0" parTransId="{FEA03D8D-E2A3-446C-8872-F4EF7675901C}" sibTransId="{33FCC0AA-CB6D-4F6F-9CCB-872253B5A16B}"/>
+    <dgm:cxn modelId="{BCD3C035-DB26-47F1-8741-A74106EB1162}" type="presOf" srcId="{A0A88FD2-0664-4A56-BE63-946D5533CF07}" destId="{7A49B742-3638-49B3-A71F-D6A49A18C5F1}" srcOrd="0" destOrd="0" presId="urn:microsoft.com/office/officeart/2005/8/layout/orgChart1"/>
+    <dgm:cxn modelId="{F41FAD95-67CD-4EAF-8833-F8E36085A659}" srcId="{5CC81FDE-3B98-4B95-AD39-89E4A4F2D92D}" destId="{B97417FE-BCBA-4F7E-B26B-114EB0A63CDD}" srcOrd="0" destOrd="0" parTransId="{9735FA81-A365-4641-8F21-8EFA2F6CD387}" sibTransId="{DD249135-6B6F-4BDF-91F4-210EB4E24F39}"/>
+    <dgm:cxn modelId="{B422971E-6C3F-44B4-9659-C0B3B6EA0CAA}" type="presOf" srcId="{085AFD13-7F14-47B7-B76D-A7F6AA6D7212}" destId="{46D53ED0-223E-4775-9DAF-03CE5C37E983}" srcOrd="1" destOrd="0" presId="urn:microsoft.com/office/officeart/2005/8/layout/orgChart1"/>
+    <dgm:cxn modelId="{EE970E6C-4262-405F-840E-165E6479255F}" type="presOf" srcId="{35F2F850-E107-4C77-8C9D-F91B243DC4A5}" destId="{F8718B6D-A3A0-4C07-B15E-4D6AA2E80E21}" srcOrd="0" destOrd="0" presId="urn:microsoft.com/office/officeart/2005/8/layout/orgChart1"/>
+    <dgm:cxn modelId="{79C49F6B-DF60-4F7E-876D-8A0CBAA41E74}" type="presOf" srcId="{9D320C81-0A74-4E83-9A78-EDE402268EA2}" destId="{B0AD86AF-D4B7-47AA-A340-27CAC413D1EA}" srcOrd="1" destOrd="0" presId="urn:microsoft.com/office/officeart/2005/8/layout/orgChart1"/>
+    <dgm:cxn modelId="{8A6F1D29-16C7-43E0-8D6C-2B6FD7830F73}" type="presOf" srcId="{8AD0676E-5553-460D-B309-99833FC441A9}" destId="{89A51EBE-9714-4FEA-8270-2B8A9D36AEBA}" srcOrd="0" destOrd="0" presId="urn:microsoft.com/office/officeart/2005/8/layout/orgChart1"/>
+    <dgm:cxn modelId="{BB5A7476-A1FD-41BA-B6AA-A448089510D3}" type="presOf" srcId="{C65A0A47-1744-428E-A2CA-26F846199C1C}" destId="{7E1259E6-9B91-4841-A55A-80511B9ACB54}" srcOrd="1" destOrd="0" presId="urn:microsoft.com/office/officeart/2005/8/layout/orgChart1"/>
+    <dgm:cxn modelId="{AED80F1F-482E-4CA1-9278-9683025FB3D2}" type="presOf" srcId="{2DCF58DD-E3D0-4E43-9D60-E17E6BC34C3E}" destId="{2D2F53EB-A352-4924-8B99-8D078D24C7EA}" srcOrd="0" destOrd="0" presId="urn:microsoft.com/office/officeart/2005/8/layout/orgChart1"/>
+    <dgm:cxn modelId="{322E983C-B738-4DBB-A459-7C48BBB8DD1A}" srcId="{2502981D-B508-4D00-BBE3-C266A648905B}" destId="{BF228FAE-E2F9-4440-A067-75BC2D09439E}" srcOrd="0" destOrd="0" parTransId="{CC19FE3F-C17B-470C-A3B0-EB551EE659BD}" sibTransId="{EBBE59DE-AB61-44BB-9CD9-D5787C473FB3}"/>
+    <dgm:cxn modelId="{D8E6A6F0-779F-461A-99B9-57DA6FB67477}" type="presOf" srcId="{5F27BC77-8941-43F4-8B90-FB3B05823CAC}" destId="{B6F79879-3595-4E55-B58D-6113B02CD8E8}" srcOrd="0" destOrd="0" presId="urn:microsoft.com/office/officeart/2005/8/layout/orgChart1"/>
+    <dgm:cxn modelId="{85206848-C804-4BA3-9671-3125AF0D8244}" type="presOf" srcId="{9F0B79EA-3A30-448C-90A2-15B8E9112023}" destId="{0D2350D7-2FC9-4757-8FB8-DAF4285B6035}" srcOrd="0" destOrd="0" presId="urn:microsoft.com/office/officeart/2005/8/layout/orgChart1"/>
+    <dgm:cxn modelId="{149407FE-0D4A-4984-8362-42F36C850602}" type="presOf" srcId="{9649AF04-732C-4AFA-88F7-8FC2C53116FF}" destId="{D7E127B8-2E5D-4A0F-976B-D3E8043E4C5B}" srcOrd="0" destOrd="0" presId="urn:microsoft.com/office/officeart/2005/8/layout/orgChart1"/>
+    <dgm:cxn modelId="{64D9CC28-AA28-4624-BC4A-204A13F00EB9}" srcId="{2018ECA3-3A50-4106-AD7A-B731246A7598}" destId="{DA23096C-C503-4079-9651-0120D7DFD8FB}" srcOrd="0" destOrd="0" parTransId="{02223512-5C62-4EE0-AA42-DE6D4435D584}" sibTransId="{DCB456B7-4643-43C9-AFCC-5CAF68398CF8}"/>
+    <dgm:cxn modelId="{C31259B2-8F09-4813-8603-127CAC5BA1F4}" type="presOf" srcId="{FEA03D8D-E2A3-446C-8872-F4EF7675901C}" destId="{2635FAE6-A136-440B-94EE-CD567052726F}" srcOrd="0" destOrd="0" presId="urn:microsoft.com/office/officeart/2005/8/layout/orgChart1"/>
+    <dgm:cxn modelId="{631AF3FD-A246-4ECB-83D9-3DDE5E4278B2}" srcId="{DA23096C-C503-4079-9651-0120D7DFD8FB}" destId="{A3D2CFEB-E623-4534-ADF8-DB2132888CFF}" srcOrd="1" destOrd="0" parTransId="{D452F109-5781-45E9-8B00-AF4D270F3020}" sibTransId="{C92DF03B-22AC-423C-814F-36762F5A1B0F}"/>
+    <dgm:cxn modelId="{1A60EF39-94CD-4388-8DF2-838118942B05}" type="presOf" srcId="{A3D2CFEB-E623-4534-ADF8-DB2132888CFF}" destId="{AD606730-8D94-4FAE-84AB-6C0CC4496D5D}" srcOrd="0" destOrd="0" presId="urn:microsoft.com/office/officeart/2005/8/layout/orgChart1"/>
+    <dgm:cxn modelId="{0111E53A-F125-4024-91D8-A2EE082E4AA0}" type="presOf" srcId="{0B361A93-DC8B-43E9-9E58-435B18AFC9B2}" destId="{DC2E5D02-8D5B-489E-92B8-769C86A6A212}" srcOrd="0" destOrd="0" presId="urn:microsoft.com/office/officeart/2005/8/layout/orgChart1"/>
+    <dgm:cxn modelId="{A17DA96F-C559-475C-BE27-FE8646F28698}" type="presOf" srcId="{02223512-5C62-4EE0-AA42-DE6D4435D584}" destId="{6A3AAAAC-3DFF-43F8-8209-3D0095E6D75A}" srcOrd="0" destOrd="0" presId="urn:microsoft.com/office/officeart/2005/8/layout/orgChart1"/>
+    <dgm:cxn modelId="{A637F482-39DD-4470-9BDC-05909EBA9DFB}" srcId="{24A9F61A-F705-4899-85B6-BE7BEA938049}" destId="{238AF202-FC15-4185-BFB0-CA07D2C4F3F9}" srcOrd="2" destOrd="0" parTransId="{91CA89EE-BC4A-4834-B60F-925408B98746}" sibTransId="{A936A088-6ED9-4ED9-BEC6-BF1B1EF5E5DF}"/>
+    <dgm:cxn modelId="{4294F149-73D0-46CD-BEE1-6CDCB66FD098}" srcId="{2502981D-B508-4D00-BBE3-C266A648905B}" destId="{F2A070D0-90DC-4710-9AF5-B06B5662AEA6}" srcOrd="1" destOrd="0" parTransId="{0B361A93-DC8B-43E9-9E58-435B18AFC9B2}" sibTransId="{D9D9AC85-EB10-48A2-BB10-5C819A97DE84}"/>
+    <dgm:cxn modelId="{C2D12244-3239-4E64-9507-0BB88FB63ACD}" type="presOf" srcId="{0520B758-E43F-43DC-8B3F-027FD277C58B}" destId="{83E75304-9D64-4ED0-A8F2-C2AD90D882CF}" srcOrd="1" destOrd="0" presId="urn:microsoft.com/office/officeart/2005/8/layout/orgChart1"/>
+    <dgm:cxn modelId="{6086D401-84F0-4B5E-8CF1-C7140967BB0C}" type="presOf" srcId="{D452F109-5781-45E9-8B00-AF4D270F3020}" destId="{AB95BCF8-91C6-4CC4-9159-EBAB7291A3AA}" srcOrd="0" destOrd="0" presId="urn:microsoft.com/office/officeart/2005/8/layout/orgChart1"/>
+    <dgm:cxn modelId="{41EFF8EB-97BC-4C22-B556-BCA7FF2C3850}" type="presOf" srcId="{DA23096C-C503-4079-9651-0120D7DFD8FB}" destId="{EC93B103-468E-4CBD-B903-F7F643BE1263}" srcOrd="1" destOrd="0" presId="urn:microsoft.com/office/officeart/2005/8/layout/orgChart1"/>
+    <dgm:cxn modelId="{134BF836-08D0-4BBA-8708-D2BD8F59EC06}" type="presOf" srcId="{4B834CAB-818E-4F52-9286-EB6761DDC1AB}" destId="{EDA619DB-9D3D-445F-A1B6-8136A798A345}" srcOrd="0" destOrd="0" presId="urn:microsoft.com/office/officeart/2005/8/layout/orgChart1"/>
+    <dgm:cxn modelId="{201CA1C3-EF9B-4F78-9C4D-E4E53240F309}" srcId="{35F2F850-E107-4C77-8C9D-F91B243DC4A5}" destId="{9649AF04-732C-4AFA-88F7-8FC2C53116FF}" srcOrd="1" destOrd="0" parTransId="{03CB0662-E879-4F8D-8F23-6182AFD1D0F2}" sibTransId="{F8C90F7B-6D0A-4EDA-A38E-9BE775B32392}"/>
+    <dgm:cxn modelId="{C15AB236-BD29-49A2-A73D-E51060745BC9}" type="presOf" srcId="{9F0B79EA-3A30-448C-90A2-15B8E9112023}" destId="{60B23CFF-F02E-4461-AAFB-9778B1658DF2}" srcOrd="1" destOrd="0" presId="urn:microsoft.com/office/officeart/2005/8/layout/orgChart1"/>
+    <dgm:cxn modelId="{8E029C15-A586-49EA-A17C-C1630F12BD28}" type="presOf" srcId="{238AF202-FC15-4185-BFB0-CA07D2C4F3F9}" destId="{3ACE5AC5-CCF3-4813-86F3-CA9684BFDAE6}" srcOrd="1" destOrd="0" presId="urn:microsoft.com/office/officeart/2005/8/layout/orgChart1"/>
+    <dgm:cxn modelId="{E26C256C-E267-469B-A9BD-047053ACA934}" type="presOf" srcId="{B4CD55CE-5A64-4000-9BDC-B03F47603D86}" destId="{5E69BB79-7E02-4BAB-9583-D3921136B6A3}" srcOrd="1" destOrd="0" presId="urn:microsoft.com/office/officeart/2005/8/layout/orgChart1"/>
+    <dgm:cxn modelId="{8A686676-A482-46E6-8351-4D8B74773777}" type="presOf" srcId="{C65A0A47-1744-428E-A2CA-26F846199C1C}" destId="{1575D451-D673-4424-AE4D-AB209AF5EC81}" srcOrd="0" destOrd="0" presId="urn:microsoft.com/office/officeart/2005/8/layout/orgChart1"/>
+    <dgm:cxn modelId="{AC5955BC-4831-4B78-8C2B-13C51ABC9584}" type="presOf" srcId="{CC19FE3F-C17B-470C-A3B0-EB551EE659BD}" destId="{36755ADB-4774-42F4-B5DF-685D738A5BC8}" srcOrd="0" destOrd="0" presId="urn:microsoft.com/office/officeart/2005/8/layout/orgChart1"/>
+    <dgm:cxn modelId="{5D0D2F16-3D63-4AFA-BBFE-4BA6DC8E3AC0}" srcId="{7DD12802-E74A-4097-86D1-028A7F959A05}" destId="{9D320C81-0A74-4E83-9A78-EDE402268EA2}" srcOrd="1" destOrd="0" parTransId="{7E029FC5-0B45-4201-9BBC-FB6C44F05368}" sibTransId="{5B678CCF-84DA-4A15-9790-D90C01312BF4}"/>
+    <dgm:cxn modelId="{1965E8F4-2B4C-4348-95A8-843F71E9A6D9}" type="presOf" srcId="{B97417FE-BCBA-4F7E-B26B-114EB0A63CDD}" destId="{A639485A-B3DE-4FF7-8B8F-86421D00FFBF}" srcOrd="1" destOrd="0" presId="urn:microsoft.com/office/officeart/2005/8/layout/orgChart1"/>
+    <dgm:cxn modelId="{1A14DDAD-8272-4E91-92A2-6FA1021F64E7}" type="presOf" srcId="{A3D2CFEB-E623-4534-ADF8-DB2132888CFF}" destId="{8B5ADAD1-6A48-4917-ACF8-1E93A1E2A654}" srcOrd="1" destOrd="0" presId="urn:microsoft.com/office/officeart/2005/8/layout/orgChart1"/>
+    <dgm:cxn modelId="{4A13E5AE-E438-4C26-839C-42D1E720EE6B}" type="presOf" srcId="{FDDA1B6B-1D57-4249-BFEA-C1F357D8F7DB}" destId="{EC5F192A-868D-4E0D-B55E-262045590AED}" srcOrd="1" destOrd="0" presId="urn:microsoft.com/office/officeart/2005/8/layout/orgChart1"/>
+    <dgm:cxn modelId="{5A49ED8D-BCB1-43CA-AC41-9E3FDBD9ABA8}" type="presOf" srcId="{EF96740E-451F-4D50-A83B-D8B9E2184D46}" destId="{7654533E-21FF-4056-AF83-E7A1A3DEF6CD}" srcOrd="0" destOrd="0" presId="urn:microsoft.com/office/officeart/2005/8/layout/orgChart1"/>
+    <dgm:cxn modelId="{4C4C284A-53E7-4DD1-95AD-CA3120C66F92}" srcId="{2018ECA3-3A50-4106-AD7A-B731246A7598}" destId="{7DD12802-E74A-4097-86D1-028A7F959A05}" srcOrd="4" destOrd="0" parTransId="{41CD59CA-F9D8-4CA1-A04F-A4DA4627C1CC}" sibTransId="{9A5C4603-0D36-495A-AAAC-E1D21476B892}"/>
+    <dgm:cxn modelId="{44BFE925-9EB2-4F02-ACB9-851BC9E84561}" type="presOf" srcId="{87C6722B-8411-4627-88ED-F20025A38A56}" destId="{6D4EC7F1-CA82-432F-971D-3C7AA1308BF2}" srcOrd="0" destOrd="0" presId="urn:microsoft.com/office/officeart/2005/8/layout/orgChart1"/>
+    <dgm:cxn modelId="{781C4749-9912-48CE-BD8C-1C77707F3F93}" type="presOf" srcId="{9D320C81-0A74-4E83-9A78-EDE402268EA2}" destId="{CA5B0725-412D-430C-AD19-F662C982586F}" srcOrd="0" destOrd="0" presId="urn:microsoft.com/office/officeart/2005/8/layout/orgChart1"/>
+    <dgm:cxn modelId="{6BFEA5C1-4A14-479A-BFFD-1AB0299BF18C}" type="presOf" srcId="{9649AF04-732C-4AFA-88F7-8FC2C53116FF}" destId="{E1BABCF3-339D-4090-9CAF-29C1BCCD5CF0}" srcOrd="1" destOrd="0" presId="urn:microsoft.com/office/officeart/2005/8/layout/orgChart1"/>
+    <dgm:cxn modelId="{816BE360-888F-4ED7-8E3C-573943B7B966}" type="presOf" srcId="{6BEC65C1-B5DA-4EA7-84AF-12402488F2FA}" destId="{2C4631C8-13A4-470E-8A9B-D904F220465A}" srcOrd="0" destOrd="0" presId="urn:microsoft.com/office/officeart/2005/8/layout/orgChart1"/>
+    <dgm:cxn modelId="{F26DDDEC-41D1-4218-B4B3-80AB5FDE31E2}" type="presOf" srcId="{91CA89EE-BC4A-4834-B60F-925408B98746}" destId="{4013B4B6-4487-4BA1-A2D2-3518FC17178F}" srcOrd="0" destOrd="0" presId="urn:microsoft.com/office/officeart/2005/8/layout/orgChart1"/>
+    <dgm:cxn modelId="{683B6AC8-E0DD-4FA2-9D37-3DCFFF522947}" type="presOf" srcId="{BF228FAE-E2F9-4440-A067-75BC2D09439E}" destId="{70CC56F8-3AC9-46BB-92F2-08916F5123B1}" srcOrd="0" destOrd="0" presId="urn:microsoft.com/office/officeart/2005/8/layout/orgChart1"/>
+    <dgm:cxn modelId="{811DF587-E783-4D60-A76B-ADFBBD7DAC45}" type="presOf" srcId="{270BEE6F-2C56-4827-9E7A-D9E89357073A}" destId="{0936718E-CEEA-4408-9F23-2080F361579F}" srcOrd="0" destOrd="0" presId="urn:microsoft.com/office/officeart/2005/8/layout/orgChart1"/>
+    <dgm:cxn modelId="{ABAFE405-3BAE-44CB-B26C-08ADD18C51D1}" type="presOf" srcId="{5CC81FDE-3B98-4B95-AD39-89E4A4F2D92D}" destId="{723EDBF7-BB25-40A8-9D84-FEC8BF62B464}" srcOrd="0" destOrd="0" presId="urn:microsoft.com/office/officeart/2005/8/layout/orgChart1"/>
+    <dgm:cxn modelId="{BC3ABDA0-DE97-4DB0-A6E3-90C4F49BADE3}" srcId="{2018ECA3-3A50-4106-AD7A-B731246A7598}" destId="{5CC81FDE-3B98-4B95-AD39-89E4A4F2D92D}" srcOrd="3" destOrd="0" parTransId="{4B834CAB-818E-4F52-9286-EB6761DDC1AB}" sibTransId="{AC3861EB-AEC7-4851-A42D-4D3CC2A6AA7B}"/>
+    <dgm:cxn modelId="{F3A46E32-D761-40C2-B0EA-7291D6D35642}" srcId="{7DD12802-E74A-4097-86D1-028A7F959A05}" destId="{1A2BC42C-D917-47BA-9892-2A98BFAD301C}" srcOrd="0" destOrd="0" parTransId="{3F2A56FE-F1F3-4B58-A8E4-6A6FF3C12065}" sibTransId="{DEB770E0-3D0E-45A5-95A4-5D65E42BA39F}"/>
+    <dgm:cxn modelId="{3A4FC1B0-FDCF-4494-B985-EA64C297FB80}" type="presOf" srcId="{B8722430-E04D-4FFD-BB4C-E90C8E6E9917}" destId="{8574B1D5-AB4E-4EA2-9BE4-CF4DA634B87C}" srcOrd="0" destOrd="0" presId="urn:microsoft.com/office/officeart/2005/8/layout/orgChart1"/>
+    <dgm:cxn modelId="{F267F84B-1FA7-4E62-ABEC-812E311D6414}" type="presOf" srcId="{F2A070D0-90DC-4710-9AF5-B06B5662AEA6}" destId="{002116D8-3FBF-45CD-850E-4D9F16A63BA2}" srcOrd="1" destOrd="0" presId="urn:microsoft.com/office/officeart/2005/8/layout/orgChart1"/>
+    <dgm:cxn modelId="{04C6CE32-EFD4-434F-8571-B87BE2ACB9CE}" type="presOf" srcId="{2502981D-B508-4D00-BBE3-C266A648905B}" destId="{1B1CDD48-3727-404A-A7F2-A7C163EFA9B4}" srcOrd="1" destOrd="0" presId="urn:microsoft.com/office/officeart/2005/8/layout/orgChart1"/>
     <dgm:cxn modelId="{22AB0ACE-4294-414B-AAAF-798103133538}" type="presOf" srcId="{5EEA19EC-82E6-48A6-A9DF-5998351B73D7}" destId="{74337026-54A3-416F-BF29-2F2933D2B907}" srcOrd="0" destOrd="0" presId="urn:microsoft.com/office/officeart/2005/8/layout/orgChart1"/>
-    <dgm:cxn modelId="{BCD3C035-DB26-47F1-8741-A74106EB1162}" type="presOf" srcId="{A0A88FD2-0664-4A56-BE63-946D5533CF07}" destId="{7A49B742-3638-49B3-A71F-D6A49A18C5F1}" srcOrd="0" destOrd="0" presId="urn:microsoft.com/office/officeart/2005/8/layout/orgChart1"/>
-    <dgm:cxn modelId="{816BE360-888F-4ED7-8E3C-573943B7B966}" type="presOf" srcId="{6BEC65C1-B5DA-4EA7-84AF-12402488F2FA}" destId="{2C4631C8-13A4-470E-8A9B-D904F220465A}" srcOrd="0" destOrd="0" presId="urn:microsoft.com/office/officeart/2005/8/layout/orgChart1"/>
-    <dgm:cxn modelId="{8E029C15-A586-49EA-A17C-C1630F12BD28}" type="presOf" srcId="{238AF202-FC15-4185-BFB0-CA07D2C4F3F9}" destId="{3ACE5AC5-CCF3-4813-86F3-CA9684BFDAE6}" srcOrd="1" destOrd="0" presId="urn:microsoft.com/office/officeart/2005/8/layout/orgChart1"/>
+    <dgm:cxn modelId="{B9A1AC47-1563-4EA2-8C6A-1AF6AD3C9D0A}" srcId="{24A9F61A-F705-4899-85B6-BE7BEA938049}" destId="{270BEE6F-2C56-4827-9E7A-D9E89357073A}" srcOrd="1" destOrd="0" parTransId="{EF96740E-451F-4D50-A83B-D8B9E2184D46}" sibTransId="{D0ACCEE7-795C-46DE-90E9-F964D1CD0259}"/>
+    <dgm:cxn modelId="{EA6C5C9C-8093-43A5-A7DA-FB0BB57EF203}" type="presOf" srcId="{238AF202-FC15-4185-BFB0-CA07D2C4F3F9}" destId="{233E93EC-7755-4700-ABEF-527A5EB0BB0A}" srcOrd="0" destOrd="0" presId="urn:microsoft.com/office/officeart/2005/8/layout/orgChart1"/>
+    <dgm:cxn modelId="{A1938B66-2A80-453F-ADE4-A9CC9A3FF95E}" type="presOf" srcId="{7DD12802-E74A-4097-86D1-028A7F959A05}" destId="{E979CEFB-882A-43F6-B0D1-C6E4CD22FE8F}" srcOrd="1" destOrd="0" presId="urn:microsoft.com/office/officeart/2005/8/layout/orgChart1"/>
+    <dgm:cxn modelId="{93A07223-F3F9-4728-84D4-3A5000F40DF5}" type="presOf" srcId="{B97417FE-BCBA-4F7E-B26B-114EB0A63CDD}" destId="{E33D8E8D-3F33-46DC-8C84-D1C71321D732}" srcOrd="0" destOrd="0" presId="urn:microsoft.com/office/officeart/2005/8/layout/orgChart1"/>
+    <dgm:cxn modelId="{8BCF3E7F-79F0-4840-9382-6490B5D65E69}" type="presOf" srcId="{2018ECA3-3A50-4106-AD7A-B731246A7598}" destId="{EDB2F9E9-0BB0-4A14-AE78-9ADE0DB7D7F9}" srcOrd="1" destOrd="0" presId="urn:microsoft.com/office/officeart/2005/8/layout/orgChart1"/>
+    <dgm:cxn modelId="{2730FB3B-C3E9-452C-BCD4-3233C566F903}" type="presOf" srcId="{9735FA81-A365-4641-8F21-8EFA2F6CD387}" destId="{794C1402-FE47-41F6-A06E-0AB094AACC3A}" srcOrd="0" destOrd="0" presId="urn:microsoft.com/office/officeart/2005/8/layout/orgChart1"/>
     <dgm:cxn modelId="{EF1CE36C-EBD8-4F94-8000-6B950C11FC85}" type="presOf" srcId="{71383C8E-BA2F-4107-B6C7-08C92C51E575}" destId="{394E97AD-5282-4D3C-851B-1739E18C3B22}" srcOrd="0" destOrd="0" presId="urn:microsoft.com/office/officeart/2005/8/layout/orgChart1"/>
-    <dgm:cxn modelId="{C31259B2-8F09-4813-8603-127CAC5BA1F4}" type="presOf" srcId="{FEA03D8D-E2A3-446C-8872-F4EF7675901C}" destId="{2635FAE6-A136-440B-94EE-CD567052726F}" srcOrd="0" destOrd="0" presId="urn:microsoft.com/office/officeart/2005/8/layout/orgChart1"/>
-    <dgm:cxn modelId="{B422971E-6C3F-44B4-9659-C0B3B6EA0CAA}" type="presOf" srcId="{085AFD13-7F14-47B7-B76D-A7F6AA6D7212}" destId="{46D53ED0-223E-4775-9DAF-03CE5C37E983}" srcOrd="1" destOrd="0" presId="urn:microsoft.com/office/officeart/2005/8/layout/orgChart1"/>
-    <dgm:cxn modelId="{A1938B66-2A80-453F-ADE4-A9CC9A3FF95E}" type="presOf" srcId="{7DD12802-E74A-4097-86D1-028A7F959A05}" destId="{E979CEFB-882A-43F6-B0D1-C6E4CD22FE8F}" srcOrd="1" destOrd="0" presId="urn:microsoft.com/office/officeart/2005/8/layout/orgChart1"/>
-    <dgm:cxn modelId="{BB5A7476-A1FD-41BA-B6AA-A448089510D3}" type="presOf" srcId="{C65A0A47-1744-428E-A2CA-26F846199C1C}" destId="{7E1259E6-9B91-4841-A55A-80511B9ACB54}" srcOrd="1" destOrd="0" presId="urn:microsoft.com/office/officeart/2005/8/layout/orgChart1"/>
-    <dgm:cxn modelId="{85206848-C804-4BA3-9671-3125AF0D8244}" type="presOf" srcId="{9F0B79EA-3A30-448C-90A2-15B8E9112023}" destId="{0D2350D7-2FC9-4757-8FB8-DAF4285B6035}" srcOrd="0" destOrd="0" presId="urn:microsoft.com/office/officeart/2005/8/layout/orgChart1"/>
-    <dgm:cxn modelId="{3C4A128B-6933-4B54-A176-49B19B4D19B5}" srcId="{24A9F61A-F705-4899-85B6-BE7BEA938049}" destId="{FDDA1B6B-1D57-4249-BFEA-C1F357D8F7DB}" srcOrd="0" destOrd="0" parTransId="{8AD0676E-5553-460D-B309-99833FC441A9}" sibTransId="{35E4DF9E-A722-48D1-ABB0-F242726577EE}"/>
-    <dgm:cxn modelId="{73985F79-380A-4C86-9702-7A71BBB5E0B8}" srcId="{DA23096C-C503-4079-9651-0120D7DFD8FB}" destId="{56314716-819A-426E-BA1F-D516AF566FA4}" srcOrd="2" destOrd="0" parTransId="{EEA53229-6E0C-48AA-A32A-DC4A07D11A5B}" sibTransId="{1ED3E5EB-0D74-414D-AAAD-91BFBDF0CF1D}"/>
-    <dgm:cxn modelId="{4A13E5AE-E438-4C26-839C-42D1E720EE6B}" type="presOf" srcId="{FDDA1B6B-1D57-4249-BFEA-C1F357D8F7DB}" destId="{EC5F192A-868D-4E0D-B55E-262045590AED}" srcOrd="1" destOrd="0" presId="urn:microsoft.com/office/officeart/2005/8/layout/orgChart1"/>
-    <dgm:cxn modelId="{B9A1AC47-1563-4EA2-8C6A-1AF6AD3C9D0A}" srcId="{24A9F61A-F705-4899-85B6-BE7BEA938049}" destId="{270BEE6F-2C56-4827-9E7A-D9E89357073A}" srcOrd="1" destOrd="0" parTransId="{EF96740E-451F-4D50-A83B-D8B9E2184D46}" sibTransId="{D0ACCEE7-795C-46DE-90E9-F964D1CD0259}"/>
-    <dgm:cxn modelId="{134BF836-08D0-4BBA-8708-D2BD8F59EC06}" type="presOf" srcId="{4B834CAB-818E-4F52-9286-EB6761DDC1AB}" destId="{EDA619DB-9D3D-445F-A1B6-8136A798A345}" srcOrd="0" destOrd="0" presId="urn:microsoft.com/office/officeart/2005/8/layout/orgChart1"/>
-    <dgm:cxn modelId="{41EFF8EB-97BC-4C22-B556-BCA7FF2C3850}" type="presOf" srcId="{DA23096C-C503-4079-9651-0120D7DFD8FB}" destId="{EC93B103-468E-4CBD-B903-F7F643BE1263}" srcOrd="1" destOrd="0" presId="urn:microsoft.com/office/officeart/2005/8/layout/orgChart1"/>
-    <dgm:cxn modelId="{1A14DDAD-8272-4E91-92A2-6FA1021F64E7}" type="presOf" srcId="{A3D2CFEB-E623-4534-ADF8-DB2132888CFF}" destId="{8B5ADAD1-6A48-4917-ACF8-1E93A1E2A654}" srcOrd="1" destOrd="0" presId="urn:microsoft.com/office/officeart/2005/8/layout/orgChart1"/>
-    <dgm:cxn modelId="{201CA1C3-EF9B-4F78-9C4D-E4E53240F309}" srcId="{35F2F850-E107-4C77-8C9D-F91B243DC4A5}" destId="{9649AF04-732C-4AFA-88F7-8FC2C53116FF}" srcOrd="1" destOrd="0" parTransId="{03CB0662-E879-4F8D-8F23-6182AFD1D0F2}" sibTransId="{F8C90F7B-6D0A-4EDA-A38E-9BE775B32392}"/>
-    <dgm:cxn modelId="{F26DDDEC-41D1-4218-B4B3-80AB5FDE31E2}" type="presOf" srcId="{91CA89EE-BC4A-4834-B60F-925408B98746}" destId="{4013B4B6-4487-4BA1-A2D2-3518FC17178F}" srcOrd="0" destOrd="0" presId="urn:microsoft.com/office/officeart/2005/8/layout/orgChart1"/>
-    <dgm:cxn modelId="{A5AA5415-F98B-4B0B-A4A8-B9FEE09AB379}" type="presOf" srcId="{2502981D-B508-4D00-BBE3-C266A648905B}" destId="{34D4E5E4-68CC-437A-86B7-1D596880EB2E}" srcOrd="0" destOrd="0" presId="urn:microsoft.com/office/officeart/2005/8/layout/orgChart1"/>
-    <dgm:cxn modelId="{D8E6A6F0-779F-461A-99B9-57DA6FB67477}" type="presOf" srcId="{5F27BC77-8941-43F4-8B90-FB3B05823CAC}" destId="{B6F79879-3595-4E55-B58D-6113B02CD8E8}" srcOrd="0" destOrd="0" presId="urn:microsoft.com/office/officeart/2005/8/layout/orgChart1"/>
-    <dgm:cxn modelId="{149407FE-0D4A-4984-8362-42F36C850602}" type="presOf" srcId="{9649AF04-732C-4AFA-88F7-8FC2C53116FF}" destId="{D7E127B8-2E5D-4A0F-976B-D3E8043E4C5B}" srcOrd="0" destOrd="0" presId="urn:microsoft.com/office/officeart/2005/8/layout/orgChart1"/>
-    <dgm:cxn modelId="{C807E77E-BB01-4AA8-97EF-1155F0B4E132}" type="presOf" srcId="{FDDA1B6B-1D57-4249-BFEA-C1F357D8F7DB}" destId="{D0D61E12-9153-48D3-A2FC-AA594E45FA03}" srcOrd="0" destOrd="0" presId="urn:microsoft.com/office/officeart/2005/8/layout/orgChart1"/>
-    <dgm:cxn modelId="{0262AF80-CE15-43E0-9E9E-A30B4E447467}" type="presOf" srcId="{5CC81FDE-3B98-4B95-AD39-89E4A4F2D92D}" destId="{781DFCE4-43A1-43B6-9B54-DDC2B388E18A}" srcOrd="1" destOrd="0" presId="urn:microsoft.com/office/officeart/2005/8/layout/orgChart1"/>
-    <dgm:cxn modelId="{3A4FC1B0-FDCF-4494-B985-EA64C297FB80}" type="presOf" srcId="{B8722430-E04D-4FFD-BB4C-E90C8E6E9917}" destId="{8574B1D5-AB4E-4EA2-9BE4-CF4DA634B87C}" srcOrd="0" destOrd="0" presId="urn:microsoft.com/office/officeart/2005/8/layout/orgChart1"/>
-    <dgm:cxn modelId="{8BCF3E7F-79F0-4840-9382-6490B5D65E69}" type="presOf" srcId="{2018ECA3-3A50-4106-AD7A-B731246A7598}" destId="{EDB2F9E9-0BB0-4A14-AE78-9ADE0DB7D7F9}" srcOrd="1" destOrd="0" presId="urn:microsoft.com/office/officeart/2005/8/layout/orgChart1"/>
-    <dgm:cxn modelId="{5020BA93-3DC6-49F5-B2E9-F9F386EB175F}" type="presOf" srcId="{6BEC65C1-B5DA-4EA7-84AF-12402488F2FA}" destId="{2D4163EB-C95A-4803-87E5-AF71E21D9F0A}" srcOrd="1" destOrd="0" presId="urn:microsoft.com/office/officeart/2005/8/layout/orgChart1"/>
-    <dgm:cxn modelId="{683B6AC8-E0DD-4FA2-9D37-3DCFFF522947}" type="presOf" srcId="{BF228FAE-E2F9-4440-A067-75BC2D09439E}" destId="{70CC56F8-3AC9-46BB-92F2-08916F5123B1}" srcOrd="0" destOrd="0" presId="urn:microsoft.com/office/officeart/2005/8/layout/orgChart1"/>
+    <dgm:cxn modelId="{F045FD77-7054-4416-8E9F-6738C4D97703}" srcId="{9F0B79EA-3A30-448C-90A2-15B8E9112023}" destId="{C65A0A47-1744-428E-A2CA-26F846199C1C}" srcOrd="0" destOrd="0" parTransId="{B8722430-E04D-4FFD-BB4C-E90C8E6E9917}" sibTransId="{3AD53FA2-8DD5-4575-B835-08ED8439DE16}"/>
     <dgm:cxn modelId="{7ED9A2EB-562E-4BDE-81B6-73AE8DEF1990}" srcId="{2018ECA3-3A50-4106-AD7A-B731246A7598}" destId="{0520B758-E43F-43DC-8B3F-027FD277C58B}" srcOrd="2" destOrd="0" parTransId="{1199739B-BFE7-4EDE-9E9F-B924D03D7AC9}" sibTransId="{F5747C06-BE1D-44A1-B345-4736545CF320}"/>
-    <dgm:cxn modelId="{811DF587-E783-4D60-A76B-ADFBBD7DAC45}" type="presOf" srcId="{270BEE6F-2C56-4827-9E7A-D9E89357073A}" destId="{0936718E-CEEA-4408-9F23-2080F361579F}" srcOrd="0" destOrd="0" presId="urn:microsoft.com/office/officeart/2005/8/layout/orgChart1"/>
-    <dgm:cxn modelId="{04C776B0-ED38-49D3-BD98-FB67A64DF6A6}" type="presOf" srcId="{7DD12802-E74A-4097-86D1-028A7F959A05}" destId="{602B28CD-9751-402D-B38A-9208699B88B9}" srcOrd="0" destOrd="0" presId="urn:microsoft.com/office/officeart/2005/8/layout/orgChart1"/>
-    <dgm:cxn modelId="{ABAFE405-3BAE-44CB-B26C-08ADD18C51D1}" type="presOf" srcId="{5CC81FDE-3B98-4B95-AD39-89E4A4F2D92D}" destId="{723EDBF7-BB25-40A8-9D84-FEC8BF62B464}" srcOrd="0" destOrd="0" presId="urn:microsoft.com/office/officeart/2005/8/layout/orgChart1"/>
-    <dgm:cxn modelId="{0FC609F1-AAC4-4FAF-9B3B-41F5C2F8D3C0}" type="presOf" srcId="{24A9F61A-F705-4899-85B6-BE7BEA938049}" destId="{FE964393-FF24-4F12-9E04-C5AC74F5291E}" srcOrd="1" destOrd="0" presId="urn:microsoft.com/office/officeart/2005/8/layout/orgChart1"/>
-    <dgm:cxn modelId="{658CB509-02F2-4814-9D27-A43D9BEC4F92}" srcId="{9F0B79EA-3A30-448C-90A2-15B8E9112023}" destId="{35F2F850-E107-4C77-8C9D-F91B243DC4A5}" srcOrd="1" destOrd="0" parTransId="{2DCF58DD-E3D0-4E43-9D60-E17E6BC34C3E}" sibTransId="{33DFDB88-B597-4516-B152-EA9E667C9F60}"/>
-    <dgm:cxn modelId="{1AEED369-390F-41B5-AA14-9C14592DE976}" type="presOf" srcId="{EEA53229-6E0C-48AA-A32A-DC4A07D11A5B}" destId="{7A348A02-FCC0-4657-82E7-8BB1945C03A5}" srcOrd="0" destOrd="0" presId="urn:microsoft.com/office/officeart/2005/8/layout/orgChart1"/>
-    <dgm:cxn modelId="{4C4C284A-53E7-4DD1-95AD-CA3120C66F92}" srcId="{2018ECA3-3A50-4106-AD7A-B731246A7598}" destId="{7DD12802-E74A-4097-86D1-028A7F959A05}" srcOrd="4" destOrd="0" parTransId="{41CD59CA-F9D8-4CA1-A04F-A4DA4627C1CC}" sibTransId="{9A5C4603-0D36-495A-AAAC-E1D21476B892}"/>
-    <dgm:cxn modelId="{8A6F1D29-16C7-43E0-8D6C-2B6FD7830F73}" type="presOf" srcId="{8AD0676E-5553-460D-B309-99833FC441A9}" destId="{89A51EBE-9714-4FEA-8270-2B8A9D36AEBA}" srcOrd="0" destOrd="0" presId="urn:microsoft.com/office/officeart/2005/8/layout/orgChart1"/>
-    <dgm:cxn modelId="{413F3A88-8B64-4AB9-95F4-45747A4F6EC3}" srcId="{0520B758-E43F-43DC-8B3F-027FD277C58B}" destId="{24A9F61A-F705-4899-85B6-BE7BEA938049}" srcOrd="0" destOrd="0" parTransId="{5EEA19EC-82E6-48A6-A9DF-5998351B73D7}" sibTransId="{FAB74B7E-CAA5-48DC-8963-3500579199D0}"/>
-    <dgm:cxn modelId="{322E983C-B738-4DBB-A459-7C48BBB8DD1A}" srcId="{2502981D-B508-4D00-BBE3-C266A648905B}" destId="{BF228FAE-E2F9-4440-A067-75BC2D09439E}" srcOrd="0" destOrd="0" parTransId="{CC19FE3F-C17B-470C-A3B0-EB551EE659BD}" sibTransId="{EBBE59DE-AB61-44BB-9CD9-D5787C473FB3}"/>
-    <dgm:cxn modelId="{F045FD77-7054-4416-8E9F-6738C4D97703}" srcId="{9F0B79EA-3A30-448C-90A2-15B8E9112023}" destId="{C65A0A47-1744-428E-A2CA-26F846199C1C}" srcOrd="0" destOrd="0" parTransId="{B8722430-E04D-4FFD-BB4C-E90C8E6E9917}" sibTransId="{3AD53FA2-8DD5-4575-B835-08ED8439DE16}"/>
-    <dgm:cxn modelId="{6BFEA5C1-4A14-479A-BFFD-1AB0299BF18C}" type="presOf" srcId="{9649AF04-732C-4AFA-88F7-8FC2C53116FF}" destId="{E1BABCF3-339D-4090-9CAF-29C1BCCD5CF0}" srcOrd="1" destOrd="0" presId="urn:microsoft.com/office/officeart/2005/8/layout/orgChart1"/>
-    <dgm:cxn modelId="{BC3ABDA0-DE97-4DB0-A6E3-90C4F49BADE3}" srcId="{2018ECA3-3A50-4106-AD7A-B731246A7598}" destId="{5CC81FDE-3B98-4B95-AD39-89E4A4F2D92D}" srcOrd="3" destOrd="0" parTransId="{4B834CAB-818E-4F52-9286-EB6761DDC1AB}" sibTransId="{AC3861EB-AEC7-4851-A42D-4D3CC2A6AA7B}"/>
-    <dgm:cxn modelId="{C2D12244-3239-4E64-9507-0BB88FB63ACD}" type="presOf" srcId="{0520B758-E43F-43DC-8B3F-027FD277C58B}" destId="{83E75304-9D64-4ED0-A8F2-C2AD90D882CF}" srcOrd="1" destOrd="0" presId="urn:microsoft.com/office/officeart/2005/8/layout/orgChart1"/>
-    <dgm:cxn modelId="{3525C27C-5AAE-4834-9C45-7E3B6AD5A52F}" type="presOf" srcId="{1199739B-BFE7-4EDE-9E9F-B924D03D7AC9}" destId="{5D798A56-5DCE-4375-B08A-9E5028C52174}" srcOrd="0" destOrd="0" presId="urn:microsoft.com/office/officeart/2005/8/layout/orgChart1"/>
-    <dgm:cxn modelId="{A637F482-39DD-4470-9BDC-05909EBA9DFB}" srcId="{24A9F61A-F705-4899-85B6-BE7BEA938049}" destId="{238AF202-FC15-4185-BFB0-CA07D2C4F3F9}" srcOrd="2" destOrd="0" parTransId="{91CA89EE-BC4A-4834-B60F-925408B98746}" sibTransId="{A936A088-6ED9-4ED9-BEC6-BF1B1EF5E5DF}"/>
-    <dgm:cxn modelId="{44BFE925-9EB2-4F02-ACB9-851BC9E84561}" type="presOf" srcId="{87C6722B-8411-4627-88ED-F20025A38A56}" destId="{6D4EC7F1-CA82-432F-971D-3C7AA1308BF2}" srcOrd="0" destOrd="0" presId="urn:microsoft.com/office/officeart/2005/8/layout/orgChart1"/>
-    <dgm:cxn modelId="{F267F84B-1FA7-4E62-ABEC-812E311D6414}" type="presOf" srcId="{F2A070D0-90DC-4710-9AF5-B06B5662AEA6}" destId="{002116D8-3FBF-45CD-850E-4D9F16A63BA2}" srcOrd="1" destOrd="0" presId="urn:microsoft.com/office/officeart/2005/8/layout/orgChart1"/>
-    <dgm:cxn modelId="{0B05A31D-F65E-4E1E-860D-60A12A4321D4}" srcId="{0520B758-E43F-43DC-8B3F-027FD277C58B}" destId="{2502981D-B508-4D00-BBE3-C266A648905B}" srcOrd="1" destOrd="0" parTransId="{A0A88FD2-0664-4A56-BE63-946D5533CF07}" sibTransId="{F69F2A0E-4AF0-422E-AFAC-2B8C277D4922}"/>
-    <dgm:cxn modelId="{0734FB30-C88D-48DF-8A55-8F2FA11CD7D7}" type="presOf" srcId="{81A8F166-AF98-495B-AFD5-4B70C9FEEB93}" destId="{989FA015-F7E7-4C0D-9F5B-8CEF27A60918}" srcOrd="0" destOrd="0" presId="urn:microsoft.com/office/officeart/2005/8/layout/orgChart1"/>
-    <dgm:cxn modelId="{E2D0A395-B9A4-44CF-8500-02E687AAFE9A}" type="presOf" srcId="{24A9F61A-F705-4899-85B6-BE7BEA938049}" destId="{8E128385-4E4F-4484-A4CF-529E679AEB44}" srcOrd="0" destOrd="0" presId="urn:microsoft.com/office/officeart/2005/8/layout/orgChart1"/>
-    <dgm:cxn modelId="{93A07223-F3F9-4728-84D4-3A5000F40DF5}" type="presOf" srcId="{B97417FE-BCBA-4F7E-B26B-114EB0A63CDD}" destId="{E33D8E8D-3F33-46DC-8C84-D1C71321D732}" srcOrd="0" destOrd="0" presId="urn:microsoft.com/office/officeart/2005/8/layout/orgChart1"/>
-    <dgm:cxn modelId="{4294F149-73D0-46CD-BEE1-6CDCB66FD098}" srcId="{2502981D-B508-4D00-BBE3-C266A648905B}" destId="{F2A070D0-90DC-4710-9AF5-B06B5662AEA6}" srcOrd="1" destOrd="0" parTransId="{0B361A93-DC8B-43E9-9E58-435B18AFC9B2}" sibTransId="{D9D9AC85-EB10-48A2-BB10-5C819A97DE84}"/>
-    <dgm:cxn modelId="{60AC721A-EEB5-4598-886A-ED978EE70EDC}" type="presOf" srcId="{F2A070D0-90DC-4710-9AF5-B06B5662AEA6}" destId="{DE55CCFF-0CB8-4F39-8009-B257196C6675}" srcOrd="0" destOrd="0" presId="urn:microsoft.com/office/officeart/2005/8/layout/orgChart1"/>
-    <dgm:cxn modelId="{974AA234-1440-46D7-A175-2C8600FAF478}" type="presOf" srcId="{B4CD55CE-5A64-4000-9BDC-B03F47603D86}" destId="{4AF33755-706D-4315-B258-1F1C2070289F}" srcOrd="0" destOrd="0" presId="urn:microsoft.com/office/officeart/2005/8/layout/orgChart1"/>
-    <dgm:cxn modelId="{0D2EE4F1-1378-49B8-B2C0-1218AB0F83BF}" type="presOf" srcId="{270BEE6F-2C56-4827-9E7A-D9E89357073A}" destId="{5B933681-DE6A-4935-82A7-0509A910A9A4}" srcOrd="1" destOrd="0" presId="urn:microsoft.com/office/officeart/2005/8/layout/orgChart1"/>
-    <dgm:cxn modelId="{84BB7F5F-1052-4F7D-A3B4-CEDAC0F6F465}" type="presOf" srcId="{41CD59CA-F9D8-4CA1-A04F-A4DA4627C1CC}" destId="{722677F9-659F-4F19-B1A2-EF88290C73BD}" srcOrd="0" destOrd="0" presId="urn:microsoft.com/office/officeart/2005/8/layout/orgChart1"/>
-    <dgm:cxn modelId="{1A60EF39-94CD-4388-8DF2-838118942B05}" type="presOf" srcId="{A3D2CFEB-E623-4534-ADF8-DB2132888CFF}" destId="{AD606730-8D94-4FAE-84AB-6C0CC4496D5D}" srcOrd="0" destOrd="0" presId="urn:microsoft.com/office/officeart/2005/8/layout/orgChart1"/>
-    <dgm:cxn modelId="{AD11DC8C-3D03-41CF-8DFA-6C34ABC19A52}" type="presOf" srcId="{0520B758-E43F-43DC-8B3F-027FD277C58B}" destId="{6D0C319E-23D6-43F1-B42A-A98526B61A96}" srcOrd="0" destOrd="0" presId="urn:microsoft.com/office/officeart/2005/8/layout/orgChart1"/>
-    <dgm:cxn modelId="{AF7475BA-5B53-4E11-9F86-DF91C4C12249}" type="presOf" srcId="{2018ECA3-3A50-4106-AD7A-B731246A7598}" destId="{1058AA14-F65C-440C-AFE3-B314A177C29A}" srcOrd="0" destOrd="0" presId="urn:microsoft.com/office/officeart/2005/8/layout/orgChart1"/>
-    <dgm:cxn modelId="{1CE9031A-0783-4A20-B18F-2D5F8E8B423F}" srcId="{35F2F850-E107-4C77-8C9D-F91B243DC4A5}" destId="{085AFD13-7F14-47B7-B76D-A7F6AA6D7212}" srcOrd="0" destOrd="0" parTransId="{87C6722B-8411-4627-88ED-F20025A38A56}" sibTransId="{D934D5F9-9223-4490-A537-0C0B68174B19}"/>
-    <dgm:cxn modelId="{2C58A8E4-8AC3-4D93-9DE0-2FE5D74EA321}" type="presOf" srcId="{03CB0662-E879-4F8D-8F23-6182AFD1D0F2}" destId="{A3259B1B-DB33-4D5F-8977-A5F3077C258A}" srcOrd="0" destOrd="0" presId="urn:microsoft.com/office/officeart/2005/8/layout/orgChart1"/>
-    <dgm:cxn modelId="{E26C256C-E267-469B-A9BD-047053ACA934}" type="presOf" srcId="{B4CD55CE-5A64-4000-9BDC-B03F47603D86}" destId="{5E69BB79-7E02-4BAB-9583-D3921136B6A3}" srcOrd="1" destOrd="0" presId="urn:microsoft.com/office/officeart/2005/8/layout/orgChart1"/>
-    <dgm:cxn modelId="{0111E53A-F125-4024-91D8-A2EE082E4AA0}" type="presOf" srcId="{0B361A93-DC8B-43E9-9E58-435B18AFC9B2}" destId="{DC2E5D02-8D5B-489E-92B8-769C86A6A212}" srcOrd="0" destOrd="0" presId="urn:microsoft.com/office/officeart/2005/8/layout/orgChart1"/>
-    <dgm:cxn modelId="{37701CF0-4973-4B90-A332-AAE5033E152F}" type="presOf" srcId="{56314716-819A-426E-BA1F-D516AF566FA4}" destId="{981F6E55-0F5E-420B-B184-AA2344AF585E}" srcOrd="0" destOrd="0" presId="urn:microsoft.com/office/officeart/2005/8/layout/orgChart1"/>
-    <dgm:cxn modelId="{2730FB3B-C3E9-452C-BCD4-3233C566F903}" type="presOf" srcId="{9735FA81-A365-4641-8F21-8EFA2F6CD387}" destId="{794C1402-FE47-41F6-A06E-0AB094AACC3A}" srcOrd="0" destOrd="0" presId="urn:microsoft.com/office/officeart/2005/8/layout/orgChart1"/>
-    <dgm:cxn modelId="{AC5955BC-4831-4B78-8C2B-13C51ABC9584}" type="presOf" srcId="{CC19FE3F-C17B-470C-A3B0-EB551EE659BD}" destId="{36755ADB-4774-42F4-B5DF-685D738A5BC8}" srcOrd="0" destOrd="0" presId="urn:microsoft.com/office/officeart/2005/8/layout/orgChart1"/>
-    <dgm:cxn modelId="{8A686676-A482-46E6-8351-4D8B74773777}" type="presOf" srcId="{C65A0A47-1744-428E-A2CA-26F846199C1C}" destId="{1575D451-D673-4424-AE4D-AB209AF5EC81}" srcOrd="0" destOrd="0" presId="urn:microsoft.com/office/officeart/2005/8/layout/orgChart1"/>
-    <dgm:cxn modelId="{4D5F7AE8-51F1-41DB-AAD4-EED2643B49FB}" type="presOf" srcId="{35F2F850-E107-4C77-8C9D-F91B243DC4A5}" destId="{AF007662-F341-4510-BF09-E05402B91184}" srcOrd="1" destOrd="0" presId="urn:microsoft.com/office/officeart/2005/8/layout/orgChart1"/>
-    <dgm:cxn modelId="{EE970E6C-4262-405F-840E-165E6479255F}" type="presOf" srcId="{35F2F850-E107-4C77-8C9D-F91B243DC4A5}" destId="{F8718B6D-A3A0-4C07-B15E-4D6AA2E80E21}" srcOrd="0" destOrd="0" presId="urn:microsoft.com/office/officeart/2005/8/layout/orgChart1"/>
-    <dgm:cxn modelId="{139A8D14-5574-461B-B3DA-991766D5F892}" srcId="{5CC81FDE-3B98-4B95-AD39-89E4A4F2D92D}" destId="{6BEC65C1-B5DA-4EA7-84AF-12402488F2FA}" srcOrd="1" destOrd="0" parTransId="{71383C8E-BA2F-4107-B6C7-08C92C51E575}" sibTransId="{FA040C3E-DFAC-4170-8A15-DD8397136B0D}"/>
-    <dgm:cxn modelId="{EA6C5C9C-8093-43A5-A7DA-FB0BB57EF203}" type="presOf" srcId="{238AF202-FC15-4185-BFB0-CA07D2C4F3F9}" destId="{233E93EC-7755-4700-ABEF-527A5EB0BB0A}" srcOrd="0" destOrd="0" presId="urn:microsoft.com/office/officeart/2005/8/layout/orgChart1"/>
-    <dgm:cxn modelId="{A17DA96F-C559-475C-BE27-FE8646F28698}" type="presOf" srcId="{02223512-5C62-4EE0-AA42-DE6D4435D584}" destId="{6A3AAAAC-3DFF-43F8-8209-3D0095E6D75A}" srcOrd="0" destOrd="0" presId="urn:microsoft.com/office/officeart/2005/8/layout/orgChart1"/>
-    <dgm:cxn modelId="{F41FAD95-67CD-4EAF-8833-F8E36085A659}" srcId="{5CC81FDE-3B98-4B95-AD39-89E4A4F2D92D}" destId="{B97417FE-BCBA-4F7E-B26B-114EB0A63CDD}" srcOrd="0" destOrd="0" parTransId="{9735FA81-A365-4641-8F21-8EFA2F6CD387}" sibTransId="{DD249135-6B6F-4BDF-91F4-210EB4E24F39}"/>
-    <dgm:cxn modelId="{C15AB236-BD29-49A2-A73D-E51060745BC9}" type="presOf" srcId="{9F0B79EA-3A30-448C-90A2-15B8E9112023}" destId="{60B23CFF-F02E-4461-AAFB-9778B1658DF2}" srcOrd="1" destOrd="0" presId="urn:microsoft.com/office/officeart/2005/8/layout/orgChart1"/>
-    <dgm:cxn modelId="{5A49ED8D-BCB1-43CA-AC41-9E3FDBD9ABA8}" type="presOf" srcId="{EF96740E-451F-4D50-A83B-D8B9E2184D46}" destId="{7654533E-21FF-4056-AF83-E7A1A3DEF6CD}" srcOrd="0" destOrd="0" presId="urn:microsoft.com/office/officeart/2005/8/layout/orgChart1"/>
-    <dgm:cxn modelId="{6086D401-84F0-4B5E-8CF1-C7140967BB0C}" type="presOf" srcId="{D452F109-5781-45E9-8B00-AF4D270F3020}" destId="{AB95BCF8-91C6-4CC4-9159-EBAB7291A3AA}" srcOrd="0" destOrd="0" presId="urn:microsoft.com/office/officeart/2005/8/layout/orgChart1"/>
-    <dgm:cxn modelId="{64D9CC28-AA28-4624-BC4A-204A13F00EB9}" srcId="{2018ECA3-3A50-4106-AD7A-B731246A7598}" destId="{DA23096C-C503-4079-9651-0120D7DFD8FB}" srcOrd="0" destOrd="0" parTransId="{02223512-5C62-4EE0-AA42-DE6D4435D584}" sibTransId="{DCB456B7-4643-43C9-AFCC-5CAF68398CF8}"/>
-    <dgm:cxn modelId="{F7797B2A-125B-4C0B-A0DB-B8437AE07347}" srcId="{5F27BC77-8941-43F4-8B90-FB3B05823CAC}" destId="{2018ECA3-3A50-4106-AD7A-B731246A7598}" srcOrd="0" destOrd="0" parTransId="{93CCB537-67DE-4CC6-8D9A-856EDB5572C9}" sibTransId="{EEB4D02B-1A50-4631-B303-68850DFE97D9}"/>
-    <dgm:cxn modelId="{5250407C-D23B-4BD4-A19D-9BD02DCCBB1E}" srcId="{DA23096C-C503-4079-9651-0120D7DFD8FB}" destId="{B4CD55CE-5A64-4000-9BDC-B03F47603D86}" srcOrd="0" destOrd="0" parTransId="{FEA03D8D-E2A3-446C-8872-F4EF7675901C}" sibTransId="{33FCC0AA-CB6D-4F6F-9CCB-872253B5A16B}"/>
-    <dgm:cxn modelId="{04C6CE32-EFD4-434F-8571-B87BE2ACB9CE}" type="presOf" srcId="{2502981D-B508-4D00-BBE3-C266A648905B}" destId="{1B1CDD48-3727-404A-A7F2-A7C163EFA9B4}" srcOrd="1" destOrd="0" presId="urn:microsoft.com/office/officeart/2005/8/layout/orgChart1"/>
-    <dgm:cxn modelId="{46886304-7989-4F23-9137-1DD045BAAF58}" type="presOf" srcId="{56314716-819A-426E-BA1F-D516AF566FA4}" destId="{C0C8E80E-E467-47DA-99E3-C0A4920522DF}" srcOrd="1" destOrd="0" presId="urn:microsoft.com/office/officeart/2005/8/layout/orgChart1"/>
-    <dgm:cxn modelId="{1965E8F4-2B4C-4348-95A8-843F71E9A6D9}" type="presOf" srcId="{B97417FE-BCBA-4F7E-B26B-114EB0A63CDD}" destId="{A639485A-B3DE-4FF7-8B8F-86421D00FFBF}" srcOrd="1" destOrd="0" presId="urn:microsoft.com/office/officeart/2005/8/layout/orgChart1"/>
-    <dgm:cxn modelId="{631AF3FD-A246-4ECB-83D9-3DDE5E4278B2}" srcId="{DA23096C-C503-4079-9651-0120D7DFD8FB}" destId="{A3D2CFEB-E623-4534-ADF8-DB2132888CFF}" srcOrd="1" destOrd="0" parTransId="{D452F109-5781-45E9-8B00-AF4D270F3020}" sibTransId="{C92DF03B-22AC-423C-814F-36762F5A1B0F}"/>
-    <dgm:cxn modelId="{DA442048-9214-422A-AD55-B62E4D42569A}" type="presOf" srcId="{DA23096C-C503-4079-9651-0120D7DFD8FB}" destId="{5A4A07DA-DC3F-4FB2-985A-69869BE7034F}" srcOrd="0" destOrd="0" presId="urn:microsoft.com/office/officeart/2005/8/layout/orgChart1"/>
-    <dgm:cxn modelId="{AED80F1F-482E-4CA1-9278-9683025FB3D2}" type="presOf" srcId="{2DCF58DD-E3D0-4E43-9D60-E17E6BC34C3E}" destId="{2D2F53EB-A352-4924-8B99-8D078D24C7EA}" srcOrd="0" destOrd="0" presId="urn:microsoft.com/office/officeart/2005/8/layout/orgChart1"/>
     <dgm:cxn modelId="{8BA7F1FC-B535-41C5-8E23-56B7A99CFB83}" type="presParOf" srcId="{B6F79879-3595-4E55-B58D-6113B02CD8E8}" destId="{FCE71EAA-F8EC-40CF-9D77-F1FDDFE717C9}" srcOrd="0" destOrd="0" presId="urn:microsoft.com/office/officeart/2005/8/layout/orgChart1"/>
     <dgm:cxn modelId="{2D19A12D-D30B-474C-B3E9-7A0A0AB146D3}" type="presParOf" srcId="{FCE71EAA-F8EC-40CF-9D77-F1FDDFE717C9}" destId="{0D6618B1-04B1-4C24-9063-86D18392EB01}" srcOrd="0" destOrd="0" presId="urn:microsoft.com/office/officeart/2005/8/layout/orgChart1"/>
     <dgm:cxn modelId="{ADF9F516-DD4D-469D-A2ED-77973A833611}" type="presParOf" srcId="{0D6618B1-04B1-4C24-9063-86D18392EB01}" destId="{1058AA14-F65C-440C-AFE3-B314A177C29A}" srcOrd="0" destOrd="0" presId="urn:microsoft.com/office/officeart/2005/8/layout/orgChart1"/>
@@ -2812,13 +3181,6 @@
     <dgm:cxn modelId="{7CA6C746-BE1E-4AF3-9A4F-04686920D21D}" type="presParOf" srcId="{0A15E20D-7F61-41EA-89E8-206163D74E8C}" destId="{8B5ADAD1-6A48-4917-ACF8-1E93A1E2A654}" srcOrd="1" destOrd="0" presId="urn:microsoft.com/office/officeart/2005/8/layout/orgChart1"/>
     <dgm:cxn modelId="{EBE2AFF3-6B93-4274-8594-1157E26B7E28}" type="presParOf" srcId="{E02C5DF7-1273-4921-9630-A0F145279983}" destId="{5C09A6DF-321D-416B-BB01-ED5FD4D7405F}" srcOrd="1" destOrd="0" presId="urn:microsoft.com/office/officeart/2005/8/layout/orgChart1"/>
     <dgm:cxn modelId="{9C8FF924-39CB-422F-A583-4DCB0563B7D9}" type="presParOf" srcId="{E02C5DF7-1273-4921-9630-A0F145279983}" destId="{08852DDC-08EF-449A-AF6D-72BF941D928A}" srcOrd="2" destOrd="0" presId="urn:microsoft.com/office/officeart/2005/8/layout/orgChart1"/>
-    <dgm:cxn modelId="{E87620E5-27F3-4996-A9B1-C719CE47D05A}" type="presParOf" srcId="{010AB613-B901-4576-B068-1F469F970E7C}" destId="{7A348A02-FCC0-4657-82E7-8BB1945C03A5}" srcOrd="4" destOrd="0" presId="urn:microsoft.com/office/officeart/2005/8/layout/orgChart1"/>
-    <dgm:cxn modelId="{C2E4DB6E-3BF4-4AF6-895D-9635A821405D}" type="presParOf" srcId="{010AB613-B901-4576-B068-1F469F970E7C}" destId="{2EF615C9-3AB3-4C30-9DBC-DB340722ABC1}" srcOrd="5" destOrd="0" presId="urn:microsoft.com/office/officeart/2005/8/layout/orgChart1"/>
-    <dgm:cxn modelId="{312D27E0-98BF-4161-91F5-74479A8DEB58}" type="presParOf" srcId="{2EF615C9-3AB3-4C30-9DBC-DB340722ABC1}" destId="{B5EDEBBD-D977-4D19-96AF-1DABB52F3B50}" srcOrd="0" destOrd="0" presId="urn:microsoft.com/office/officeart/2005/8/layout/orgChart1"/>
-    <dgm:cxn modelId="{EC2CE9C7-1E3A-48A2-BE3B-459A2E24FCC8}" type="presParOf" srcId="{B5EDEBBD-D977-4D19-96AF-1DABB52F3B50}" destId="{981F6E55-0F5E-420B-B184-AA2344AF585E}" srcOrd="0" destOrd="0" presId="urn:microsoft.com/office/officeart/2005/8/layout/orgChart1"/>
-    <dgm:cxn modelId="{ACD3234A-CA54-41F7-9342-0BFDF00B3C2F}" type="presParOf" srcId="{B5EDEBBD-D977-4D19-96AF-1DABB52F3B50}" destId="{C0C8E80E-E467-47DA-99E3-C0A4920522DF}" srcOrd="1" destOrd="0" presId="urn:microsoft.com/office/officeart/2005/8/layout/orgChart1"/>
-    <dgm:cxn modelId="{2F5F6CF8-0096-468B-B1A4-A6D3A6B1AD7B}" type="presParOf" srcId="{2EF615C9-3AB3-4C30-9DBC-DB340722ABC1}" destId="{A1F2B51A-5F79-45F5-A531-BEE6343292FC}" srcOrd="1" destOrd="0" presId="urn:microsoft.com/office/officeart/2005/8/layout/orgChart1"/>
-    <dgm:cxn modelId="{B230C0DC-6B7B-4066-ABE2-5A3C061D13B3}" type="presParOf" srcId="{2EF615C9-3AB3-4C30-9DBC-DB340722ABC1}" destId="{2D03EBB0-440F-4D2F-8B80-EEBDB6D487C7}" srcOrd="2" destOrd="0" presId="urn:microsoft.com/office/officeart/2005/8/layout/orgChart1"/>
     <dgm:cxn modelId="{4B90AE74-C0DD-415A-9123-C2673E8FE5AC}" type="presParOf" srcId="{649561B6-0084-4724-96AE-451094300B33}" destId="{4EEA6625-4AFB-4F5D-96DF-544D00D3EEC1}" srcOrd="2" destOrd="0" presId="urn:microsoft.com/office/officeart/2005/8/layout/orgChart1"/>
     <dgm:cxn modelId="{E45EB001-77A3-4435-AADC-229AADED1B59}" type="presParOf" srcId="{67D6477E-1D91-4F67-9FA1-D9D59917F9EF}" destId="{989FA015-F7E7-4C0D-9F5B-8CEF27A60918}" srcOrd="2" destOrd="0" presId="urn:microsoft.com/office/officeart/2005/8/layout/orgChart1"/>
     <dgm:cxn modelId="{2786FA4D-1C91-4B3D-876C-1640996F4085}" type="presParOf" srcId="{67D6477E-1D91-4F67-9FA1-D9D59917F9EF}" destId="{19AB2DF1-038D-4B99-B294-B6007F04EEA2}" srcOrd="3" destOrd="0" presId="urn:microsoft.com/office/officeart/2005/8/layout/orgChart1"/>
@@ -2938,6 +3300,20 @@
     <dgm:cxn modelId="{B8329132-A391-4243-93BB-7B78051720D0}" type="presParOf" srcId="{DD34635C-AA85-4C6B-842E-4244734A556E}" destId="{602B28CD-9751-402D-B38A-9208699B88B9}" srcOrd="0" destOrd="0" presId="urn:microsoft.com/office/officeart/2005/8/layout/orgChart1"/>
     <dgm:cxn modelId="{2E944ECB-2965-42CB-AEC3-3AA9B284E4A3}" type="presParOf" srcId="{DD34635C-AA85-4C6B-842E-4244734A556E}" destId="{E979CEFB-882A-43F6-B0D1-C6E4CD22FE8F}" srcOrd="1" destOrd="0" presId="urn:microsoft.com/office/officeart/2005/8/layout/orgChart1"/>
     <dgm:cxn modelId="{782CEFFC-B0C7-4CBB-AD53-9205C38C8E91}" type="presParOf" srcId="{93810826-555D-4956-B1D5-3741B963AC2F}" destId="{C51149F5-66CE-4D25-BC30-AFC67EC7E4D9}" srcOrd="1" destOrd="0" presId="urn:microsoft.com/office/officeart/2005/8/layout/orgChart1"/>
+    <dgm:cxn modelId="{2E8290B6-7445-4A3C-A56F-B1297CDE18D1}" type="presParOf" srcId="{C51149F5-66CE-4D25-BC30-AFC67EC7E4D9}" destId="{1C0336C7-1C3B-4EC3-A39C-A32229FEE91F}" srcOrd="0" destOrd="0" presId="urn:microsoft.com/office/officeart/2005/8/layout/orgChart1"/>
+    <dgm:cxn modelId="{02E16E9D-6E79-4C0C-BC8D-70DCC14990DE}" type="presParOf" srcId="{C51149F5-66CE-4D25-BC30-AFC67EC7E4D9}" destId="{49CF4F22-04BE-4AC8-8100-542149D9D21B}" srcOrd="1" destOrd="0" presId="urn:microsoft.com/office/officeart/2005/8/layout/orgChart1"/>
+    <dgm:cxn modelId="{62B4FB15-4959-4ACC-8DF3-9DC76609B673}" type="presParOf" srcId="{49CF4F22-04BE-4AC8-8100-542149D9D21B}" destId="{DCD109F0-3F57-47D0-8E17-0DFA60BAF5D3}" srcOrd="0" destOrd="0" presId="urn:microsoft.com/office/officeart/2005/8/layout/orgChart1"/>
+    <dgm:cxn modelId="{7B391A47-8F0A-4176-8163-4B0A012CD88E}" type="presParOf" srcId="{DCD109F0-3F57-47D0-8E17-0DFA60BAF5D3}" destId="{D94E57F3-1295-403E-9BE0-48A7FD99AC72}" srcOrd="0" destOrd="0" presId="urn:microsoft.com/office/officeart/2005/8/layout/orgChart1"/>
+    <dgm:cxn modelId="{8BB8482E-FB51-4C1E-8928-8B34C89C21BA}" type="presParOf" srcId="{DCD109F0-3F57-47D0-8E17-0DFA60BAF5D3}" destId="{CFB5BC9A-3731-456B-9D76-4EE628132314}" srcOrd="1" destOrd="0" presId="urn:microsoft.com/office/officeart/2005/8/layout/orgChart1"/>
+    <dgm:cxn modelId="{6E71C964-32DC-4BDB-8401-67690591C837}" type="presParOf" srcId="{49CF4F22-04BE-4AC8-8100-542149D9D21B}" destId="{0D7DB93A-DCEE-4419-8599-51B67E21DA01}" srcOrd="1" destOrd="0" presId="urn:microsoft.com/office/officeart/2005/8/layout/orgChart1"/>
+    <dgm:cxn modelId="{EF259177-E606-49E0-B6D3-9C9EF4D9B218}" type="presParOf" srcId="{49CF4F22-04BE-4AC8-8100-542149D9D21B}" destId="{118CFA7B-C4B6-420F-98BE-DF39C828CD68}" srcOrd="2" destOrd="0" presId="urn:microsoft.com/office/officeart/2005/8/layout/orgChart1"/>
+    <dgm:cxn modelId="{225076C4-A03C-434C-B92F-771FF33BA114}" type="presParOf" srcId="{C51149F5-66CE-4D25-BC30-AFC67EC7E4D9}" destId="{562C605B-7DD0-4B03-9063-F50EE92E1CA5}" srcOrd="2" destOrd="0" presId="urn:microsoft.com/office/officeart/2005/8/layout/orgChart1"/>
+    <dgm:cxn modelId="{66F6C73C-FCD5-446B-BC78-DA51EE1AB323}" type="presParOf" srcId="{C51149F5-66CE-4D25-BC30-AFC67EC7E4D9}" destId="{DF52BB91-9E7F-41E9-B6E8-381D9C0A6FB7}" srcOrd="3" destOrd="0" presId="urn:microsoft.com/office/officeart/2005/8/layout/orgChart1"/>
+    <dgm:cxn modelId="{72D6168B-9D76-405A-A0E1-738DF48F8634}" type="presParOf" srcId="{DF52BB91-9E7F-41E9-B6E8-381D9C0A6FB7}" destId="{27B7C032-E72F-49A0-A665-24FA294AD99D}" srcOrd="0" destOrd="0" presId="urn:microsoft.com/office/officeart/2005/8/layout/orgChart1"/>
+    <dgm:cxn modelId="{0372F036-3114-4932-A250-E916F47C414C}" type="presParOf" srcId="{27B7C032-E72F-49A0-A665-24FA294AD99D}" destId="{CA5B0725-412D-430C-AD19-F662C982586F}" srcOrd="0" destOrd="0" presId="urn:microsoft.com/office/officeart/2005/8/layout/orgChart1"/>
+    <dgm:cxn modelId="{9370595F-0F39-46E3-B3E3-DEF0C1E6FD84}" type="presParOf" srcId="{27B7C032-E72F-49A0-A665-24FA294AD99D}" destId="{B0AD86AF-D4B7-47AA-A340-27CAC413D1EA}" srcOrd="1" destOrd="0" presId="urn:microsoft.com/office/officeart/2005/8/layout/orgChart1"/>
+    <dgm:cxn modelId="{05BDB86B-0E42-4EE2-9B8B-2F7A94AF5024}" type="presParOf" srcId="{DF52BB91-9E7F-41E9-B6E8-381D9C0A6FB7}" destId="{09003C8B-1F64-46B5-BB1F-C3A543365C61}" srcOrd="1" destOrd="0" presId="urn:microsoft.com/office/officeart/2005/8/layout/orgChart1"/>
+    <dgm:cxn modelId="{36813479-344F-48DA-B035-87C430DDBB82}" type="presParOf" srcId="{DF52BB91-9E7F-41E9-B6E8-381D9C0A6FB7}" destId="{86843BDA-CD70-4CFB-974D-815F521E7D17}" srcOrd="2" destOrd="0" presId="urn:microsoft.com/office/officeart/2005/8/layout/orgChart1"/>
     <dgm:cxn modelId="{70FB8F19-83D2-4F5C-9C46-A06A7725E513}" type="presParOf" srcId="{93810826-555D-4956-B1D5-3741B963AC2F}" destId="{4915874F-9AE7-4812-9E6B-9332BDA8F98C}" srcOrd="2" destOrd="0" presId="urn:microsoft.com/office/officeart/2005/8/layout/orgChart1"/>
     <dgm:cxn modelId="{D2EC769E-6CC7-4654-A626-51FA0F77A7D4}" type="presParOf" srcId="{FCE71EAA-F8EC-40CF-9D77-F1FDDFE717C9}" destId="{60EBBFF0-6E31-4BEC-95E2-954A87E2EA9B}" srcOrd="2" destOrd="0" presId="urn:microsoft.com/office/officeart/2005/8/layout/orgChart1"/>
   </dgm:cxnLst>
@@ -2959,15 +3335,15 @@
       <dsp:cNvGrpSpPr/>
     </dsp:nvGrpSpPr>
     <dsp:grpSpPr/>
-    <dsp:sp modelId="{722677F9-659F-4F19-B1A2-EF88290C73BD}">
+    <dsp:sp modelId="{562C605B-7DD0-4B03-9063-F50EE92E1CA5}">
       <dsp:nvSpPr>
         <dsp:cNvPr id="0" name=""/>
         <dsp:cNvSpPr/>
       </dsp:nvSpPr>
       <dsp:spPr>
         <a:xfrm>
-          <a:off x="6096000" y="1244482"/>
-          <a:ext cx="5378927" cy="300818"/>
+          <a:off x="10590683" y="2294892"/>
+          <a:ext cx="208731" cy="1628105"/>
         </a:xfrm>
         <a:custGeom>
           <a:avLst/>
@@ -2981,13 +3357,129 @@
                 <a:pt x="0" y="0"/>
               </a:moveTo>
               <a:lnTo>
-                <a:pt x="0" y="150409"/>
+                <a:pt x="0" y="1628105"/>
               </a:lnTo>
               <a:lnTo>
-                <a:pt x="5378927" y="150409"/>
+                <a:pt x="208731" y="1628105"/>
+              </a:lnTo>
+            </a:path>
+          </a:pathLst>
+        </a:custGeom>
+        <a:noFill/>
+        <a:ln w="12700" cap="flat" cmpd="sng" algn="ctr">
+          <a:solidFill>
+            <a:schemeClr val="accent5">
+              <a:hueOff val="0"/>
+              <a:satOff val="0"/>
+              <a:lumOff val="0"/>
+              <a:alphaOff val="0"/>
+            </a:schemeClr>
+          </a:solidFill>
+          <a:prstDash val="solid"/>
+          <a:miter lim="800000"/>
+        </a:ln>
+        <a:effectLst/>
+      </dsp:spPr>
+      <dsp:style>
+        <a:lnRef idx="2">
+          <a:scrgbClr r="0" g="0" b="0"/>
+        </a:lnRef>
+        <a:fillRef idx="0">
+          <a:scrgbClr r="0" g="0" b="0"/>
+        </a:fillRef>
+        <a:effectRef idx="0">
+          <a:scrgbClr r="0" g="0" b="0"/>
+        </a:effectRef>
+        <a:fontRef idx="minor"/>
+      </dsp:style>
+    </dsp:sp>
+    <dsp:sp modelId="{1C0336C7-1C3B-4EC3-A39C-A32229FEE91F}">
+      <dsp:nvSpPr>
+        <dsp:cNvPr id="0" name=""/>
+        <dsp:cNvSpPr/>
+      </dsp:nvSpPr>
+      <dsp:spPr>
+        <a:xfrm>
+          <a:off x="10590683" y="2294892"/>
+          <a:ext cx="208731" cy="640109"/>
+        </a:xfrm>
+        <a:custGeom>
+          <a:avLst/>
+          <a:gdLst/>
+          <a:ahLst/>
+          <a:cxnLst/>
+          <a:rect l="0" t="0" r="0" b="0"/>
+          <a:pathLst>
+            <a:path>
+              <a:moveTo>
+                <a:pt x="0" y="0"/>
+              </a:moveTo>
+              <a:lnTo>
+                <a:pt x="0" y="640109"/>
               </a:lnTo>
               <a:lnTo>
-                <a:pt x="5378927" y="300818"/>
+                <a:pt x="208731" y="640109"/>
+              </a:lnTo>
+            </a:path>
+          </a:pathLst>
+        </a:custGeom>
+        <a:noFill/>
+        <a:ln w="12700" cap="flat" cmpd="sng" algn="ctr">
+          <a:solidFill>
+            <a:schemeClr val="accent5">
+              <a:hueOff val="0"/>
+              <a:satOff val="0"/>
+              <a:lumOff val="0"/>
+              <a:alphaOff val="0"/>
+            </a:schemeClr>
+          </a:solidFill>
+          <a:prstDash val="solid"/>
+          <a:miter lim="800000"/>
+        </a:ln>
+        <a:effectLst/>
+      </dsp:spPr>
+      <dsp:style>
+        <a:lnRef idx="2">
+          <a:scrgbClr r="0" g="0" b="0"/>
+        </a:lnRef>
+        <a:fillRef idx="0">
+          <a:scrgbClr r="0" g="0" b="0"/>
+        </a:fillRef>
+        <a:effectRef idx="0">
+          <a:scrgbClr r="0" g="0" b="0"/>
+        </a:effectRef>
+        <a:fontRef idx="minor"/>
+      </dsp:style>
+    </dsp:sp>
+    <dsp:sp modelId="{722677F9-659F-4F19-B1A2-EF88290C73BD}">
+      <dsp:nvSpPr>
+        <dsp:cNvPr id="0" name=""/>
+        <dsp:cNvSpPr/>
+      </dsp:nvSpPr>
+      <dsp:spPr>
+        <a:xfrm>
+          <a:off x="5922057" y="1306896"/>
+          <a:ext cx="5225243" cy="292224"/>
+        </a:xfrm>
+        <a:custGeom>
+          <a:avLst/>
+          <a:gdLst/>
+          <a:ahLst/>
+          <a:cxnLst/>
+          <a:rect l="0" t="0" r="0" b="0"/>
+          <a:pathLst>
+            <a:path>
+              <a:moveTo>
+                <a:pt x="0" y="0"/>
+              </a:moveTo>
+              <a:lnTo>
+                <a:pt x="0" y="146112"/>
+              </a:lnTo>
+              <a:lnTo>
+                <a:pt x="5225243" y="146112"/>
+              </a:lnTo>
+              <a:lnTo>
+                <a:pt x="5225243" y="292224"/>
               </a:lnTo>
             </a:path>
           </a:pathLst>
@@ -3027,8 +3519,8 @@
       </dsp:nvSpPr>
       <dsp:spPr>
         <a:xfrm>
-          <a:off x="9168649" y="2261536"/>
-          <a:ext cx="214870" cy="1675990"/>
+          <a:off x="8906916" y="2294892"/>
+          <a:ext cx="208731" cy="1628105"/>
         </a:xfrm>
         <a:custGeom>
           <a:avLst/>
@@ -3042,10 +3534,10 @@
                 <a:pt x="0" y="0"/>
               </a:moveTo>
               <a:lnTo>
-                <a:pt x="0" y="1675990"/>
+                <a:pt x="0" y="1628105"/>
               </a:lnTo>
               <a:lnTo>
-                <a:pt x="214870" y="1675990"/>
+                <a:pt x="208731" y="1628105"/>
               </a:lnTo>
             </a:path>
           </a:pathLst>
@@ -3085,8 +3577,8 @@
       </dsp:nvSpPr>
       <dsp:spPr>
         <a:xfrm>
-          <a:off x="9168649" y="2261536"/>
-          <a:ext cx="214870" cy="658936"/>
+          <a:off x="8906916" y="2294892"/>
+          <a:ext cx="208731" cy="640109"/>
         </a:xfrm>
         <a:custGeom>
           <a:avLst/>
@@ -3100,10 +3592,10 @@
                 <a:pt x="0" y="0"/>
               </a:moveTo>
               <a:lnTo>
-                <a:pt x="0" y="658936"/>
+                <a:pt x="0" y="640109"/>
               </a:lnTo>
               <a:lnTo>
-                <a:pt x="214870" y="658936"/>
+                <a:pt x="208731" y="640109"/>
               </a:lnTo>
             </a:path>
           </a:pathLst>
@@ -3143,8 +3635,8 @@
       </dsp:nvSpPr>
       <dsp:spPr>
         <a:xfrm>
-          <a:off x="6096000" y="1244482"/>
-          <a:ext cx="3645637" cy="300818"/>
+          <a:off x="5922057" y="1306896"/>
+          <a:ext cx="3541476" cy="292224"/>
         </a:xfrm>
         <a:custGeom>
           <a:avLst/>
@@ -3158,13 +3650,13 @@
                 <a:pt x="0" y="0"/>
               </a:moveTo>
               <a:lnTo>
-                <a:pt x="0" y="150409"/>
+                <a:pt x="0" y="146112"/>
               </a:lnTo>
               <a:lnTo>
-                <a:pt x="3645637" y="150409"/>
+                <a:pt x="3541476" y="146112"/>
               </a:lnTo>
               <a:lnTo>
-                <a:pt x="3645637" y="300818"/>
+                <a:pt x="3541476" y="292224"/>
               </a:lnTo>
             </a:path>
           </a:pathLst>
@@ -3204,8 +3696,8 @@
       </dsp:nvSpPr>
       <dsp:spPr>
         <a:xfrm>
-          <a:off x="7435360" y="3278590"/>
-          <a:ext cx="214870" cy="1675990"/>
+          <a:off x="7223149" y="3282887"/>
+          <a:ext cx="208731" cy="1628105"/>
         </a:xfrm>
         <a:custGeom>
           <a:avLst/>
@@ -3219,10 +3711,10 @@
                 <a:pt x="0" y="0"/>
               </a:moveTo>
               <a:lnTo>
-                <a:pt x="0" y="1675990"/>
+                <a:pt x="0" y="1628105"/>
               </a:lnTo>
               <a:lnTo>
-                <a:pt x="214870" y="1675990"/>
+                <a:pt x="208731" y="1628105"/>
               </a:lnTo>
             </a:path>
           </a:pathLst>
@@ -3262,8 +3754,8 @@
       </dsp:nvSpPr>
       <dsp:spPr>
         <a:xfrm>
-          <a:off x="7435360" y="3278590"/>
-          <a:ext cx="214870" cy="658936"/>
+          <a:off x="7223149" y="3282887"/>
+          <a:ext cx="208731" cy="640109"/>
         </a:xfrm>
         <a:custGeom>
           <a:avLst/>
@@ -3277,10 +3769,10 @@
                 <a:pt x="0" y="0"/>
               </a:moveTo>
               <a:lnTo>
-                <a:pt x="0" y="658936"/>
+                <a:pt x="0" y="640109"/>
               </a:lnTo>
               <a:lnTo>
-                <a:pt x="214870" y="658936"/>
+                <a:pt x="208731" y="640109"/>
               </a:lnTo>
             </a:path>
           </a:pathLst>
@@ -3320,8 +3812,8 @@
       </dsp:nvSpPr>
       <dsp:spPr>
         <a:xfrm>
-          <a:off x="7141703" y="2261536"/>
-          <a:ext cx="866644" cy="300818"/>
+          <a:off x="6937883" y="2294892"/>
+          <a:ext cx="841883" cy="292224"/>
         </a:xfrm>
         <a:custGeom>
           <a:avLst/>
@@ -3335,13 +3827,13 @@
                 <a:pt x="0" y="0"/>
               </a:moveTo>
               <a:lnTo>
-                <a:pt x="0" y="150409"/>
+                <a:pt x="0" y="146112"/>
               </a:lnTo>
               <a:lnTo>
-                <a:pt x="866644" y="150409"/>
+                <a:pt x="841883" y="146112"/>
               </a:lnTo>
               <a:lnTo>
-                <a:pt x="866644" y="300818"/>
+                <a:pt x="841883" y="292224"/>
               </a:lnTo>
             </a:path>
           </a:pathLst>
@@ -3381,8 +3873,8 @@
       </dsp:nvSpPr>
       <dsp:spPr>
         <a:xfrm>
-          <a:off x="5702070" y="3278590"/>
-          <a:ext cx="214870" cy="2693044"/>
+          <a:off x="5539382" y="3282887"/>
+          <a:ext cx="208731" cy="2616100"/>
         </a:xfrm>
         <a:custGeom>
           <a:avLst/>
@@ -3396,10 +3888,10 @@
                 <a:pt x="0" y="0"/>
               </a:moveTo>
               <a:lnTo>
-                <a:pt x="0" y="2693044"/>
+                <a:pt x="0" y="2616100"/>
               </a:lnTo>
               <a:lnTo>
-                <a:pt x="214870" y="2693044"/>
+                <a:pt x="208731" y="2616100"/>
               </a:lnTo>
             </a:path>
           </a:pathLst>
@@ -3439,8 +3931,8 @@
       </dsp:nvSpPr>
       <dsp:spPr>
         <a:xfrm>
-          <a:off x="5702070" y="3278590"/>
-          <a:ext cx="214870" cy="1675990"/>
+          <a:off x="5539382" y="3282887"/>
+          <a:ext cx="208731" cy="1628105"/>
         </a:xfrm>
         <a:custGeom>
           <a:avLst/>
@@ -3454,10 +3946,10 @@
                 <a:pt x="0" y="0"/>
               </a:moveTo>
               <a:lnTo>
-                <a:pt x="0" y="1675990"/>
+                <a:pt x="0" y="1628105"/>
               </a:lnTo>
               <a:lnTo>
-                <a:pt x="214870" y="1675990"/>
+                <a:pt x="208731" y="1628105"/>
               </a:lnTo>
             </a:path>
           </a:pathLst>
@@ -3497,8 +3989,8 @@
       </dsp:nvSpPr>
       <dsp:spPr>
         <a:xfrm>
-          <a:off x="5702070" y="3278590"/>
-          <a:ext cx="214870" cy="658936"/>
+          <a:off x="5539382" y="3282887"/>
+          <a:ext cx="208731" cy="640109"/>
         </a:xfrm>
         <a:custGeom>
           <a:avLst/>
@@ -3512,10 +4004,10 @@
                 <a:pt x="0" y="0"/>
               </a:moveTo>
               <a:lnTo>
-                <a:pt x="0" y="658936"/>
+                <a:pt x="0" y="640109"/>
               </a:lnTo>
               <a:lnTo>
-                <a:pt x="214870" y="658936"/>
+                <a:pt x="208731" y="640109"/>
               </a:lnTo>
             </a:path>
           </a:pathLst>
@@ -3555,8 +4047,8 @@
       </dsp:nvSpPr>
       <dsp:spPr>
         <a:xfrm>
-          <a:off x="6275058" y="2261536"/>
-          <a:ext cx="866644" cy="300818"/>
+          <a:off x="6095999" y="2294892"/>
+          <a:ext cx="841883" cy="292224"/>
         </a:xfrm>
         <a:custGeom>
           <a:avLst/>
@@ -3567,16 +4059,16 @@
           <a:pathLst>
             <a:path>
               <a:moveTo>
-                <a:pt x="866644" y="0"/>
+                <a:pt x="841883" y="0"/>
               </a:moveTo>
               <a:lnTo>
-                <a:pt x="866644" y="150409"/>
+                <a:pt x="841883" y="146112"/>
               </a:lnTo>
               <a:lnTo>
-                <a:pt x="0" y="150409"/>
+                <a:pt x="0" y="146112"/>
               </a:lnTo>
               <a:lnTo>
-                <a:pt x="0" y="300818"/>
+                <a:pt x="0" y="292224"/>
               </a:lnTo>
             </a:path>
           </a:pathLst>
@@ -3616,8 +4108,8 @@
       </dsp:nvSpPr>
       <dsp:spPr>
         <a:xfrm>
-          <a:off x="6096000" y="1244482"/>
-          <a:ext cx="1045703" cy="300818"/>
+          <a:off x="5922057" y="1306896"/>
+          <a:ext cx="1015826" cy="292224"/>
         </a:xfrm>
         <a:custGeom>
           <a:avLst/>
@@ -3631,13 +4123,13 @@
                 <a:pt x="0" y="0"/>
               </a:moveTo>
               <a:lnTo>
-                <a:pt x="0" y="150409"/>
+                <a:pt x="0" y="146112"/>
               </a:lnTo>
               <a:lnTo>
-                <a:pt x="1045703" y="150409"/>
+                <a:pt x="1015826" y="146112"/>
               </a:lnTo>
               <a:lnTo>
-                <a:pt x="1045703" y="300818"/>
+                <a:pt x="1015826" y="292224"/>
               </a:lnTo>
             </a:path>
           </a:pathLst>
@@ -3677,8 +4169,8 @@
       </dsp:nvSpPr>
       <dsp:spPr>
         <a:xfrm>
-          <a:off x="3968781" y="3278590"/>
-          <a:ext cx="214870" cy="1675990"/>
+          <a:off x="3855615" y="3282887"/>
+          <a:ext cx="208731" cy="1628105"/>
         </a:xfrm>
         <a:custGeom>
           <a:avLst/>
@@ -3692,10 +4184,10 @@
                 <a:pt x="0" y="0"/>
               </a:moveTo>
               <a:lnTo>
-                <a:pt x="0" y="1675990"/>
+                <a:pt x="0" y="1628105"/>
               </a:lnTo>
               <a:lnTo>
-                <a:pt x="214870" y="1675990"/>
+                <a:pt x="208731" y="1628105"/>
               </a:lnTo>
             </a:path>
           </a:pathLst>
@@ -3735,8 +4227,8 @@
       </dsp:nvSpPr>
       <dsp:spPr>
         <a:xfrm>
-          <a:off x="3968781" y="3278590"/>
-          <a:ext cx="214870" cy="658936"/>
+          <a:off x="3855615" y="3282887"/>
+          <a:ext cx="208731" cy="640109"/>
         </a:xfrm>
         <a:custGeom>
           <a:avLst/>
@@ -3750,10 +4242,10 @@
                 <a:pt x="0" y="0"/>
               </a:moveTo>
               <a:lnTo>
-                <a:pt x="0" y="658936"/>
+                <a:pt x="0" y="640109"/>
               </a:lnTo>
               <a:lnTo>
-                <a:pt x="214870" y="658936"/>
+                <a:pt x="208731" y="640109"/>
               </a:lnTo>
             </a:path>
           </a:pathLst>
@@ -3793,8 +4285,8 @@
       </dsp:nvSpPr>
       <dsp:spPr>
         <a:xfrm>
-          <a:off x="3675124" y="2261536"/>
-          <a:ext cx="866644" cy="300818"/>
+          <a:off x="3570349" y="2294892"/>
+          <a:ext cx="841883" cy="292224"/>
         </a:xfrm>
         <a:custGeom>
           <a:avLst/>
@@ -3808,13 +4300,13 @@
                 <a:pt x="0" y="0"/>
               </a:moveTo>
               <a:lnTo>
-                <a:pt x="0" y="150409"/>
+                <a:pt x="0" y="146112"/>
               </a:lnTo>
               <a:lnTo>
-                <a:pt x="866644" y="150409"/>
+                <a:pt x="841883" y="146112"/>
               </a:lnTo>
               <a:lnTo>
-                <a:pt x="866644" y="300818"/>
+                <a:pt x="841883" y="292224"/>
               </a:lnTo>
             </a:path>
           </a:pathLst>
@@ -3854,8 +4346,8 @@
       </dsp:nvSpPr>
       <dsp:spPr>
         <a:xfrm>
-          <a:off x="2808479" y="2261536"/>
-          <a:ext cx="866644" cy="300818"/>
+          <a:off x="2728466" y="2294892"/>
+          <a:ext cx="841883" cy="292224"/>
         </a:xfrm>
         <a:custGeom>
           <a:avLst/>
@@ -3866,16 +4358,16 @@
           <a:pathLst>
             <a:path>
               <a:moveTo>
-                <a:pt x="866644" y="0"/>
+                <a:pt x="841883" y="0"/>
               </a:moveTo>
               <a:lnTo>
-                <a:pt x="866644" y="150409"/>
+                <a:pt x="841883" y="146112"/>
               </a:lnTo>
               <a:lnTo>
-                <a:pt x="0" y="150409"/>
+                <a:pt x="0" y="146112"/>
               </a:lnTo>
               <a:lnTo>
-                <a:pt x="0" y="300818"/>
+                <a:pt x="0" y="292224"/>
               </a:lnTo>
             </a:path>
           </a:pathLst>
@@ -3915,8 +4407,8 @@
       </dsp:nvSpPr>
       <dsp:spPr>
         <a:xfrm>
-          <a:off x="3675124" y="1244482"/>
-          <a:ext cx="2420875" cy="300818"/>
+          <a:off x="3570349" y="1306896"/>
+          <a:ext cx="2351707" cy="292224"/>
         </a:xfrm>
         <a:custGeom>
           <a:avLst/>
@@ -3927,16 +4419,16 @@
           <a:pathLst>
             <a:path>
               <a:moveTo>
-                <a:pt x="2420875" y="0"/>
+                <a:pt x="2351707" y="0"/>
               </a:moveTo>
               <a:lnTo>
-                <a:pt x="2420875" y="150409"/>
+                <a:pt x="2351707" y="146112"/>
               </a:lnTo>
               <a:lnTo>
-                <a:pt x="0" y="150409"/>
+                <a:pt x="0" y="146112"/>
               </a:lnTo>
               <a:lnTo>
-                <a:pt x="0" y="300818"/>
+                <a:pt x="0" y="292224"/>
               </a:lnTo>
             </a:path>
           </a:pathLst>
@@ -3969,15 +4461,15 @@
         <a:fontRef idx="minor"/>
       </dsp:style>
     </dsp:sp>
-    <dsp:sp modelId="{7A348A02-FCC0-4657-82E7-8BB1945C03A5}">
+    <dsp:sp modelId="{AB95BCF8-91C6-4CC4-9159-EBAB7291A3AA}">
       <dsp:nvSpPr>
         <dsp:cNvPr id="0" name=""/>
         <dsp:cNvSpPr/>
       </dsp:nvSpPr>
       <dsp:spPr>
         <a:xfrm>
-          <a:off x="144084" y="2261536"/>
-          <a:ext cx="214870" cy="2693044"/>
+          <a:off x="140196" y="2294892"/>
+          <a:ext cx="208731" cy="1628105"/>
         </a:xfrm>
         <a:custGeom>
           <a:avLst/>
@@ -3991,10 +4483,10 @@
                 <a:pt x="0" y="0"/>
               </a:moveTo>
               <a:lnTo>
-                <a:pt x="0" y="2693044"/>
+                <a:pt x="0" y="1628105"/>
               </a:lnTo>
               <a:lnTo>
-                <a:pt x="214870" y="2693044"/>
+                <a:pt x="208731" y="1628105"/>
               </a:lnTo>
             </a:path>
           </a:pathLst>
@@ -4027,15 +4519,15 @@
         <a:fontRef idx="minor"/>
       </dsp:style>
     </dsp:sp>
-    <dsp:sp modelId="{AB95BCF8-91C6-4CC4-9159-EBAB7291A3AA}">
+    <dsp:sp modelId="{2635FAE6-A136-440B-94EE-CD567052726F}">
       <dsp:nvSpPr>
         <dsp:cNvPr id="0" name=""/>
         <dsp:cNvSpPr/>
       </dsp:nvSpPr>
       <dsp:spPr>
         <a:xfrm>
-          <a:off x="144084" y="2261536"/>
-          <a:ext cx="214870" cy="1675990"/>
+          <a:off x="140196" y="2294892"/>
+          <a:ext cx="208731" cy="640109"/>
         </a:xfrm>
         <a:custGeom>
           <a:avLst/>
@@ -4049,10 +4541,10 @@
                 <a:pt x="0" y="0"/>
               </a:moveTo>
               <a:lnTo>
-                <a:pt x="0" y="1675990"/>
+                <a:pt x="0" y="640109"/>
               </a:lnTo>
               <a:lnTo>
-                <a:pt x="214870" y="1675990"/>
+                <a:pt x="208731" y="640109"/>
               </a:lnTo>
             </a:path>
           </a:pathLst>
@@ -4085,15 +4577,15 @@
         <a:fontRef idx="minor"/>
       </dsp:style>
     </dsp:sp>
-    <dsp:sp modelId="{2635FAE6-A136-440B-94EE-CD567052726F}">
+    <dsp:sp modelId="{6A3AAAAC-3DFF-43F8-8209-3D0095E6D75A}">
       <dsp:nvSpPr>
         <dsp:cNvPr id="0" name=""/>
         <dsp:cNvSpPr/>
       </dsp:nvSpPr>
       <dsp:spPr>
         <a:xfrm>
-          <a:off x="144084" y="2261536"/>
-          <a:ext cx="214870" cy="658936"/>
+          <a:off x="696813" y="1306896"/>
+          <a:ext cx="5225243" cy="292224"/>
         </a:xfrm>
         <a:custGeom>
           <a:avLst/>
@@ -4104,74 +4596,16 @@
           <a:pathLst>
             <a:path>
               <a:moveTo>
-                <a:pt x="0" y="0"/>
+                <a:pt x="5225243" y="0"/>
               </a:moveTo>
               <a:lnTo>
-                <a:pt x="0" y="658936"/>
+                <a:pt x="5225243" y="146112"/>
               </a:lnTo>
               <a:lnTo>
-                <a:pt x="214870" y="658936"/>
-              </a:lnTo>
-            </a:path>
-          </a:pathLst>
-        </a:custGeom>
-        <a:noFill/>
-        <a:ln w="12700" cap="flat" cmpd="sng" algn="ctr">
-          <a:solidFill>
-            <a:schemeClr val="accent5">
-              <a:hueOff val="0"/>
-              <a:satOff val="0"/>
-              <a:lumOff val="0"/>
-              <a:alphaOff val="0"/>
-            </a:schemeClr>
-          </a:solidFill>
-          <a:prstDash val="solid"/>
-          <a:miter lim="800000"/>
-        </a:ln>
-        <a:effectLst/>
-      </dsp:spPr>
-      <dsp:style>
-        <a:lnRef idx="2">
-          <a:scrgbClr r="0" g="0" b="0"/>
-        </a:lnRef>
-        <a:fillRef idx="0">
-          <a:scrgbClr r="0" g="0" b="0"/>
-        </a:fillRef>
-        <a:effectRef idx="0">
-          <a:scrgbClr r="0" g="0" b="0"/>
-        </a:effectRef>
-        <a:fontRef idx="minor"/>
-      </dsp:style>
-    </dsp:sp>
-    <dsp:sp modelId="{6A3AAAAC-3DFF-43F8-8209-3D0095E6D75A}">
-      <dsp:nvSpPr>
-        <dsp:cNvPr id="0" name=""/>
-        <dsp:cNvSpPr/>
-      </dsp:nvSpPr>
-      <dsp:spPr>
-        <a:xfrm>
-          <a:off x="717072" y="1244482"/>
-          <a:ext cx="5378927" cy="300818"/>
-        </a:xfrm>
-        <a:custGeom>
-          <a:avLst/>
-          <a:gdLst/>
-          <a:ahLst/>
-          <a:cxnLst/>
-          <a:rect l="0" t="0" r="0" b="0"/>
-          <a:pathLst>
-            <a:path>
-              <a:moveTo>
-                <a:pt x="5378927" y="0"/>
-              </a:moveTo>
-              <a:lnTo>
-                <a:pt x="5378927" y="150409"/>
+                <a:pt x="0" y="146112"/>
               </a:lnTo>
               <a:lnTo>
-                <a:pt x="0" y="150409"/>
-              </a:lnTo>
-              <a:lnTo>
-                <a:pt x="0" y="300818"/>
+                <a:pt x="0" y="292224"/>
               </a:lnTo>
             </a:path>
           </a:pathLst>
@@ -4211,8 +4645,8 @@
       </dsp:nvSpPr>
       <dsp:spPr>
         <a:xfrm>
-          <a:off x="5379764" y="528246"/>
-          <a:ext cx="1432470" cy="716235"/>
+          <a:off x="5226285" y="611125"/>
+          <a:ext cx="1391542" cy="695771"/>
         </a:xfrm>
         <a:prstGeom prst="rect">
           <a:avLst/>
@@ -4254,12 +4688,12 @@
         </a:fontRef>
       </dsp:style>
       <dsp:txBody>
-        <a:bodyPr spcFirstLastPara="0" vert="horz" wrap="square" lIns="10160" tIns="10160" rIns="10160" bIns="10160" numCol="1" spcCol="1270" anchor="ctr" anchorCtr="0">
+        <a:bodyPr spcFirstLastPara="0" vert="horz" wrap="square" lIns="9525" tIns="9525" rIns="9525" bIns="9525" numCol="1" spcCol="1270" anchor="ctr" anchorCtr="0">
           <a:noAutofit/>
         </a:bodyPr>
         <a:lstStyle/>
         <a:p>
-          <a:pPr lvl="0" algn="ctr" defTabSz="711200">
+          <a:pPr lvl="0" algn="ctr" defTabSz="666750">
             <a:lnSpc>
               <a:spcPct val="90000"/>
             </a:lnSpc>
@@ -4271,7 +4705,7 @@
             </a:spcAft>
           </a:pPr>
           <a:r>
-            <a:rPr lang="de-DE" sz="1600" b="0" kern="1200" cap="none" spc="0" dirty="0" smtClean="0">
+            <a:rPr lang="de-DE" sz="1500" b="0" kern="1200" cap="none" spc="0" dirty="0" smtClean="0">
               <a:ln w="0"/>
               <a:solidFill>
                 <a:schemeClr val="tx1"/>
@@ -4286,7 +4720,7 @@
             </a:rPr>
             <a:t>Großstadtjungle²</a:t>
           </a:r>
-          <a:endParaRPr lang="de-DE" sz="1600" b="0" kern="1200" cap="none" spc="0" dirty="0">
+          <a:endParaRPr lang="de-DE" sz="1500" b="0" kern="1200" cap="none" spc="0" dirty="0">
             <a:ln w="0"/>
             <a:solidFill>
               <a:schemeClr val="tx1"/>
@@ -4302,8 +4736,8 @@
         </a:p>
       </dsp:txBody>
       <dsp:txXfrm>
-        <a:off x="5379764" y="528246"/>
-        <a:ext cx="1432470" cy="716235"/>
+        <a:off x="5226285" y="611125"/>
+        <a:ext cx="1391542" cy="695771"/>
       </dsp:txXfrm>
     </dsp:sp>
     <dsp:sp modelId="{5A4A07DA-DC3F-4FB2-985A-69869BE7034F}">
@@ -4313,8 +4747,8 @@
       </dsp:nvSpPr>
       <dsp:spPr>
         <a:xfrm>
-          <a:off x="837" y="1545301"/>
-          <a:ext cx="1432470" cy="716235"/>
+          <a:off x="1041" y="1599120"/>
+          <a:ext cx="1391542" cy="695771"/>
         </a:xfrm>
         <a:prstGeom prst="rect">
           <a:avLst/>
@@ -4356,12 +4790,12 @@
         </a:fontRef>
       </dsp:style>
       <dsp:txBody>
-        <a:bodyPr spcFirstLastPara="0" vert="horz" wrap="square" lIns="10160" tIns="10160" rIns="10160" bIns="10160" numCol="1" spcCol="1270" anchor="ctr" anchorCtr="0">
+        <a:bodyPr spcFirstLastPara="0" vert="horz" wrap="square" lIns="9525" tIns="9525" rIns="9525" bIns="9525" numCol="1" spcCol="1270" anchor="ctr" anchorCtr="0">
           <a:noAutofit/>
         </a:bodyPr>
         <a:lstStyle/>
         <a:p>
-          <a:pPr lvl="0" algn="ctr" defTabSz="711200">
+          <a:pPr lvl="0" algn="ctr" defTabSz="666750">
             <a:lnSpc>
               <a:spcPct val="90000"/>
             </a:lnSpc>
@@ -4373,15 +4807,15 @@
             </a:spcAft>
           </a:pPr>
           <a:r>
-            <a:rPr lang="de-DE" sz="1600" kern="1200" dirty="0" smtClean="0"/>
+            <a:rPr lang="de-DE" sz="1500" kern="1200" dirty="0" smtClean="0"/>
             <a:t>Management</a:t>
           </a:r>
-          <a:endParaRPr lang="de-DE" sz="1600" kern="1200" dirty="0"/>
+          <a:endParaRPr lang="de-DE" sz="1500" kern="1200" dirty="0"/>
         </a:p>
       </dsp:txBody>
       <dsp:txXfrm>
-        <a:off x="837" y="1545301"/>
-        <a:ext cx="1432470" cy="716235"/>
+        <a:off x="1041" y="1599120"/>
+        <a:ext cx="1391542" cy="695771"/>
       </dsp:txXfrm>
     </dsp:sp>
     <dsp:sp modelId="{4AF33755-706D-4315-B258-1F1C2070289F}">
@@ -4391,8 +4825,8 @@
       </dsp:nvSpPr>
       <dsp:spPr>
         <a:xfrm>
-          <a:off x="358954" y="2562355"/>
-          <a:ext cx="1432470" cy="716235"/>
+          <a:off x="348927" y="2587116"/>
+          <a:ext cx="1391542" cy="695771"/>
         </a:xfrm>
         <a:prstGeom prst="rect">
           <a:avLst/>
@@ -4434,12 +4868,12 @@
         </a:fontRef>
       </dsp:style>
       <dsp:txBody>
-        <a:bodyPr spcFirstLastPara="0" vert="horz" wrap="square" lIns="10160" tIns="10160" rIns="10160" bIns="10160" numCol="1" spcCol="1270" anchor="ctr" anchorCtr="0">
+        <a:bodyPr spcFirstLastPara="0" vert="horz" wrap="square" lIns="9525" tIns="9525" rIns="9525" bIns="9525" numCol="1" spcCol="1270" anchor="ctr" anchorCtr="0">
           <a:noAutofit/>
         </a:bodyPr>
         <a:lstStyle/>
         <a:p>
-          <a:pPr lvl="0" algn="ctr" defTabSz="711200">
+          <a:pPr lvl="0" algn="ctr" defTabSz="666750">
             <a:lnSpc>
               <a:spcPct val="90000"/>
             </a:lnSpc>
@@ -4451,15 +4885,15 @@
             </a:spcAft>
           </a:pPr>
           <a:r>
-            <a:rPr lang="de-DE" sz="1600" kern="1200" dirty="0" smtClean="0"/>
+            <a:rPr lang="de-DE" sz="1500" kern="1200" dirty="0" smtClean="0"/>
             <a:t>Planung</a:t>
           </a:r>
-          <a:endParaRPr lang="de-DE" sz="1600" kern="1200" dirty="0"/>
+          <a:endParaRPr lang="de-DE" sz="1500" kern="1200" dirty="0"/>
         </a:p>
       </dsp:txBody>
       <dsp:txXfrm>
-        <a:off x="358954" y="2562355"/>
-        <a:ext cx="1432470" cy="716235"/>
+        <a:off x="348927" y="2587116"/>
+        <a:ext cx="1391542" cy="695771"/>
       </dsp:txXfrm>
     </dsp:sp>
     <dsp:sp modelId="{AD606730-8D94-4FAE-84AB-6C0CC4496D5D}">
@@ -4469,8 +4903,8 @@
       </dsp:nvSpPr>
       <dsp:spPr>
         <a:xfrm>
-          <a:off x="358954" y="3579409"/>
-          <a:ext cx="1432470" cy="716235"/>
+          <a:off x="348927" y="3575112"/>
+          <a:ext cx="1391542" cy="695771"/>
         </a:xfrm>
         <a:prstGeom prst="rect">
           <a:avLst/>
@@ -4512,12 +4946,12 @@
         </a:fontRef>
       </dsp:style>
       <dsp:txBody>
-        <a:bodyPr spcFirstLastPara="0" vert="horz" wrap="square" lIns="10160" tIns="10160" rIns="10160" bIns="10160" numCol="1" spcCol="1270" anchor="ctr" anchorCtr="0">
+        <a:bodyPr spcFirstLastPara="0" vert="horz" wrap="square" lIns="9525" tIns="9525" rIns="9525" bIns="9525" numCol="1" spcCol="1270" anchor="ctr" anchorCtr="0">
           <a:noAutofit/>
         </a:bodyPr>
         <a:lstStyle/>
         <a:p>
-          <a:pPr lvl="0" algn="ctr" defTabSz="711200">
+          <a:pPr lvl="0" algn="ctr" defTabSz="666750">
             <a:lnSpc>
               <a:spcPct val="90000"/>
             </a:lnSpc>
@@ -4529,26 +4963,104 @@
             </a:spcAft>
           </a:pPr>
           <a:r>
-            <a:rPr lang="de-DE" sz="1600" kern="1200" dirty="0" smtClean="0"/>
+            <a:rPr lang="de-DE" sz="1500" kern="1200" dirty="0" smtClean="0"/>
             <a:t>Kontrolle</a:t>
           </a:r>
-          <a:endParaRPr lang="de-DE" sz="1600" kern="1200" dirty="0"/>
+          <a:endParaRPr lang="de-DE" sz="1500" kern="1200" dirty="0"/>
         </a:p>
       </dsp:txBody>
       <dsp:txXfrm>
-        <a:off x="358954" y="3579409"/>
-        <a:ext cx="1432470" cy="716235"/>
+        <a:off x="348927" y="3575112"/>
+        <a:ext cx="1391542" cy="695771"/>
       </dsp:txXfrm>
     </dsp:sp>
-    <dsp:sp modelId="{981F6E55-0F5E-420B-B184-AA2344AF585E}">
+    <dsp:sp modelId="{0D2350D7-2FC9-4757-8FB8-DAF4285B6035}">
       <dsp:nvSpPr>
         <dsp:cNvPr id="0" name=""/>
         <dsp:cNvSpPr/>
       </dsp:nvSpPr>
       <dsp:spPr>
         <a:xfrm>
-          <a:off x="358954" y="4596463"/>
-          <a:ext cx="1432470" cy="716235"/>
+          <a:off x="2874578" y="1599120"/>
+          <a:ext cx="1391542" cy="695771"/>
+        </a:xfrm>
+        <a:prstGeom prst="rect">
+          <a:avLst/>
+        </a:prstGeom>
+        <a:solidFill>
+          <a:schemeClr val="accent4">
+            <a:hueOff val="0"/>
+            <a:satOff val="0"/>
+            <a:lumOff val="0"/>
+            <a:alphaOff val="0"/>
+          </a:schemeClr>
+        </a:solidFill>
+        <a:ln w="12700" cap="flat" cmpd="sng" algn="ctr">
+          <a:solidFill>
+            <a:schemeClr val="lt1">
+              <a:hueOff val="0"/>
+              <a:satOff val="0"/>
+              <a:lumOff val="0"/>
+              <a:alphaOff val="0"/>
+            </a:schemeClr>
+          </a:solidFill>
+          <a:prstDash val="solid"/>
+          <a:miter lim="800000"/>
+        </a:ln>
+        <a:effectLst/>
+      </dsp:spPr>
+      <dsp:style>
+        <a:lnRef idx="2">
+          <a:scrgbClr r="0" g="0" b="0"/>
+        </a:lnRef>
+        <a:fillRef idx="1">
+          <a:scrgbClr r="0" g="0" b="0"/>
+        </a:fillRef>
+        <a:effectRef idx="0">
+          <a:scrgbClr r="0" g="0" b="0"/>
+        </a:effectRef>
+        <a:fontRef idx="minor">
+          <a:schemeClr val="lt1"/>
+        </a:fontRef>
+      </dsp:style>
+      <dsp:txBody>
+        <a:bodyPr spcFirstLastPara="0" vert="horz" wrap="square" lIns="9525" tIns="9525" rIns="9525" bIns="9525" numCol="1" spcCol="1270" anchor="ctr" anchorCtr="0">
+          <a:noAutofit/>
+        </a:bodyPr>
+        <a:lstStyle/>
+        <a:p>
+          <a:pPr lvl="0" algn="ctr" defTabSz="666750">
+            <a:lnSpc>
+              <a:spcPct val="90000"/>
+            </a:lnSpc>
+            <a:spcBef>
+              <a:spcPct val="0"/>
+            </a:spcBef>
+            <a:spcAft>
+              <a:spcPct val="35000"/>
+            </a:spcAft>
+          </a:pPr>
+          <a:r>
+            <a:rPr lang="de-DE" sz="1500" kern="1200" dirty="0" smtClean="0"/>
+            <a:t>Anforderungen</a:t>
+          </a:r>
+          <a:endParaRPr lang="de-DE" sz="1500" kern="1200" dirty="0"/>
+        </a:p>
+      </dsp:txBody>
+      <dsp:txXfrm>
+        <a:off x="2874578" y="1599120"/>
+        <a:ext cx="1391542" cy="695771"/>
+      </dsp:txXfrm>
+    </dsp:sp>
+    <dsp:sp modelId="{1575D451-D673-4424-AE4D-AB209AF5EC81}">
+      <dsp:nvSpPr>
+        <dsp:cNvPr id="0" name=""/>
+        <dsp:cNvSpPr/>
+      </dsp:nvSpPr>
+      <dsp:spPr>
+        <a:xfrm>
+          <a:off x="2032694" y="2587116"/>
+          <a:ext cx="1391542" cy="695771"/>
         </a:xfrm>
         <a:prstGeom prst="rect">
           <a:avLst/>
@@ -4590,12 +5102,12 @@
         </a:fontRef>
       </dsp:style>
       <dsp:txBody>
-        <a:bodyPr spcFirstLastPara="0" vert="horz" wrap="square" lIns="10160" tIns="10160" rIns="10160" bIns="10160" numCol="1" spcCol="1270" anchor="ctr" anchorCtr="0">
+        <a:bodyPr spcFirstLastPara="0" vert="horz" wrap="square" lIns="9525" tIns="9525" rIns="9525" bIns="9525" numCol="1" spcCol="1270" anchor="ctr" anchorCtr="0">
           <a:noAutofit/>
         </a:bodyPr>
         <a:lstStyle/>
         <a:p>
-          <a:pPr lvl="0" algn="ctr" defTabSz="711200">
+          <a:pPr lvl="0" algn="ctr" defTabSz="666750">
             <a:lnSpc>
               <a:spcPct val="90000"/>
             </a:lnSpc>
@@ -4607,26 +5119,260 @@
             </a:spcAft>
           </a:pPr>
           <a:r>
-            <a:rPr lang="de-DE" sz="1600" kern="1200" dirty="0" smtClean="0"/>
-            <a:t>Treffen</a:t>
+            <a:rPr lang="de-DE" sz="1500" kern="1200" dirty="0" smtClean="0"/>
+            <a:t>Dokumentation</a:t>
           </a:r>
-          <a:endParaRPr lang="de-DE" sz="1600" kern="1200" dirty="0"/>
+          <a:endParaRPr lang="de-DE" sz="1500" kern="1200" dirty="0"/>
         </a:p>
       </dsp:txBody>
       <dsp:txXfrm>
-        <a:off x="358954" y="4596463"/>
-        <a:ext cx="1432470" cy="716235"/>
+        <a:off x="2032694" y="2587116"/>
+        <a:ext cx="1391542" cy="695771"/>
       </dsp:txXfrm>
     </dsp:sp>
-    <dsp:sp modelId="{0D2350D7-2FC9-4757-8FB8-DAF4285B6035}">
+    <dsp:sp modelId="{F8718B6D-A3A0-4C07-B15E-4D6AA2E80E21}">
       <dsp:nvSpPr>
         <dsp:cNvPr id="0" name=""/>
         <dsp:cNvSpPr/>
       </dsp:nvSpPr>
       <dsp:spPr>
         <a:xfrm>
-          <a:off x="2958889" y="1545301"/>
-          <a:ext cx="1432470" cy="716235"/>
+          <a:off x="3716461" y="2587116"/>
+          <a:ext cx="1391542" cy="695771"/>
+        </a:xfrm>
+        <a:prstGeom prst="rect">
+          <a:avLst/>
+        </a:prstGeom>
+        <a:solidFill>
+          <a:schemeClr val="accent5">
+            <a:hueOff val="0"/>
+            <a:satOff val="0"/>
+            <a:lumOff val="0"/>
+            <a:alphaOff val="0"/>
+          </a:schemeClr>
+        </a:solidFill>
+        <a:ln w="12700" cap="flat" cmpd="sng" algn="ctr">
+          <a:solidFill>
+            <a:schemeClr val="lt1">
+              <a:hueOff val="0"/>
+              <a:satOff val="0"/>
+              <a:lumOff val="0"/>
+              <a:alphaOff val="0"/>
+            </a:schemeClr>
+          </a:solidFill>
+          <a:prstDash val="solid"/>
+          <a:miter lim="800000"/>
+        </a:ln>
+        <a:effectLst/>
+      </dsp:spPr>
+      <dsp:style>
+        <a:lnRef idx="2">
+          <a:scrgbClr r="0" g="0" b="0"/>
+        </a:lnRef>
+        <a:fillRef idx="1">
+          <a:scrgbClr r="0" g="0" b="0"/>
+        </a:fillRef>
+        <a:effectRef idx="0">
+          <a:scrgbClr r="0" g="0" b="0"/>
+        </a:effectRef>
+        <a:fontRef idx="minor">
+          <a:schemeClr val="lt1"/>
+        </a:fontRef>
+      </dsp:style>
+      <dsp:txBody>
+        <a:bodyPr spcFirstLastPara="0" vert="horz" wrap="square" lIns="9525" tIns="9525" rIns="9525" bIns="9525" numCol="1" spcCol="1270" anchor="ctr" anchorCtr="0">
+          <a:noAutofit/>
+        </a:bodyPr>
+        <a:lstStyle/>
+        <a:p>
+          <a:pPr lvl="0" algn="ctr" defTabSz="666750">
+            <a:lnSpc>
+              <a:spcPct val="90000"/>
+            </a:lnSpc>
+            <a:spcBef>
+              <a:spcPct val="0"/>
+            </a:spcBef>
+            <a:spcAft>
+              <a:spcPct val="35000"/>
+            </a:spcAft>
+          </a:pPr>
+          <a:r>
+            <a:rPr lang="de-DE" sz="1500" kern="1200" dirty="0" smtClean="0"/>
+            <a:t>App</a:t>
+          </a:r>
+          <a:endParaRPr lang="de-DE" sz="1500" kern="1200" dirty="0"/>
+        </a:p>
+      </dsp:txBody>
+      <dsp:txXfrm>
+        <a:off x="3716461" y="2587116"/>
+        <a:ext cx="1391542" cy="695771"/>
+      </dsp:txXfrm>
+    </dsp:sp>
+    <dsp:sp modelId="{1A350C2A-05E7-447D-A367-A20852E33E48}">
+      <dsp:nvSpPr>
+        <dsp:cNvPr id="0" name=""/>
+        <dsp:cNvSpPr/>
+      </dsp:nvSpPr>
+      <dsp:spPr>
+        <a:xfrm>
+          <a:off x="4064347" y="3575112"/>
+          <a:ext cx="1391542" cy="695771"/>
+        </a:xfrm>
+        <a:prstGeom prst="rect">
+          <a:avLst/>
+        </a:prstGeom>
+        <a:solidFill>
+          <a:schemeClr val="accent6">
+            <a:hueOff val="0"/>
+            <a:satOff val="0"/>
+            <a:lumOff val="0"/>
+            <a:alphaOff val="0"/>
+          </a:schemeClr>
+        </a:solidFill>
+        <a:ln w="12700" cap="flat" cmpd="sng" algn="ctr">
+          <a:solidFill>
+            <a:schemeClr val="lt1">
+              <a:hueOff val="0"/>
+              <a:satOff val="0"/>
+              <a:lumOff val="0"/>
+              <a:alphaOff val="0"/>
+            </a:schemeClr>
+          </a:solidFill>
+          <a:prstDash val="solid"/>
+          <a:miter lim="800000"/>
+        </a:ln>
+        <a:effectLst/>
+      </dsp:spPr>
+      <dsp:style>
+        <a:lnRef idx="2">
+          <a:scrgbClr r="0" g="0" b="0"/>
+        </a:lnRef>
+        <a:fillRef idx="1">
+          <a:scrgbClr r="0" g="0" b="0"/>
+        </a:fillRef>
+        <a:effectRef idx="0">
+          <a:scrgbClr r="0" g="0" b="0"/>
+        </a:effectRef>
+        <a:fontRef idx="minor">
+          <a:schemeClr val="lt1"/>
+        </a:fontRef>
+      </dsp:style>
+      <dsp:txBody>
+        <a:bodyPr spcFirstLastPara="0" vert="horz" wrap="square" lIns="9525" tIns="9525" rIns="9525" bIns="9525" numCol="1" spcCol="1270" anchor="ctr" anchorCtr="0">
+          <a:noAutofit/>
+        </a:bodyPr>
+        <a:lstStyle/>
+        <a:p>
+          <a:pPr lvl="0" algn="ctr" defTabSz="666750">
+            <a:lnSpc>
+              <a:spcPct val="90000"/>
+            </a:lnSpc>
+            <a:spcBef>
+              <a:spcPct val="0"/>
+            </a:spcBef>
+            <a:spcAft>
+              <a:spcPct val="35000"/>
+            </a:spcAft>
+          </a:pPr>
+          <a:r>
+            <a:rPr lang="de-DE" sz="1500" kern="1200" dirty="0" smtClean="0"/>
+            <a:t>GPS</a:t>
+          </a:r>
+          <a:endParaRPr lang="de-DE" sz="1500" kern="1200" dirty="0"/>
+        </a:p>
+      </dsp:txBody>
+      <dsp:txXfrm>
+        <a:off x="4064347" y="3575112"/>
+        <a:ext cx="1391542" cy="695771"/>
+      </dsp:txXfrm>
+    </dsp:sp>
+    <dsp:sp modelId="{D7E127B8-2E5D-4A0F-976B-D3E8043E4C5B}">
+      <dsp:nvSpPr>
+        <dsp:cNvPr id="0" name=""/>
+        <dsp:cNvSpPr/>
+      </dsp:nvSpPr>
+      <dsp:spPr>
+        <a:xfrm>
+          <a:off x="4064347" y="4563107"/>
+          <a:ext cx="1391542" cy="695771"/>
+        </a:xfrm>
+        <a:prstGeom prst="rect">
+          <a:avLst/>
+        </a:prstGeom>
+        <a:solidFill>
+          <a:schemeClr val="accent6">
+            <a:hueOff val="0"/>
+            <a:satOff val="0"/>
+            <a:lumOff val="0"/>
+            <a:alphaOff val="0"/>
+          </a:schemeClr>
+        </a:solidFill>
+        <a:ln w="12700" cap="flat" cmpd="sng" algn="ctr">
+          <a:solidFill>
+            <a:schemeClr val="lt1">
+              <a:hueOff val="0"/>
+              <a:satOff val="0"/>
+              <a:lumOff val="0"/>
+              <a:alphaOff val="0"/>
+            </a:schemeClr>
+          </a:solidFill>
+          <a:prstDash val="solid"/>
+          <a:miter lim="800000"/>
+        </a:ln>
+        <a:effectLst/>
+      </dsp:spPr>
+      <dsp:style>
+        <a:lnRef idx="2">
+          <a:scrgbClr r="0" g="0" b="0"/>
+        </a:lnRef>
+        <a:fillRef idx="1">
+          <a:scrgbClr r="0" g="0" b="0"/>
+        </a:fillRef>
+        <a:effectRef idx="0">
+          <a:scrgbClr r="0" g="0" b="0"/>
+        </a:effectRef>
+        <a:fontRef idx="minor">
+          <a:schemeClr val="lt1"/>
+        </a:fontRef>
+      </dsp:style>
+      <dsp:txBody>
+        <a:bodyPr spcFirstLastPara="0" vert="horz" wrap="square" lIns="9525" tIns="9525" rIns="9525" bIns="9525" numCol="1" spcCol="1270" anchor="ctr" anchorCtr="0">
+          <a:noAutofit/>
+        </a:bodyPr>
+        <a:lstStyle/>
+        <a:p>
+          <a:pPr lvl="0" algn="ctr" defTabSz="666750">
+            <a:lnSpc>
+              <a:spcPct val="90000"/>
+            </a:lnSpc>
+            <a:spcBef>
+              <a:spcPct val="0"/>
+            </a:spcBef>
+            <a:spcAft>
+              <a:spcPct val="35000"/>
+            </a:spcAft>
+          </a:pPr>
+          <a:r>
+            <a:rPr lang="de-DE" sz="1500" kern="1200" dirty="0" smtClean="0"/>
+            <a:t>Inhalt</a:t>
+          </a:r>
+          <a:endParaRPr lang="de-DE" sz="1500" kern="1200" dirty="0"/>
+        </a:p>
+      </dsp:txBody>
+      <dsp:txXfrm>
+        <a:off x="4064347" y="4563107"/>
+        <a:ext cx="1391542" cy="695771"/>
+      </dsp:txXfrm>
+    </dsp:sp>
+    <dsp:sp modelId="{6D0C319E-23D6-43F1-B42A-A98526B61A96}">
+      <dsp:nvSpPr>
+        <dsp:cNvPr id="0" name=""/>
+        <dsp:cNvSpPr/>
+      </dsp:nvSpPr>
+      <dsp:spPr>
+        <a:xfrm>
+          <a:off x="6242112" y="1599120"/>
+          <a:ext cx="1391542" cy="695771"/>
         </a:xfrm>
         <a:prstGeom prst="rect">
           <a:avLst/>
@@ -4668,12 +5414,12 @@
         </a:fontRef>
       </dsp:style>
       <dsp:txBody>
-        <a:bodyPr spcFirstLastPara="0" vert="horz" wrap="square" lIns="10160" tIns="10160" rIns="10160" bIns="10160" numCol="1" spcCol="1270" anchor="ctr" anchorCtr="0">
+        <a:bodyPr spcFirstLastPara="0" vert="horz" wrap="square" lIns="9525" tIns="9525" rIns="9525" bIns="9525" numCol="1" spcCol="1270" anchor="ctr" anchorCtr="0">
           <a:noAutofit/>
         </a:bodyPr>
         <a:lstStyle/>
         <a:p>
-          <a:pPr lvl="0" algn="ctr" defTabSz="711200">
+          <a:pPr lvl="0" algn="ctr" defTabSz="666750">
             <a:lnSpc>
               <a:spcPct val="90000"/>
             </a:lnSpc>
@@ -4685,26 +5431,26 @@
             </a:spcAft>
           </a:pPr>
           <a:r>
-            <a:rPr lang="de-DE" sz="1600" kern="1200" dirty="0" smtClean="0"/>
-            <a:t>Anforderungen</a:t>
+            <a:rPr lang="de-DE" sz="1500" kern="1200" dirty="0" smtClean="0"/>
+            <a:t>Entwicklung</a:t>
           </a:r>
-          <a:endParaRPr lang="de-DE" sz="1600" kern="1200" dirty="0"/>
+          <a:endParaRPr lang="de-DE" sz="1500" kern="1200" dirty="0"/>
         </a:p>
       </dsp:txBody>
       <dsp:txXfrm>
-        <a:off x="2958889" y="1545301"/>
-        <a:ext cx="1432470" cy="716235"/>
+        <a:off x="6242112" y="1599120"/>
+        <a:ext cx="1391542" cy="695771"/>
       </dsp:txXfrm>
     </dsp:sp>
-    <dsp:sp modelId="{1575D451-D673-4424-AE4D-AB209AF5EC81}">
+    <dsp:sp modelId="{8E128385-4E4F-4484-A4CF-529E679AEB44}">
       <dsp:nvSpPr>
         <dsp:cNvPr id="0" name=""/>
         <dsp:cNvSpPr/>
       </dsp:nvSpPr>
       <dsp:spPr>
         <a:xfrm>
-          <a:off x="2092244" y="2562355"/>
-          <a:ext cx="1432470" cy="716235"/>
+          <a:off x="5400228" y="2587116"/>
+          <a:ext cx="1391542" cy="695771"/>
         </a:xfrm>
         <a:prstGeom prst="rect">
           <a:avLst/>
@@ -4746,12 +5492,12 @@
         </a:fontRef>
       </dsp:style>
       <dsp:txBody>
-        <a:bodyPr spcFirstLastPara="0" vert="horz" wrap="square" lIns="10160" tIns="10160" rIns="10160" bIns="10160" numCol="1" spcCol="1270" anchor="ctr" anchorCtr="0">
+        <a:bodyPr spcFirstLastPara="0" vert="horz" wrap="square" lIns="9525" tIns="9525" rIns="9525" bIns="9525" numCol="1" spcCol="1270" anchor="ctr" anchorCtr="0">
           <a:noAutofit/>
         </a:bodyPr>
         <a:lstStyle/>
         <a:p>
-          <a:pPr lvl="0" algn="ctr" defTabSz="711200">
+          <a:pPr lvl="0" algn="ctr" defTabSz="666750">
             <a:lnSpc>
               <a:spcPct val="90000"/>
             </a:lnSpc>
@@ -4763,26 +5509,260 @@
             </a:spcAft>
           </a:pPr>
           <a:r>
-            <a:rPr lang="de-DE" sz="1600" kern="1200" dirty="0" smtClean="0"/>
-            <a:t>Dokumentation</a:t>
+            <a:rPr lang="de-DE" sz="1500" kern="1200" dirty="0" smtClean="0"/>
+            <a:t>App</a:t>
           </a:r>
-          <a:endParaRPr lang="de-DE" sz="1600" kern="1200" dirty="0"/>
+          <a:endParaRPr lang="de-DE" sz="1500" kern="1200" dirty="0"/>
         </a:p>
       </dsp:txBody>
       <dsp:txXfrm>
-        <a:off x="2092244" y="2562355"/>
-        <a:ext cx="1432470" cy="716235"/>
+        <a:off x="5400228" y="2587116"/>
+        <a:ext cx="1391542" cy="695771"/>
       </dsp:txXfrm>
     </dsp:sp>
-    <dsp:sp modelId="{F8718B6D-A3A0-4C07-B15E-4D6AA2E80E21}">
+    <dsp:sp modelId="{D0D61E12-9153-48D3-A2FC-AA594E45FA03}">
       <dsp:nvSpPr>
         <dsp:cNvPr id="0" name=""/>
         <dsp:cNvSpPr/>
       </dsp:nvSpPr>
       <dsp:spPr>
         <a:xfrm>
-          <a:off x="3825533" y="2562355"/>
-          <a:ext cx="1432470" cy="716235"/>
+          <a:off x="5748114" y="3575112"/>
+          <a:ext cx="1391542" cy="695771"/>
+        </a:xfrm>
+        <a:prstGeom prst="rect">
+          <a:avLst/>
+        </a:prstGeom>
+        <a:solidFill>
+          <a:schemeClr val="accent6">
+            <a:hueOff val="0"/>
+            <a:satOff val="0"/>
+            <a:lumOff val="0"/>
+            <a:alphaOff val="0"/>
+          </a:schemeClr>
+        </a:solidFill>
+        <a:ln w="12700" cap="flat" cmpd="sng" algn="ctr">
+          <a:solidFill>
+            <a:schemeClr val="lt1">
+              <a:hueOff val="0"/>
+              <a:satOff val="0"/>
+              <a:lumOff val="0"/>
+              <a:alphaOff val="0"/>
+            </a:schemeClr>
+          </a:solidFill>
+          <a:prstDash val="solid"/>
+          <a:miter lim="800000"/>
+        </a:ln>
+        <a:effectLst/>
+      </dsp:spPr>
+      <dsp:style>
+        <a:lnRef idx="2">
+          <a:scrgbClr r="0" g="0" b="0"/>
+        </a:lnRef>
+        <a:fillRef idx="1">
+          <a:scrgbClr r="0" g="0" b="0"/>
+        </a:fillRef>
+        <a:effectRef idx="0">
+          <a:scrgbClr r="0" g="0" b="0"/>
+        </a:effectRef>
+        <a:fontRef idx="minor">
+          <a:schemeClr val="lt1"/>
+        </a:fontRef>
+      </dsp:style>
+      <dsp:txBody>
+        <a:bodyPr spcFirstLastPara="0" vert="horz" wrap="square" lIns="9525" tIns="9525" rIns="9525" bIns="9525" numCol="1" spcCol="1270" anchor="ctr" anchorCtr="0">
+          <a:noAutofit/>
+        </a:bodyPr>
+        <a:lstStyle/>
+        <a:p>
+          <a:pPr lvl="0" algn="ctr" defTabSz="666750">
+            <a:lnSpc>
+              <a:spcPct val="90000"/>
+            </a:lnSpc>
+            <a:spcBef>
+              <a:spcPct val="0"/>
+            </a:spcBef>
+            <a:spcAft>
+              <a:spcPct val="35000"/>
+            </a:spcAft>
+          </a:pPr>
+          <a:r>
+            <a:rPr lang="de-DE" sz="1500" kern="1200" dirty="0" smtClean="0"/>
+            <a:t>API Verwendung</a:t>
+          </a:r>
+          <a:endParaRPr lang="de-DE" sz="1500" kern="1200" dirty="0"/>
+        </a:p>
+      </dsp:txBody>
+      <dsp:txXfrm>
+        <a:off x="5748114" y="3575112"/>
+        <a:ext cx="1391542" cy="695771"/>
+      </dsp:txXfrm>
+    </dsp:sp>
+    <dsp:sp modelId="{0936718E-CEEA-4408-9F23-2080F361579F}">
+      <dsp:nvSpPr>
+        <dsp:cNvPr id="0" name=""/>
+        <dsp:cNvSpPr/>
+      </dsp:nvSpPr>
+      <dsp:spPr>
+        <a:xfrm>
+          <a:off x="5748114" y="4563107"/>
+          <a:ext cx="1391542" cy="695771"/>
+        </a:xfrm>
+        <a:prstGeom prst="rect">
+          <a:avLst/>
+        </a:prstGeom>
+        <a:solidFill>
+          <a:schemeClr val="accent6">
+            <a:hueOff val="0"/>
+            <a:satOff val="0"/>
+            <a:lumOff val="0"/>
+            <a:alphaOff val="0"/>
+          </a:schemeClr>
+        </a:solidFill>
+        <a:ln w="12700" cap="flat" cmpd="sng" algn="ctr">
+          <a:solidFill>
+            <a:schemeClr val="lt1">
+              <a:hueOff val="0"/>
+              <a:satOff val="0"/>
+              <a:lumOff val="0"/>
+              <a:alphaOff val="0"/>
+            </a:schemeClr>
+          </a:solidFill>
+          <a:prstDash val="solid"/>
+          <a:miter lim="800000"/>
+        </a:ln>
+        <a:effectLst/>
+      </dsp:spPr>
+      <dsp:style>
+        <a:lnRef idx="2">
+          <a:scrgbClr r="0" g="0" b="0"/>
+        </a:lnRef>
+        <a:fillRef idx="1">
+          <a:scrgbClr r="0" g="0" b="0"/>
+        </a:fillRef>
+        <a:effectRef idx="0">
+          <a:scrgbClr r="0" g="0" b="0"/>
+        </a:effectRef>
+        <a:fontRef idx="minor">
+          <a:schemeClr val="lt1"/>
+        </a:fontRef>
+      </dsp:style>
+      <dsp:txBody>
+        <a:bodyPr spcFirstLastPara="0" vert="horz" wrap="square" lIns="9525" tIns="9525" rIns="9525" bIns="9525" numCol="1" spcCol="1270" anchor="ctr" anchorCtr="0">
+          <a:noAutofit/>
+        </a:bodyPr>
+        <a:lstStyle/>
+        <a:p>
+          <a:pPr lvl="0" algn="ctr" defTabSz="666750">
+            <a:lnSpc>
+              <a:spcPct val="90000"/>
+            </a:lnSpc>
+            <a:spcBef>
+              <a:spcPct val="0"/>
+            </a:spcBef>
+            <a:spcAft>
+              <a:spcPct val="35000"/>
+            </a:spcAft>
+          </a:pPr>
+          <a:r>
+            <a:rPr lang="de-DE" sz="1500" kern="1200" dirty="0" smtClean="0"/>
+            <a:t>GUI</a:t>
+          </a:r>
+          <a:endParaRPr lang="de-DE" sz="1500" kern="1200" dirty="0"/>
+        </a:p>
+      </dsp:txBody>
+      <dsp:txXfrm>
+        <a:off x="5748114" y="4563107"/>
+        <a:ext cx="1391542" cy="695771"/>
+      </dsp:txXfrm>
+    </dsp:sp>
+    <dsp:sp modelId="{233E93EC-7755-4700-ABEF-527A5EB0BB0A}">
+      <dsp:nvSpPr>
+        <dsp:cNvPr id="0" name=""/>
+        <dsp:cNvSpPr/>
+      </dsp:nvSpPr>
+      <dsp:spPr>
+        <a:xfrm>
+          <a:off x="5748114" y="5551103"/>
+          <a:ext cx="1391542" cy="695771"/>
+        </a:xfrm>
+        <a:prstGeom prst="rect">
+          <a:avLst/>
+        </a:prstGeom>
+        <a:solidFill>
+          <a:schemeClr val="accent6">
+            <a:hueOff val="0"/>
+            <a:satOff val="0"/>
+            <a:lumOff val="0"/>
+            <a:alphaOff val="0"/>
+          </a:schemeClr>
+        </a:solidFill>
+        <a:ln w="12700" cap="flat" cmpd="sng" algn="ctr">
+          <a:solidFill>
+            <a:schemeClr val="lt1">
+              <a:hueOff val="0"/>
+              <a:satOff val="0"/>
+              <a:lumOff val="0"/>
+              <a:alphaOff val="0"/>
+            </a:schemeClr>
+          </a:solidFill>
+          <a:prstDash val="solid"/>
+          <a:miter lim="800000"/>
+        </a:ln>
+        <a:effectLst/>
+      </dsp:spPr>
+      <dsp:style>
+        <a:lnRef idx="2">
+          <a:scrgbClr r="0" g="0" b="0"/>
+        </a:lnRef>
+        <a:fillRef idx="1">
+          <a:scrgbClr r="0" g="0" b="0"/>
+        </a:fillRef>
+        <a:effectRef idx="0">
+          <a:scrgbClr r="0" g="0" b="0"/>
+        </a:effectRef>
+        <a:fontRef idx="minor">
+          <a:schemeClr val="lt1"/>
+        </a:fontRef>
+      </dsp:style>
+      <dsp:txBody>
+        <a:bodyPr spcFirstLastPara="0" vert="horz" wrap="square" lIns="9525" tIns="9525" rIns="9525" bIns="9525" numCol="1" spcCol="1270" anchor="ctr" anchorCtr="0">
+          <a:noAutofit/>
+        </a:bodyPr>
+        <a:lstStyle/>
+        <a:p>
+          <a:pPr lvl="0" algn="ctr" defTabSz="666750">
+            <a:lnSpc>
+              <a:spcPct val="90000"/>
+            </a:lnSpc>
+            <a:spcBef>
+              <a:spcPct val="0"/>
+            </a:spcBef>
+            <a:spcAft>
+              <a:spcPct val="35000"/>
+            </a:spcAft>
+          </a:pPr>
+          <a:r>
+            <a:rPr lang="de-DE" sz="1500" kern="1200" dirty="0" smtClean="0"/>
+            <a:t>Standort erfassen</a:t>
+          </a:r>
+          <a:endParaRPr lang="de-DE" sz="1500" kern="1200" dirty="0"/>
+        </a:p>
+      </dsp:txBody>
+      <dsp:txXfrm>
+        <a:off x="5748114" y="5551103"/>
+        <a:ext cx="1391542" cy="695771"/>
+      </dsp:txXfrm>
+    </dsp:sp>
+    <dsp:sp modelId="{34D4E5E4-68CC-437A-86B7-1D596880EB2E}">
+      <dsp:nvSpPr>
+        <dsp:cNvPr id="0" name=""/>
+        <dsp:cNvSpPr/>
+      </dsp:nvSpPr>
+      <dsp:spPr>
+        <a:xfrm>
+          <a:off x="7083995" y="2587116"/>
+          <a:ext cx="1391542" cy="695771"/>
         </a:xfrm>
         <a:prstGeom prst="rect">
           <a:avLst/>
@@ -4824,12 +5804,12 @@
         </a:fontRef>
       </dsp:style>
       <dsp:txBody>
-        <a:bodyPr spcFirstLastPara="0" vert="horz" wrap="square" lIns="10160" tIns="10160" rIns="10160" bIns="10160" numCol="1" spcCol="1270" anchor="ctr" anchorCtr="0">
+        <a:bodyPr spcFirstLastPara="0" vert="horz" wrap="square" lIns="9525" tIns="9525" rIns="9525" bIns="9525" numCol="1" spcCol="1270" anchor="ctr" anchorCtr="0">
           <a:noAutofit/>
         </a:bodyPr>
         <a:lstStyle/>
         <a:p>
-          <a:pPr lvl="0" algn="ctr" defTabSz="711200">
+          <a:pPr lvl="0" algn="ctr" defTabSz="666750">
             <a:lnSpc>
               <a:spcPct val="90000"/>
             </a:lnSpc>
@@ -4841,26 +5821,26 @@
             </a:spcAft>
           </a:pPr>
           <a:r>
-            <a:rPr lang="de-DE" sz="1600" kern="1200" dirty="0" smtClean="0"/>
-            <a:t>App</a:t>
+            <a:rPr lang="de-DE" sz="1500" kern="1200" dirty="0" smtClean="0"/>
+            <a:t>Inhalte</a:t>
           </a:r>
-          <a:endParaRPr lang="de-DE" sz="1600" kern="1200" dirty="0"/>
+          <a:endParaRPr lang="de-DE" sz="1500" kern="1200" dirty="0"/>
         </a:p>
       </dsp:txBody>
       <dsp:txXfrm>
-        <a:off x="3825533" y="2562355"/>
-        <a:ext cx="1432470" cy="716235"/>
+        <a:off x="7083995" y="2587116"/>
+        <a:ext cx="1391542" cy="695771"/>
       </dsp:txXfrm>
     </dsp:sp>
-    <dsp:sp modelId="{1A350C2A-05E7-447D-A367-A20852E33E48}">
+    <dsp:sp modelId="{70CC56F8-3AC9-46BB-92F2-08916F5123B1}">
       <dsp:nvSpPr>
         <dsp:cNvPr id="0" name=""/>
         <dsp:cNvSpPr/>
       </dsp:nvSpPr>
       <dsp:spPr>
         <a:xfrm>
-          <a:off x="4183651" y="3579409"/>
-          <a:ext cx="1432470" cy="716235"/>
+          <a:off x="7431881" y="3575112"/>
+          <a:ext cx="1391542" cy="695771"/>
         </a:xfrm>
         <a:prstGeom prst="rect">
           <a:avLst/>
@@ -4902,12 +5882,12 @@
         </a:fontRef>
       </dsp:style>
       <dsp:txBody>
-        <a:bodyPr spcFirstLastPara="0" vert="horz" wrap="square" lIns="10160" tIns="10160" rIns="10160" bIns="10160" numCol="1" spcCol="1270" anchor="ctr" anchorCtr="0">
+        <a:bodyPr spcFirstLastPara="0" vert="horz" wrap="square" lIns="9525" tIns="9525" rIns="9525" bIns="9525" numCol="1" spcCol="1270" anchor="ctr" anchorCtr="0">
           <a:noAutofit/>
         </a:bodyPr>
         <a:lstStyle/>
         <a:p>
-          <a:pPr lvl="0" algn="ctr" defTabSz="711200">
+          <a:pPr lvl="0" algn="ctr" defTabSz="666750">
             <a:lnSpc>
               <a:spcPct val="90000"/>
             </a:lnSpc>
@@ -4919,26 +5899,26 @@
             </a:spcAft>
           </a:pPr>
           <a:r>
-            <a:rPr lang="de-DE" sz="1600" kern="1200" dirty="0" smtClean="0"/>
-            <a:t>GPS</a:t>
+            <a:rPr lang="de-DE" sz="1500" kern="1200" dirty="0" smtClean="0"/>
+            <a:t>Bereitstellen</a:t>
           </a:r>
-          <a:endParaRPr lang="de-DE" sz="1600" kern="1200" dirty="0"/>
+          <a:endParaRPr lang="de-DE" sz="1500" kern="1200" dirty="0"/>
         </a:p>
       </dsp:txBody>
       <dsp:txXfrm>
-        <a:off x="4183651" y="3579409"/>
-        <a:ext cx="1432470" cy="716235"/>
+        <a:off x="7431881" y="3575112"/>
+        <a:ext cx="1391542" cy="695771"/>
       </dsp:txXfrm>
     </dsp:sp>
-    <dsp:sp modelId="{D7E127B8-2E5D-4A0F-976B-D3E8043E4C5B}">
+    <dsp:sp modelId="{DE55CCFF-0CB8-4F39-8009-B257196C6675}">
       <dsp:nvSpPr>
         <dsp:cNvPr id="0" name=""/>
         <dsp:cNvSpPr/>
       </dsp:nvSpPr>
       <dsp:spPr>
         <a:xfrm>
-          <a:off x="4183651" y="4596463"/>
-          <a:ext cx="1432470" cy="716235"/>
+          <a:off x="7431881" y="4563107"/>
+          <a:ext cx="1391542" cy="695771"/>
         </a:xfrm>
         <a:prstGeom prst="rect">
           <a:avLst/>
@@ -4980,12 +5960,12 @@
         </a:fontRef>
       </dsp:style>
       <dsp:txBody>
-        <a:bodyPr spcFirstLastPara="0" vert="horz" wrap="square" lIns="10160" tIns="10160" rIns="10160" bIns="10160" numCol="1" spcCol="1270" anchor="ctr" anchorCtr="0">
+        <a:bodyPr spcFirstLastPara="0" vert="horz" wrap="square" lIns="9525" tIns="9525" rIns="9525" bIns="9525" numCol="1" spcCol="1270" anchor="ctr" anchorCtr="0">
           <a:noAutofit/>
         </a:bodyPr>
         <a:lstStyle/>
         <a:p>
-          <a:pPr lvl="0" algn="ctr" defTabSz="711200">
+          <a:pPr lvl="0" algn="ctr" defTabSz="666750">
             <a:lnSpc>
               <a:spcPct val="90000"/>
             </a:lnSpc>
@@ -4997,26 +5977,26 @@
             </a:spcAft>
           </a:pPr>
           <a:r>
-            <a:rPr lang="de-DE" sz="1600" kern="1200" dirty="0" smtClean="0"/>
-            <a:t>Inhalt</a:t>
+            <a:rPr lang="de-DE" sz="1500" kern="1200" dirty="0" smtClean="0"/>
+            <a:t>Route</a:t>
           </a:r>
-          <a:endParaRPr lang="de-DE" sz="1600" kern="1200" dirty="0"/>
+          <a:endParaRPr lang="de-DE" sz="1500" kern="1200" dirty="0"/>
         </a:p>
       </dsp:txBody>
       <dsp:txXfrm>
-        <a:off x="4183651" y="4596463"/>
-        <a:ext cx="1432470" cy="716235"/>
+        <a:off x="7431881" y="4563107"/>
+        <a:ext cx="1391542" cy="695771"/>
       </dsp:txXfrm>
     </dsp:sp>
-    <dsp:sp modelId="{6D0C319E-23D6-43F1-B42A-A98526B61A96}">
+    <dsp:sp modelId="{723EDBF7-BB25-40A8-9D84-FEC8BF62B464}">
       <dsp:nvSpPr>
         <dsp:cNvPr id="0" name=""/>
         <dsp:cNvSpPr/>
       </dsp:nvSpPr>
       <dsp:spPr>
         <a:xfrm>
-          <a:off x="6425468" y="1545301"/>
-          <a:ext cx="1432470" cy="716235"/>
+          <a:off x="8767762" y="1599120"/>
+          <a:ext cx="1391542" cy="695771"/>
         </a:xfrm>
         <a:prstGeom prst="rect">
           <a:avLst/>
@@ -5058,12 +6038,12 @@
         </a:fontRef>
       </dsp:style>
       <dsp:txBody>
-        <a:bodyPr spcFirstLastPara="0" vert="horz" wrap="square" lIns="10160" tIns="10160" rIns="10160" bIns="10160" numCol="1" spcCol="1270" anchor="ctr" anchorCtr="0">
+        <a:bodyPr spcFirstLastPara="0" vert="horz" wrap="square" lIns="9525" tIns="9525" rIns="9525" bIns="9525" numCol="1" spcCol="1270" anchor="ctr" anchorCtr="0">
           <a:noAutofit/>
         </a:bodyPr>
         <a:lstStyle/>
         <a:p>
-          <a:pPr lvl="0" algn="ctr" defTabSz="711200">
+          <a:pPr lvl="0" algn="ctr" defTabSz="666750">
             <a:lnSpc>
               <a:spcPct val="90000"/>
             </a:lnSpc>
@@ -5075,26 +6055,26 @@
             </a:spcAft>
           </a:pPr>
           <a:r>
-            <a:rPr lang="de-DE" sz="1600" kern="1200" dirty="0" smtClean="0"/>
-            <a:t>Entwicklung</a:t>
+            <a:rPr lang="de-DE" sz="1500" kern="1200" dirty="0" smtClean="0"/>
+            <a:t>Tests</a:t>
           </a:r>
-          <a:endParaRPr lang="de-DE" sz="1600" kern="1200" dirty="0"/>
+          <a:endParaRPr lang="de-DE" sz="1500" kern="1200" dirty="0"/>
         </a:p>
       </dsp:txBody>
       <dsp:txXfrm>
-        <a:off x="6425468" y="1545301"/>
-        <a:ext cx="1432470" cy="716235"/>
+        <a:off x="8767762" y="1599120"/>
+        <a:ext cx="1391542" cy="695771"/>
       </dsp:txXfrm>
     </dsp:sp>
-    <dsp:sp modelId="{8E128385-4E4F-4484-A4CF-529E679AEB44}">
+    <dsp:sp modelId="{E33D8E8D-3F33-46DC-8C84-D1C71321D732}">
       <dsp:nvSpPr>
         <dsp:cNvPr id="0" name=""/>
         <dsp:cNvSpPr/>
       </dsp:nvSpPr>
       <dsp:spPr>
         <a:xfrm>
-          <a:off x="5558823" y="2562355"/>
-          <a:ext cx="1432470" cy="716235"/>
+          <a:off x="9115648" y="2587116"/>
+          <a:ext cx="1391542" cy="695771"/>
         </a:xfrm>
         <a:prstGeom prst="rect">
           <a:avLst/>
@@ -5136,12 +6116,12 @@
         </a:fontRef>
       </dsp:style>
       <dsp:txBody>
-        <a:bodyPr spcFirstLastPara="0" vert="horz" wrap="square" lIns="10160" tIns="10160" rIns="10160" bIns="10160" numCol="1" spcCol="1270" anchor="ctr" anchorCtr="0">
+        <a:bodyPr spcFirstLastPara="0" vert="horz" wrap="square" lIns="9525" tIns="9525" rIns="9525" bIns="9525" numCol="1" spcCol="1270" anchor="ctr" anchorCtr="0">
           <a:noAutofit/>
         </a:bodyPr>
         <a:lstStyle/>
         <a:p>
-          <a:pPr lvl="0" algn="ctr" defTabSz="711200">
+          <a:pPr lvl="0" algn="ctr" defTabSz="666750">
             <a:lnSpc>
               <a:spcPct val="90000"/>
             </a:lnSpc>
@@ -5153,260 +6133,26 @@
             </a:spcAft>
           </a:pPr>
           <a:r>
-            <a:rPr lang="de-DE" sz="1600" kern="1200" dirty="0" smtClean="0"/>
-            <a:t>App</a:t>
+            <a:rPr lang="de-DE" sz="1500" kern="1200" dirty="0" smtClean="0"/>
+            <a:t>Software</a:t>
           </a:r>
-          <a:endParaRPr lang="de-DE" sz="1600" kern="1200" dirty="0"/>
+          <a:endParaRPr lang="de-DE" sz="1500" kern="1200" dirty="0"/>
         </a:p>
       </dsp:txBody>
       <dsp:txXfrm>
-        <a:off x="5558823" y="2562355"/>
-        <a:ext cx="1432470" cy="716235"/>
+        <a:off x="9115648" y="2587116"/>
+        <a:ext cx="1391542" cy="695771"/>
       </dsp:txXfrm>
     </dsp:sp>
-    <dsp:sp modelId="{D0D61E12-9153-48D3-A2FC-AA594E45FA03}">
+    <dsp:sp modelId="{2C4631C8-13A4-470E-8A9B-D904F220465A}">
       <dsp:nvSpPr>
         <dsp:cNvPr id="0" name=""/>
         <dsp:cNvSpPr/>
       </dsp:nvSpPr>
       <dsp:spPr>
         <a:xfrm>
-          <a:off x="5916941" y="3579409"/>
-          <a:ext cx="1432470" cy="716235"/>
-        </a:xfrm>
-        <a:prstGeom prst="rect">
-          <a:avLst/>
-        </a:prstGeom>
-        <a:solidFill>
-          <a:schemeClr val="accent6">
-            <a:hueOff val="0"/>
-            <a:satOff val="0"/>
-            <a:lumOff val="0"/>
-            <a:alphaOff val="0"/>
-          </a:schemeClr>
-        </a:solidFill>
-        <a:ln w="12700" cap="flat" cmpd="sng" algn="ctr">
-          <a:solidFill>
-            <a:schemeClr val="lt1">
-              <a:hueOff val="0"/>
-              <a:satOff val="0"/>
-              <a:lumOff val="0"/>
-              <a:alphaOff val="0"/>
-            </a:schemeClr>
-          </a:solidFill>
-          <a:prstDash val="solid"/>
-          <a:miter lim="800000"/>
-        </a:ln>
-        <a:effectLst/>
-      </dsp:spPr>
-      <dsp:style>
-        <a:lnRef idx="2">
-          <a:scrgbClr r="0" g="0" b="0"/>
-        </a:lnRef>
-        <a:fillRef idx="1">
-          <a:scrgbClr r="0" g="0" b="0"/>
-        </a:fillRef>
-        <a:effectRef idx="0">
-          <a:scrgbClr r="0" g="0" b="0"/>
-        </a:effectRef>
-        <a:fontRef idx="minor">
-          <a:schemeClr val="lt1"/>
-        </a:fontRef>
-      </dsp:style>
-      <dsp:txBody>
-        <a:bodyPr spcFirstLastPara="0" vert="horz" wrap="square" lIns="10160" tIns="10160" rIns="10160" bIns="10160" numCol="1" spcCol="1270" anchor="ctr" anchorCtr="0">
-          <a:noAutofit/>
-        </a:bodyPr>
-        <a:lstStyle/>
-        <a:p>
-          <a:pPr lvl="0" algn="ctr" defTabSz="711200">
-            <a:lnSpc>
-              <a:spcPct val="90000"/>
-            </a:lnSpc>
-            <a:spcBef>
-              <a:spcPct val="0"/>
-            </a:spcBef>
-            <a:spcAft>
-              <a:spcPct val="35000"/>
-            </a:spcAft>
-          </a:pPr>
-          <a:r>
-            <a:rPr lang="de-DE" sz="1600" kern="1200" dirty="0" smtClean="0"/>
-            <a:t>API Verwendung</a:t>
-          </a:r>
-          <a:endParaRPr lang="de-DE" sz="1600" kern="1200" dirty="0"/>
-        </a:p>
-      </dsp:txBody>
-      <dsp:txXfrm>
-        <a:off x="5916941" y="3579409"/>
-        <a:ext cx="1432470" cy="716235"/>
-      </dsp:txXfrm>
-    </dsp:sp>
-    <dsp:sp modelId="{0936718E-CEEA-4408-9F23-2080F361579F}">
-      <dsp:nvSpPr>
-        <dsp:cNvPr id="0" name=""/>
-        <dsp:cNvSpPr/>
-      </dsp:nvSpPr>
-      <dsp:spPr>
-        <a:xfrm>
-          <a:off x="5916941" y="4596463"/>
-          <a:ext cx="1432470" cy="716235"/>
-        </a:xfrm>
-        <a:prstGeom prst="rect">
-          <a:avLst/>
-        </a:prstGeom>
-        <a:solidFill>
-          <a:schemeClr val="accent6">
-            <a:hueOff val="0"/>
-            <a:satOff val="0"/>
-            <a:lumOff val="0"/>
-            <a:alphaOff val="0"/>
-          </a:schemeClr>
-        </a:solidFill>
-        <a:ln w="12700" cap="flat" cmpd="sng" algn="ctr">
-          <a:solidFill>
-            <a:schemeClr val="lt1">
-              <a:hueOff val="0"/>
-              <a:satOff val="0"/>
-              <a:lumOff val="0"/>
-              <a:alphaOff val="0"/>
-            </a:schemeClr>
-          </a:solidFill>
-          <a:prstDash val="solid"/>
-          <a:miter lim="800000"/>
-        </a:ln>
-        <a:effectLst/>
-      </dsp:spPr>
-      <dsp:style>
-        <a:lnRef idx="2">
-          <a:scrgbClr r="0" g="0" b="0"/>
-        </a:lnRef>
-        <a:fillRef idx="1">
-          <a:scrgbClr r="0" g="0" b="0"/>
-        </a:fillRef>
-        <a:effectRef idx="0">
-          <a:scrgbClr r="0" g="0" b="0"/>
-        </a:effectRef>
-        <a:fontRef idx="minor">
-          <a:schemeClr val="lt1"/>
-        </a:fontRef>
-      </dsp:style>
-      <dsp:txBody>
-        <a:bodyPr spcFirstLastPara="0" vert="horz" wrap="square" lIns="10160" tIns="10160" rIns="10160" bIns="10160" numCol="1" spcCol="1270" anchor="ctr" anchorCtr="0">
-          <a:noAutofit/>
-        </a:bodyPr>
-        <a:lstStyle/>
-        <a:p>
-          <a:pPr lvl="0" algn="ctr" defTabSz="711200">
-            <a:lnSpc>
-              <a:spcPct val="90000"/>
-            </a:lnSpc>
-            <a:spcBef>
-              <a:spcPct val="0"/>
-            </a:spcBef>
-            <a:spcAft>
-              <a:spcPct val="35000"/>
-            </a:spcAft>
-          </a:pPr>
-          <a:r>
-            <a:rPr lang="de-DE" sz="1600" kern="1200" dirty="0" smtClean="0"/>
-            <a:t>GUI</a:t>
-          </a:r>
-          <a:endParaRPr lang="de-DE" sz="1600" kern="1200" dirty="0"/>
-        </a:p>
-      </dsp:txBody>
-      <dsp:txXfrm>
-        <a:off x="5916941" y="4596463"/>
-        <a:ext cx="1432470" cy="716235"/>
-      </dsp:txXfrm>
-    </dsp:sp>
-    <dsp:sp modelId="{233E93EC-7755-4700-ABEF-527A5EB0BB0A}">
-      <dsp:nvSpPr>
-        <dsp:cNvPr id="0" name=""/>
-        <dsp:cNvSpPr/>
-      </dsp:nvSpPr>
-      <dsp:spPr>
-        <a:xfrm>
-          <a:off x="5916941" y="5613517"/>
-          <a:ext cx="1432470" cy="716235"/>
-        </a:xfrm>
-        <a:prstGeom prst="rect">
-          <a:avLst/>
-        </a:prstGeom>
-        <a:solidFill>
-          <a:schemeClr val="accent6">
-            <a:hueOff val="0"/>
-            <a:satOff val="0"/>
-            <a:lumOff val="0"/>
-            <a:alphaOff val="0"/>
-          </a:schemeClr>
-        </a:solidFill>
-        <a:ln w="12700" cap="flat" cmpd="sng" algn="ctr">
-          <a:solidFill>
-            <a:schemeClr val="lt1">
-              <a:hueOff val="0"/>
-              <a:satOff val="0"/>
-              <a:lumOff val="0"/>
-              <a:alphaOff val="0"/>
-            </a:schemeClr>
-          </a:solidFill>
-          <a:prstDash val="solid"/>
-          <a:miter lim="800000"/>
-        </a:ln>
-        <a:effectLst/>
-      </dsp:spPr>
-      <dsp:style>
-        <a:lnRef idx="2">
-          <a:scrgbClr r="0" g="0" b="0"/>
-        </a:lnRef>
-        <a:fillRef idx="1">
-          <a:scrgbClr r="0" g="0" b="0"/>
-        </a:fillRef>
-        <a:effectRef idx="0">
-          <a:scrgbClr r="0" g="0" b="0"/>
-        </a:effectRef>
-        <a:fontRef idx="minor">
-          <a:schemeClr val="lt1"/>
-        </a:fontRef>
-      </dsp:style>
-      <dsp:txBody>
-        <a:bodyPr spcFirstLastPara="0" vert="horz" wrap="square" lIns="10160" tIns="10160" rIns="10160" bIns="10160" numCol="1" spcCol="1270" anchor="ctr" anchorCtr="0">
-          <a:noAutofit/>
-        </a:bodyPr>
-        <a:lstStyle/>
-        <a:p>
-          <a:pPr lvl="0" algn="ctr" defTabSz="711200">
-            <a:lnSpc>
-              <a:spcPct val="90000"/>
-            </a:lnSpc>
-            <a:spcBef>
-              <a:spcPct val="0"/>
-            </a:spcBef>
-            <a:spcAft>
-              <a:spcPct val="35000"/>
-            </a:spcAft>
-          </a:pPr>
-          <a:r>
-            <a:rPr lang="de-DE" sz="1600" kern="1200" dirty="0" smtClean="0"/>
-            <a:t>Standort erfassen</a:t>
-          </a:r>
-          <a:endParaRPr lang="de-DE" sz="1600" kern="1200" dirty="0"/>
-        </a:p>
-      </dsp:txBody>
-      <dsp:txXfrm>
-        <a:off x="5916941" y="5613517"/>
-        <a:ext cx="1432470" cy="716235"/>
-      </dsp:txXfrm>
-    </dsp:sp>
-    <dsp:sp modelId="{34D4E5E4-68CC-437A-86B7-1D596880EB2E}">
-      <dsp:nvSpPr>
-        <dsp:cNvPr id="0" name=""/>
-        <dsp:cNvSpPr/>
-      </dsp:nvSpPr>
-      <dsp:spPr>
-        <a:xfrm>
-          <a:off x="7292113" y="2562355"/>
-          <a:ext cx="1432470" cy="716235"/>
+          <a:off x="9115648" y="3575112"/>
+          <a:ext cx="1391542" cy="695771"/>
         </a:xfrm>
         <a:prstGeom prst="rect">
           <a:avLst/>
@@ -5448,12 +6194,12 @@
         </a:fontRef>
       </dsp:style>
       <dsp:txBody>
-        <a:bodyPr spcFirstLastPara="0" vert="horz" wrap="square" lIns="10160" tIns="10160" rIns="10160" bIns="10160" numCol="1" spcCol="1270" anchor="ctr" anchorCtr="0">
+        <a:bodyPr spcFirstLastPara="0" vert="horz" wrap="square" lIns="9525" tIns="9525" rIns="9525" bIns="9525" numCol="1" spcCol="1270" anchor="ctr" anchorCtr="0">
           <a:noAutofit/>
         </a:bodyPr>
         <a:lstStyle/>
         <a:p>
-          <a:pPr lvl="0" algn="ctr" defTabSz="711200">
+          <a:pPr lvl="0" algn="ctr" defTabSz="666750">
             <a:lnSpc>
               <a:spcPct val="90000"/>
             </a:lnSpc>
@@ -5465,182 +6211,26 @@
             </a:spcAft>
           </a:pPr>
           <a:r>
-            <a:rPr lang="de-DE" sz="1600" kern="1200" dirty="0" smtClean="0"/>
-            <a:t>Inhalte</a:t>
+            <a:rPr lang="de-DE" sz="1500" kern="1200" dirty="0" smtClean="0"/>
+            <a:t>Touren</a:t>
           </a:r>
-          <a:endParaRPr lang="de-DE" sz="1600" kern="1200" dirty="0"/>
+          <a:endParaRPr lang="de-DE" sz="1500" kern="1200" dirty="0"/>
         </a:p>
       </dsp:txBody>
       <dsp:txXfrm>
-        <a:off x="7292113" y="2562355"/>
-        <a:ext cx="1432470" cy="716235"/>
+        <a:off x="9115648" y="3575112"/>
+        <a:ext cx="1391542" cy="695771"/>
       </dsp:txXfrm>
     </dsp:sp>
-    <dsp:sp modelId="{70CC56F8-3AC9-46BB-92F2-08916F5123B1}">
+    <dsp:sp modelId="{602B28CD-9751-402D-B38A-9208699B88B9}">
       <dsp:nvSpPr>
         <dsp:cNvPr id="0" name=""/>
         <dsp:cNvSpPr/>
       </dsp:nvSpPr>
       <dsp:spPr>
         <a:xfrm>
-          <a:off x="7650230" y="3579409"/>
-          <a:ext cx="1432470" cy="716235"/>
-        </a:xfrm>
-        <a:prstGeom prst="rect">
-          <a:avLst/>
-        </a:prstGeom>
-        <a:solidFill>
-          <a:schemeClr val="accent6">
-            <a:hueOff val="0"/>
-            <a:satOff val="0"/>
-            <a:lumOff val="0"/>
-            <a:alphaOff val="0"/>
-          </a:schemeClr>
-        </a:solidFill>
-        <a:ln w="12700" cap="flat" cmpd="sng" algn="ctr">
-          <a:solidFill>
-            <a:schemeClr val="lt1">
-              <a:hueOff val="0"/>
-              <a:satOff val="0"/>
-              <a:lumOff val="0"/>
-              <a:alphaOff val="0"/>
-            </a:schemeClr>
-          </a:solidFill>
-          <a:prstDash val="solid"/>
-          <a:miter lim="800000"/>
-        </a:ln>
-        <a:effectLst/>
-      </dsp:spPr>
-      <dsp:style>
-        <a:lnRef idx="2">
-          <a:scrgbClr r="0" g="0" b="0"/>
-        </a:lnRef>
-        <a:fillRef idx="1">
-          <a:scrgbClr r="0" g="0" b="0"/>
-        </a:fillRef>
-        <a:effectRef idx="0">
-          <a:scrgbClr r="0" g="0" b="0"/>
-        </a:effectRef>
-        <a:fontRef idx="minor">
-          <a:schemeClr val="lt1"/>
-        </a:fontRef>
-      </dsp:style>
-      <dsp:txBody>
-        <a:bodyPr spcFirstLastPara="0" vert="horz" wrap="square" lIns="10160" tIns="10160" rIns="10160" bIns="10160" numCol="1" spcCol="1270" anchor="ctr" anchorCtr="0">
-          <a:noAutofit/>
-        </a:bodyPr>
-        <a:lstStyle/>
-        <a:p>
-          <a:pPr lvl="0" algn="ctr" defTabSz="711200">
-            <a:lnSpc>
-              <a:spcPct val="90000"/>
-            </a:lnSpc>
-            <a:spcBef>
-              <a:spcPct val="0"/>
-            </a:spcBef>
-            <a:spcAft>
-              <a:spcPct val="35000"/>
-            </a:spcAft>
-          </a:pPr>
-          <a:r>
-            <a:rPr lang="de-DE" sz="1600" kern="1200" dirty="0" smtClean="0"/>
-            <a:t>Bereitstellen</a:t>
-          </a:r>
-          <a:endParaRPr lang="de-DE" sz="1600" kern="1200" dirty="0"/>
-        </a:p>
-      </dsp:txBody>
-      <dsp:txXfrm>
-        <a:off x="7650230" y="3579409"/>
-        <a:ext cx="1432470" cy="716235"/>
-      </dsp:txXfrm>
-    </dsp:sp>
-    <dsp:sp modelId="{DE55CCFF-0CB8-4F39-8009-B257196C6675}">
-      <dsp:nvSpPr>
-        <dsp:cNvPr id="0" name=""/>
-        <dsp:cNvSpPr/>
-      </dsp:nvSpPr>
-      <dsp:spPr>
-        <a:xfrm>
-          <a:off x="7650230" y="4596463"/>
-          <a:ext cx="1432470" cy="716235"/>
-        </a:xfrm>
-        <a:prstGeom prst="rect">
-          <a:avLst/>
-        </a:prstGeom>
-        <a:solidFill>
-          <a:schemeClr val="accent6">
-            <a:hueOff val="0"/>
-            <a:satOff val="0"/>
-            <a:lumOff val="0"/>
-            <a:alphaOff val="0"/>
-          </a:schemeClr>
-        </a:solidFill>
-        <a:ln w="12700" cap="flat" cmpd="sng" algn="ctr">
-          <a:solidFill>
-            <a:schemeClr val="lt1">
-              <a:hueOff val="0"/>
-              <a:satOff val="0"/>
-              <a:lumOff val="0"/>
-              <a:alphaOff val="0"/>
-            </a:schemeClr>
-          </a:solidFill>
-          <a:prstDash val="solid"/>
-          <a:miter lim="800000"/>
-        </a:ln>
-        <a:effectLst/>
-      </dsp:spPr>
-      <dsp:style>
-        <a:lnRef idx="2">
-          <a:scrgbClr r="0" g="0" b="0"/>
-        </a:lnRef>
-        <a:fillRef idx="1">
-          <a:scrgbClr r="0" g="0" b="0"/>
-        </a:fillRef>
-        <a:effectRef idx="0">
-          <a:scrgbClr r="0" g="0" b="0"/>
-        </a:effectRef>
-        <a:fontRef idx="minor">
-          <a:schemeClr val="lt1"/>
-        </a:fontRef>
-      </dsp:style>
-      <dsp:txBody>
-        <a:bodyPr spcFirstLastPara="0" vert="horz" wrap="square" lIns="10160" tIns="10160" rIns="10160" bIns="10160" numCol="1" spcCol="1270" anchor="ctr" anchorCtr="0">
-          <a:noAutofit/>
-        </a:bodyPr>
-        <a:lstStyle/>
-        <a:p>
-          <a:pPr lvl="0" algn="ctr" defTabSz="711200">
-            <a:lnSpc>
-              <a:spcPct val="90000"/>
-            </a:lnSpc>
-            <a:spcBef>
-              <a:spcPct val="0"/>
-            </a:spcBef>
-            <a:spcAft>
-              <a:spcPct val="35000"/>
-            </a:spcAft>
-          </a:pPr>
-          <a:r>
-            <a:rPr lang="de-DE" sz="1600" kern="1200" dirty="0" smtClean="0"/>
-            <a:t>Route</a:t>
-          </a:r>
-          <a:endParaRPr lang="de-DE" sz="1600" kern="1200" dirty="0"/>
-        </a:p>
-      </dsp:txBody>
-      <dsp:txXfrm>
-        <a:off x="7650230" y="4596463"/>
-        <a:ext cx="1432470" cy="716235"/>
-      </dsp:txXfrm>
-    </dsp:sp>
-    <dsp:sp modelId="{723EDBF7-BB25-40A8-9D84-FEC8BF62B464}">
-      <dsp:nvSpPr>
-        <dsp:cNvPr id="0" name=""/>
-        <dsp:cNvSpPr/>
-      </dsp:nvSpPr>
-      <dsp:spPr>
-        <a:xfrm>
-          <a:off x="9025402" y="1545301"/>
-          <a:ext cx="1432470" cy="716235"/>
+          <a:off x="10451529" y="1599120"/>
+          <a:ext cx="1391542" cy="695771"/>
         </a:xfrm>
         <a:prstGeom prst="rect">
           <a:avLst/>
@@ -5682,12 +6272,12 @@
         </a:fontRef>
       </dsp:style>
       <dsp:txBody>
-        <a:bodyPr spcFirstLastPara="0" vert="horz" wrap="square" lIns="10160" tIns="10160" rIns="10160" bIns="10160" numCol="1" spcCol="1270" anchor="ctr" anchorCtr="0">
+        <a:bodyPr spcFirstLastPara="0" vert="horz" wrap="square" lIns="9525" tIns="9525" rIns="9525" bIns="9525" numCol="1" spcCol="1270" anchor="ctr" anchorCtr="0">
           <a:noAutofit/>
         </a:bodyPr>
         <a:lstStyle/>
         <a:p>
-          <a:pPr lvl="0" algn="ctr" defTabSz="711200">
+          <a:pPr lvl="0" algn="ctr" defTabSz="666750">
             <a:lnSpc>
               <a:spcPct val="90000"/>
             </a:lnSpc>
@@ -5699,26 +6289,26 @@
             </a:spcAft>
           </a:pPr>
           <a:r>
-            <a:rPr lang="de-DE" sz="1600" kern="1200" dirty="0" smtClean="0"/>
-            <a:t>Tests</a:t>
+            <a:rPr lang="de-DE" sz="1500" kern="1200" dirty="0" smtClean="0"/>
+            <a:t>Release</a:t>
           </a:r>
-          <a:endParaRPr lang="de-DE" sz="1600" kern="1200" dirty="0"/>
+          <a:endParaRPr lang="de-DE" sz="1500" kern="1200" dirty="0"/>
         </a:p>
       </dsp:txBody>
       <dsp:txXfrm>
-        <a:off x="9025402" y="1545301"/>
-        <a:ext cx="1432470" cy="716235"/>
+        <a:off x="10451529" y="1599120"/>
+        <a:ext cx="1391542" cy="695771"/>
       </dsp:txXfrm>
     </dsp:sp>
-    <dsp:sp modelId="{E33D8E8D-3F33-46DC-8C84-D1C71321D732}">
+    <dsp:sp modelId="{D94E57F3-1295-403E-9BE0-48A7FD99AC72}">
       <dsp:nvSpPr>
         <dsp:cNvPr id="0" name=""/>
         <dsp:cNvSpPr/>
       </dsp:nvSpPr>
       <dsp:spPr>
         <a:xfrm>
-          <a:off x="9383520" y="2562355"/>
-          <a:ext cx="1432470" cy="716235"/>
+          <a:off x="10799415" y="2587116"/>
+          <a:ext cx="1391542" cy="695771"/>
         </a:xfrm>
         <a:prstGeom prst="rect">
           <a:avLst/>
@@ -5760,12 +6350,12 @@
         </a:fontRef>
       </dsp:style>
       <dsp:txBody>
-        <a:bodyPr spcFirstLastPara="0" vert="horz" wrap="square" lIns="10160" tIns="10160" rIns="10160" bIns="10160" numCol="1" spcCol="1270" anchor="ctr" anchorCtr="0">
+        <a:bodyPr spcFirstLastPara="0" vert="horz" wrap="square" lIns="9525" tIns="9525" rIns="9525" bIns="9525" numCol="1" spcCol="1270" anchor="ctr" anchorCtr="0">
           <a:noAutofit/>
         </a:bodyPr>
         <a:lstStyle/>
         <a:p>
-          <a:pPr lvl="0" algn="ctr" defTabSz="711200">
+          <a:pPr lvl="0" algn="ctr" defTabSz="666750">
             <a:lnSpc>
               <a:spcPct val="90000"/>
             </a:lnSpc>
@@ -5777,26 +6367,26 @@
             </a:spcAft>
           </a:pPr>
           <a:r>
-            <a:rPr lang="de-DE" sz="1600" kern="1200" dirty="0" smtClean="0"/>
-            <a:t>Software</a:t>
+            <a:rPr lang="de-DE" sz="1500" kern="1200" dirty="0" smtClean="0"/>
+            <a:t>Übergabe</a:t>
           </a:r>
-          <a:endParaRPr lang="de-DE" sz="1600" kern="1200" dirty="0"/>
+          <a:endParaRPr lang="de-DE" sz="1500" kern="1200" dirty="0"/>
         </a:p>
       </dsp:txBody>
       <dsp:txXfrm>
-        <a:off x="9383520" y="2562355"/>
-        <a:ext cx="1432470" cy="716235"/>
+        <a:off x="10799415" y="2587116"/>
+        <a:ext cx="1391542" cy="695771"/>
       </dsp:txXfrm>
     </dsp:sp>
-    <dsp:sp modelId="{2C4631C8-13A4-470E-8A9B-D904F220465A}">
+    <dsp:sp modelId="{CA5B0725-412D-430C-AD19-F662C982586F}">
       <dsp:nvSpPr>
         <dsp:cNvPr id="0" name=""/>
         <dsp:cNvSpPr/>
       </dsp:nvSpPr>
       <dsp:spPr>
         <a:xfrm>
-          <a:off x="9383520" y="3579409"/>
-          <a:ext cx="1432470" cy="716235"/>
+          <a:off x="10799415" y="3575112"/>
+          <a:ext cx="1391542" cy="695771"/>
         </a:xfrm>
         <a:prstGeom prst="rect">
           <a:avLst/>
@@ -5838,12 +6428,12 @@
         </a:fontRef>
       </dsp:style>
       <dsp:txBody>
-        <a:bodyPr spcFirstLastPara="0" vert="horz" wrap="square" lIns="10160" tIns="10160" rIns="10160" bIns="10160" numCol="1" spcCol="1270" anchor="ctr" anchorCtr="0">
+        <a:bodyPr spcFirstLastPara="0" vert="horz" wrap="square" lIns="9525" tIns="9525" rIns="9525" bIns="9525" numCol="1" spcCol="1270" anchor="ctr" anchorCtr="0">
           <a:noAutofit/>
         </a:bodyPr>
         <a:lstStyle/>
         <a:p>
-          <a:pPr lvl="0" algn="ctr" defTabSz="711200">
+          <a:pPr lvl="0" algn="ctr" defTabSz="666750">
             <a:lnSpc>
               <a:spcPct val="90000"/>
             </a:lnSpc>
@@ -5855,93 +6445,15 @@
             </a:spcAft>
           </a:pPr>
           <a:r>
-            <a:rPr lang="de-DE" sz="1600" kern="1200" dirty="0" smtClean="0"/>
-            <a:t>Touren</a:t>
+            <a:rPr lang="de-DE" sz="1500" kern="1200" dirty="0" smtClean="0"/>
+            <a:t>Veröffentlichung</a:t>
           </a:r>
-          <a:endParaRPr lang="de-DE" sz="1600" kern="1200" dirty="0"/>
+          <a:endParaRPr lang="de-DE" sz="1500" kern="1200" dirty="0"/>
         </a:p>
       </dsp:txBody>
       <dsp:txXfrm>
-        <a:off x="9383520" y="3579409"/>
-        <a:ext cx="1432470" cy="716235"/>
-      </dsp:txXfrm>
-    </dsp:sp>
-    <dsp:sp modelId="{602B28CD-9751-402D-B38A-9208699B88B9}">
-      <dsp:nvSpPr>
-        <dsp:cNvPr id="0" name=""/>
-        <dsp:cNvSpPr/>
-      </dsp:nvSpPr>
-      <dsp:spPr>
-        <a:xfrm>
-          <a:off x="10758692" y="1545301"/>
-          <a:ext cx="1432470" cy="716235"/>
-        </a:xfrm>
-        <a:prstGeom prst="rect">
-          <a:avLst/>
-        </a:prstGeom>
-        <a:solidFill>
-          <a:schemeClr val="accent4">
-            <a:hueOff val="0"/>
-            <a:satOff val="0"/>
-            <a:lumOff val="0"/>
-            <a:alphaOff val="0"/>
-          </a:schemeClr>
-        </a:solidFill>
-        <a:ln w="12700" cap="flat" cmpd="sng" algn="ctr">
-          <a:solidFill>
-            <a:schemeClr val="lt1">
-              <a:hueOff val="0"/>
-              <a:satOff val="0"/>
-              <a:lumOff val="0"/>
-              <a:alphaOff val="0"/>
-            </a:schemeClr>
-          </a:solidFill>
-          <a:prstDash val="solid"/>
-          <a:miter lim="800000"/>
-        </a:ln>
-        <a:effectLst/>
-      </dsp:spPr>
-      <dsp:style>
-        <a:lnRef idx="2">
-          <a:scrgbClr r="0" g="0" b="0"/>
-        </a:lnRef>
-        <a:fillRef idx="1">
-          <a:scrgbClr r="0" g="0" b="0"/>
-        </a:fillRef>
-        <a:effectRef idx="0">
-          <a:scrgbClr r="0" g="0" b="0"/>
-        </a:effectRef>
-        <a:fontRef idx="minor">
-          <a:schemeClr val="lt1"/>
-        </a:fontRef>
-      </dsp:style>
-      <dsp:txBody>
-        <a:bodyPr spcFirstLastPara="0" vert="horz" wrap="square" lIns="10160" tIns="10160" rIns="10160" bIns="10160" numCol="1" spcCol="1270" anchor="ctr" anchorCtr="0">
-          <a:noAutofit/>
-        </a:bodyPr>
-        <a:lstStyle/>
-        <a:p>
-          <a:pPr lvl="0" algn="ctr" defTabSz="711200">
-            <a:lnSpc>
-              <a:spcPct val="90000"/>
-            </a:lnSpc>
-            <a:spcBef>
-              <a:spcPct val="0"/>
-            </a:spcBef>
-            <a:spcAft>
-              <a:spcPct val="35000"/>
-            </a:spcAft>
-          </a:pPr>
-          <a:r>
-            <a:rPr lang="de-DE" sz="1600" kern="1200" dirty="0" smtClean="0"/>
-            <a:t>Release</a:t>
-          </a:r>
-          <a:endParaRPr lang="de-DE" sz="1600" kern="1200" dirty="0"/>
-        </a:p>
-      </dsp:txBody>
-      <dsp:txXfrm>
-        <a:off x="10758692" y="1545301"/>
-        <a:ext cx="1432470" cy="716235"/>
+        <a:off x="10799415" y="3575112"/>
+        <a:ext cx="1391542" cy="695771"/>
       </dsp:txXfrm>
     </dsp:sp>
   </dsp:spTree>
@@ -8259,7 +8771,7 @@
           <a:p>
             <a:fld id="{BCEC661E-0595-4C66-B047-E28AB687AC4D}" type="datetimeFigureOut">
               <a:rPr lang="de-DE" smtClean="0"/>
-              <a:t>08.05.2014</a:t>
+              <a:t>22.05.2014</a:t>
             </a:fld>
             <a:endParaRPr lang="de-DE"/>
           </a:p>
@@ -8429,7 +8941,7 @@
           <a:p>
             <a:fld id="{BCEC661E-0595-4C66-B047-E28AB687AC4D}" type="datetimeFigureOut">
               <a:rPr lang="de-DE" smtClean="0"/>
-              <a:t>08.05.2014</a:t>
+              <a:t>22.05.2014</a:t>
             </a:fld>
             <a:endParaRPr lang="de-DE"/>
           </a:p>
@@ -8609,7 +9121,7 @@
           <a:p>
             <a:fld id="{BCEC661E-0595-4C66-B047-E28AB687AC4D}" type="datetimeFigureOut">
               <a:rPr lang="de-DE" smtClean="0"/>
-              <a:t>08.05.2014</a:t>
+              <a:t>22.05.2014</a:t>
             </a:fld>
             <a:endParaRPr lang="de-DE"/>
           </a:p>
@@ -8779,7 +9291,7 @@
           <a:p>
             <a:fld id="{BCEC661E-0595-4C66-B047-E28AB687AC4D}" type="datetimeFigureOut">
               <a:rPr lang="de-DE" smtClean="0"/>
-              <a:t>08.05.2014</a:t>
+              <a:t>22.05.2014</a:t>
             </a:fld>
             <a:endParaRPr lang="de-DE"/>
           </a:p>
@@ -9025,7 +9537,7 @@
           <a:p>
             <a:fld id="{BCEC661E-0595-4C66-B047-E28AB687AC4D}" type="datetimeFigureOut">
               <a:rPr lang="de-DE" smtClean="0"/>
-              <a:t>08.05.2014</a:t>
+              <a:t>22.05.2014</a:t>
             </a:fld>
             <a:endParaRPr lang="de-DE"/>
           </a:p>
@@ -9257,7 +9769,7 @@
           <a:p>
             <a:fld id="{BCEC661E-0595-4C66-B047-E28AB687AC4D}" type="datetimeFigureOut">
               <a:rPr lang="de-DE" smtClean="0"/>
-              <a:t>08.05.2014</a:t>
+              <a:t>22.05.2014</a:t>
             </a:fld>
             <a:endParaRPr lang="de-DE"/>
           </a:p>
@@ -9624,7 +10136,7 @@
           <a:p>
             <a:fld id="{BCEC661E-0595-4C66-B047-E28AB687AC4D}" type="datetimeFigureOut">
               <a:rPr lang="de-DE" smtClean="0"/>
-              <a:t>08.05.2014</a:t>
+              <a:t>22.05.2014</a:t>
             </a:fld>
             <a:endParaRPr lang="de-DE"/>
           </a:p>
@@ -9742,7 +10254,7 @@
           <a:p>
             <a:fld id="{BCEC661E-0595-4C66-B047-E28AB687AC4D}" type="datetimeFigureOut">
               <a:rPr lang="de-DE" smtClean="0"/>
-              <a:t>08.05.2014</a:t>
+              <a:t>22.05.2014</a:t>
             </a:fld>
             <a:endParaRPr lang="de-DE"/>
           </a:p>
@@ -9837,7 +10349,7 @@
           <a:p>
             <a:fld id="{BCEC661E-0595-4C66-B047-E28AB687AC4D}" type="datetimeFigureOut">
               <a:rPr lang="de-DE" smtClean="0"/>
-              <a:t>08.05.2014</a:t>
+              <a:t>22.05.2014</a:t>
             </a:fld>
             <a:endParaRPr lang="de-DE"/>
           </a:p>
@@ -10114,7 +10626,7 @@
           <a:p>
             <a:fld id="{BCEC661E-0595-4C66-B047-E28AB687AC4D}" type="datetimeFigureOut">
               <a:rPr lang="de-DE" smtClean="0"/>
-              <a:t>08.05.2014</a:t>
+              <a:t>22.05.2014</a:t>
             </a:fld>
             <a:endParaRPr lang="de-DE"/>
           </a:p>
@@ -10367,7 +10879,7 @@
           <a:p>
             <a:fld id="{BCEC661E-0595-4C66-B047-E28AB687AC4D}" type="datetimeFigureOut">
               <a:rPr lang="de-DE" smtClean="0"/>
-              <a:t>08.05.2014</a:t>
+              <a:t>22.05.2014</a:t>
             </a:fld>
             <a:endParaRPr lang="de-DE"/>
           </a:p>
@@ -10580,7 +11092,7 @@
           <a:p>
             <a:fld id="{BCEC661E-0595-4C66-B047-E28AB687AC4D}" type="datetimeFigureOut">
               <a:rPr lang="de-DE" smtClean="0"/>
-              <a:t>08.05.2014</a:t>
+              <a:t>22.05.2014</a:t>
             </a:fld>
             <a:endParaRPr lang="de-DE"/>
           </a:p>
@@ -10995,7 +11507,7 @@
             <p:ph idx="1"/>
             <p:extLst>
               <p:ext uri="{D42A27DB-BD31-4B8C-83A1-F6EECF244321}">
-                <p14:modId xmlns:p14="http://schemas.microsoft.com/office/powerpoint/2010/main" val="1066840058"/>
+                <p14:modId xmlns:p14="http://schemas.microsoft.com/office/powerpoint/2010/main" val="1860130583"/>
               </p:ext>
             </p:extLst>
           </p:nvPr>

--- a/Meilensteine.pptx
+++ b/Meilensteine.pptx
@@ -979,7 +979,7 @@
         <a:p>
           <a:r>
             <a:rPr lang="de-DE" dirty="0" smtClean="0"/>
-            <a:t>Management</a:t>
+            <a:t>1. Management</a:t>
           </a:r>
           <a:endParaRPr lang="de-DE" dirty="0"/>
         </a:p>
@@ -1016,7 +1016,7 @@
         <a:p>
           <a:r>
             <a:rPr lang="de-DE" dirty="0" smtClean="0"/>
-            <a:t>Planung</a:t>
+            <a:t>1.1 Planung</a:t>
           </a:r>
           <a:endParaRPr lang="de-DE" dirty="0"/>
         </a:p>
@@ -1053,7 +1053,7 @@
         <a:p>
           <a:r>
             <a:rPr lang="de-DE" dirty="0" smtClean="0"/>
-            <a:t>Kontrolle</a:t>
+            <a:t>1.2 Kontrolle</a:t>
           </a:r>
           <a:endParaRPr lang="de-DE" dirty="0"/>
         </a:p>
@@ -1090,7 +1090,7 @@
         <a:p>
           <a:r>
             <a:rPr lang="de-DE" dirty="0" smtClean="0"/>
-            <a:t>Anforderungen</a:t>
+            <a:t>2. Anforderungen</a:t>
           </a:r>
           <a:endParaRPr lang="de-DE" dirty="0"/>
         </a:p>
@@ -1127,7 +1127,7 @@
         <a:p>
           <a:r>
             <a:rPr lang="de-DE" dirty="0" smtClean="0"/>
-            <a:t>Dokumentation</a:t>
+            <a:t>2.1 Dokumentation</a:t>
           </a:r>
           <a:endParaRPr lang="de-DE" dirty="0"/>
         </a:p>
@@ -1164,7 +1164,7 @@
         <a:p>
           <a:r>
             <a:rPr lang="de-DE" dirty="0" smtClean="0"/>
-            <a:t>Entwicklung</a:t>
+            <a:t>3. Entwicklung</a:t>
           </a:r>
           <a:endParaRPr lang="de-DE" dirty="0"/>
         </a:p>
@@ -1201,7 +1201,7 @@
         <a:p>
           <a:r>
             <a:rPr lang="de-DE" dirty="0" smtClean="0"/>
-            <a:t>Tests</a:t>
+            <a:t>4. Tests</a:t>
           </a:r>
           <a:endParaRPr lang="de-DE" dirty="0"/>
         </a:p>
@@ -1238,7 +1238,7 @@
         <a:p>
           <a:r>
             <a:rPr lang="de-DE" dirty="0" smtClean="0"/>
-            <a:t>App</a:t>
+            <a:t>2.2 App</a:t>
           </a:r>
           <a:endParaRPr lang="de-DE" dirty="0"/>
         </a:p>
@@ -1275,7 +1275,7 @@
         <a:p>
           <a:r>
             <a:rPr lang="de-DE" dirty="0" smtClean="0"/>
-            <a:t>GPS</a:t>
+            <a:t>2.2.1 GPS</a:t>
           </a:r>
           <a:endParaRPr lang="de-DE" dirty="0"/>
         </a:p>
@@ -1312,7 +1312,7 @@
         <a:p>
           <a:r>
             <a:rPr lang="de-DE" dirty="0" smtClean="0"/>
-            <a:t>Inhalt</a:t>
+            <a:t>2.2.1 Inhalt</a:t>
           </a:r>
           <a:endParaRPr lang="de-DE" dirty="0"/>
         </a:p>
@@ -1349,7 +1349,7 @@
         <a:p>
           <a:r>
             <a:rPr lang="de-DE" dirty="0" smtClean="0"/>
-            <a:t>App</a:t>
+            <a:t>3.1 App</a:t>
           </a:r>
           <a:endParaRPr lang="de-DE" dirty="0"/>
         </a:p>
@@ -1386,7 +1386,11 @@
         <a:p>
           <a:r>
             <a:rPr lang="de-DE" dirty="0" smtClean="0"/>
-            <a:t>API Verwendung</a:t>
+            <a:t>3.1.1 API </a:t>
+          </a:r>
+          <a:r>
+            <a:rPr lang="de-DE" dirty="0" smtClean="0"/>
+            <a:t>Verwendung</a:t>
           </a:r>
           <a:endParaRPr lang="de-DE" dirty="0"/>
         </a:p>
@@ -1423,7 +1427,7 @@
         <a:p>
           <a:r>
             <a:rPr lang="de-DE" dirty="0" smtClean="0"/>
-            <a:t>GUI</a:t>
+            <a:t>3.1.2 GUI</a:t>
           </a:r>
           <a:endParaRPr lang="de-DE" dirty="0"/>
         </a:p>
@@ -1460,7 +1464,11 @@
         <a:p>
           <a:r>
             <a:rPr lang="de-DE" dirty="0" smtClean="0"/>
-            <a:t>Standort erfassen</a:t>
+            <a:t>3.1.3 Standort </a:t>
+          </a:r>
+          <a:r>
+            <a:rPr lang="de-DE" dirty="0" smtClean="0"/>
+            <a:t>erfassen</a:t>
           </a:r>
           <a:endParaRPr lang="de-DE" dirty="0"/>
         </a:p>
@@ -1497,7 +1505,7 @@
         <a:p>
           <a:r>
             <a:rPr lang="de-DE" dirty="0" smtClean="0"/>
-            <a:t>Inhalte</a:t>
+            <a:t>3.2 Inhalte</a:t>
           </a:r>
           <a:endParaRPr lang="de-DE" dirty="0"/>
         </a:p>
@@ -1534,7 +1542,7 @@
         <a:p>
           <a:r>
             <a:rPr lang="de-DE" dirty="0" smtClean="0"/>
-            <a:t>Bereitstellen</a:t>
+            <a:t>3.2.1 Bereitstellen</a:t>
           </a:r>
           <a:endParaRPr lang="de-DE" dirty="0"/>
         </a:p>
@@ -1571,7 +1579,7 @@
         <a:p>
           <a:r>
             <a:rPr lang="de-DE" dirty="0" smtClean="0"/>
-            <a:t>Route</a:t>
+            <a:t>3.2.2 Route</a:t>
           </a:r>
           <a:endParaRPr lang="de-DE" dirty="0"/>
         </a:p>
@@ -1608,7 +1616,7 @@
         <a:p>
           <a:r>
             <a:rPr lang="de-DE" dirty="0" smtClean="0"/>
-            <a:t>Software</a:t>
+            <a:t>4.1 Software</a:t>
           </a:r>
           <a:endParaRPr lang="de-DE" dirty="0"/>
         </a:p>
@@ -1645,7 +1653,7 @@
         <a:p>
           <a:r>
             <a:rPr lang="de-DE" dirty="0" smtClean="0"/>
-            <a:t>Touren</a:t>
+            <a:t>4.2 Touren</a:t>
           </a:r>
           <a:endParaRPr lang="de-DE" dirty="0"/>
         </a:p>
@@ -1682,7 +1690,7 @@
         <a:p>
           <a:r>
             <a:rPr lang="de-DE" dirty="0" smtClean="0"/>
-            <a:t>Release</a:t>
+            <a:t>5. Release</a:t>
           </a:r>
           <a:endParaRPr lang="de-DE" dirty="0"/>
         </a:p>
@@ -1719,7 +1727,7 @@
         <a:p>
           <a:r>
             <a:rPr lang="de-DE" dirty="0" smtClean="0"/>
-            <a:t>Übergabe</a:t>
+            <a:t>5.1 Übergabe</a:t>
           </a:r>
           <a:endParaRPr lang="de-DE" dirty="0"/>
         </a:p>
@@ -1728,10 +1736,24 @@
     <dgm:pt modelId="{3F2A56FE-F1F3-4B58-A8E4-6A6FF3C12065}" type="parTrans" cxnId="{F3A46E32-D761-40C2-B0EA-7291D6D35642}">
       <dgm:prSet/>
       <dgm:spPr/>
+      <dgm:t>
+        <a:bodyPr/>
+        <a:lstStyle/>
+        <a:p>
+          <a:endParaRPr lang="de-DE"/>
+        </a:p>
+      </dgm:t>
     </dgm:pt>
     <dgm:pt modelId="{DEB770E0-3D0E-45A5-95A4-5D65E42BA39F}" type="sibTrans" cxnId="{F3A46E32-D761-40C2-B0EA-7291D6D35642}">
       <dgm:prSet/>
       <dgm:spPr/>
+      <dgm:t>
+        <a:bodyPr/>
+        <a:lstStyle/>
+        <a:p>
+          <a:endParaRPr lang="de-DE"/>
+        </a:p>
+      </dgm:t>
     </dgm:pt>
     <dgm:pt modelId="{9D320C81-0A74-4E83-9A78-EDE402268EA2}">
       <dgm:prSet phldrT="[Text]"/>
@@ -1742,7 +1764,7 @@
         <a:p>
           <a:r>
             <a:rPr lang="de-DE" dirty="0" smtClean="0"/>
-            <a:t>Veröffentlichung</a:t>
+            <a:t>5.2 Veröffentlichung</a:t>
           </a:r>
           <a:endParaRPr lang="de-DE" dirty="0"/>
         </a:p>
@@ -1751,10 +1773,24 @@
     <dgm:pt modelId="{7E029FC5-0B45-4201-9BBC-FB6C44F05368}" type="parTrans" cxnId="{5D0D2F16-3D63-4AFA-BBFE-4BA6DC8E3AC0}">
       <dgm:prSet/>
       <dgm:spPr/>
+      <dgm:t>
+        <a:bodyPr/>
+        <a:lstStyle/>
+        <a:p>
+          <a:endParaRPr lang="de-DE"/>
+        </a:p>
+      </dgm:t>
     </dgm:pt>
     <dgm:pt modelId="{5B678CCF-84DA-4A15-9790-D90C01312BF4}" type="sibTrans" cxnId="{5D0D2F16-3D63-4AFA-BBFE-4BA6DC8E3AC0}">
       <dgm:prSet/>
       <dgm:spPr/>
+      <dgm:t>
+        <a:bodyPr/>
+        <a:lstStyle/>
+        <a:p>
+          <a:endParaRPr lang="de-DE"/>
+        </a:p>
+      </dgm:t>
     </dgm:pt>
     <dgm:pt modelId="{B6F79879-3595-4E55-B58D-6113B02CD8E8}" type="pres">
       <dgm:prSet presAssocID="{5F27BC77-8941-43F4-8B90-FB3B05823CAC}" presName="hierChild1" presStyleCnt="0">
@@ -3064,98 +3100,98 @@
     </dgm:pt>
   </dgm:ptLst>
   <dgm:cxnLst>
+    <dgm:cxn modelId="{1A14DDAD-8272-4E91-92A2-6FA1021F64E7}" type="presOf" srcId="{A3D2CFEB-E623-4534-ADF8-DB2132888CFF}" destId="{8B5ADAD1-6A48-4917-ACF8-1E93A1E2A654}" srcOrd="1" destOrd="0" presId="urn:microsoft.com/office/officeart/2005/8/layout/orgChart1"/>
+    <dgm:cxn modelId="{631AF3FD-A246-4ECB-83D9-3DDE5E4278B2}" srcId="{DA23096C-C503-4079-9651-0120D7DFD8FB}" destId="{A3D2CFEB-E623-4534-ADF8-DB2132888CFF}" srcOrd="1" destOrd="0" parTransId="{D452F109-5781-45E9-8B00-AF4D270F3020}" sibTransId="{C92DF03B-22AC-423C-814F-36762F5A1B0F}"/>
+    <dgm:cxn modelId="{0111E53A-F125-4024-91D8-A2EE082E4AA0}" type="presOf" srcId="{0B361A93-DC8B-43E9-9E58-435B18AFC9B2}" destId="{DC2E5D02-8D5B-489E-92B8-769C86A6A212}" srcOrd="0" destOrd="0" presId="urn:microsoft.com/office/officeart/2005/8/layout/orgChart1"/>
+    <dgm:cxn modelId="{811DF587-E783-4D60-A76B-ADFBBD7DAC45}" type="presOf" srcId="{270BEE6F-2C56-4827-9E7A-D9E89357073A}" destId="{0936718E-CEEA-4408-9F23-2080F361579F}" srcOrd="0" destOrd="0" presId="urn:microsoft.com/office/officeart/2005/8/layout/orgChart1"/>
+    <dgm:cxn modelId="{04C6CE32-EFD4-434F-8571-B87BE2ACB9CE}" type="presOf" srcId="{2502981D-B508-4D00-BBE3-C266A648905B}" destId="{1B1CDD48-3727-404A-A7F2-A7C163EFA9B4}" srcOrd="1" destOrd="0" presId="urn:microsoft.com/office/officeart/2005/8/layout/orgChart1"/>
+    <dgm:cxn modelId="{781C4749-9912-48CE-BD8C-1C77707F3F93}" type="presOf" srcId="{9D320C81-0A74-4E83-9A78-EDE402268EA2}" destId="{CA5B0725-412D-430C-AD19-F662C982586F}" srcOrd="0" destOrd="0" presId="urn:microsoft.com/office/officeart/2005/8/layout/orgChart1"/>
+    <dgm:cxn modelId="{F7797B2A-125B-4C0B-A0DB-B8437AE07347}" srcId="{5F27BC77-8941-43F4-8B90-FB3B05823CAC}" destId="{2018ECA3-3A50-4106-AD7A-B731246A7598}" srcOrd="0" destOrd="0" parTransId="{93CCB537-67DE-4CC6-8D9A-856EDB5572C9}" sibTransId="{EEB4D02B-1A50-4631-B303-68850DFE97D9}"/>
+    <dgm:cxn modelId="{3C4A128B-6933-4B54-A176-49B19B4D19B5}" srcId="{24A9F61A-F705-4899-85B6-BE7BEA938049}" destId="{FDDA1B6B-1D57-4249-BFEA-C1F357D8F7DB}" srcOrd="0" destOrd="0" parTransId="{8AD0676E-5553-460D-B309-99833FC441A9}" sibTransId="{35E4DF9E-A722-48D1-ABB0-F242726577EE}"/>
+    <dgm:cxn modelId="{C15AB236-BD29-49A2-A73D-E51060745BC9}" type="presOf" srcId="{9F0B79EA-3A30-448C-90A2-15B8E9112023}" destId="{60B23CFF-F02E-4461-AAFB-9778B1658DF2}" srcOrd="1" destOrd="0" presId="urn:microsoft.com/office/officeart/2005/8/layout/orgChart1"/>
+    <dgm:cxn modelId="{C31259B2-8F09-4813-8603-127CAC5BA1F4}" type="presOf" srcId="{FEA03D8D-E2A3-446C-8872-F4EF7675901C}" destId="{2635FAE6-A136-440B-94EE-CD567052726F}" srcOrd="0" destOrd="0" presId="urn:microsoft.com/office/officeart/2005/8/layout/orgChart1"/>
+    <dgm:cxn modelId="{A17DA96F-C559-475C-BE27-FE8646F28698}" type="presOf" srcId="{02223512-5C62-4EE0-AA42-DE6D4435D584}" destId="{6A3AAAAC-3DFF-43F8-8209-3D0095E6D75A}" srcOrd="0" destOrd="0" presId="urn:microsoft.com/office/officeart/2005/8/layout/orgChart1"/>
+    <dgm:cxn modelId="{1CE9031A-0783-4A20-B18F-2D5F8E8B423F}" srcId="{35F2F850-E107-4C77-8C9D-F91B243DC4A5}" destId="{085AFD13-7F14-47B7-B76D-A7F6AA6D7212}" srcOrd="0" destOrd="0" parTransId="{87C6722B-8411-4627-88ED-F20025A38A56}" sibTransId="{D934D5F9-9223-4490-A537-0C0B68174B19}"/>
+    <dgm:cxn modelId="{81EE1E1C-72CD-47F9-9ECB-D58978B3F592}" type="presOf" srcId="{1A2BC42C-D917-47BA-9892-2A98BFAD301C}" destId="{CFB5BC9A-3731-456B-9D76-4EE628132314}" srcOrd="1" destOrd="0" presId="urn:microsoft.com/office/officeart/2005/8/layout/orgChart1"/>
+    <dgm:cxn modelId="{BB5A7476-A1FD-41BA-B6AA-A448089510D3}" type="presOf" srcId="{C65A0A47-1744-428E-A2CA-26F846199C1C}" destId="{7E1259E6-9B91-4841-A55A-80511B9ACB54}" srcOrd="1" destOrd="0" presId="urn:microsoft.com/office/officeart/2005/8/layout/orgChart1"/>
+    <dgm:cxn modelId="{D893047D-9855-4DA6-9FA3-AA77B4095214}" type="presOf" srcId="{7E029FC5-0B45-4201-9BBC-FB6C44F05368}" destId="{562C605B-7DD0-4B03-9063-F50EE92E1CA5}" srcOrd="0" destOrd="0" presId="urn:microsoft.com/office/officeart/2005/8/layout/orgChart1"/>
+    <dgm:cxn modelId="{658CB509-02F2-4814-9D27-A43D9BEC4F92}" srcId="{9F0B79EA-3A30-448C-90A2-15B8E9112023}" destId="{35F2F850-E107-4C77-8C9D-F91B243DC4A5}" srcOrd="1" destOrd="0" parTransId="{2DCF58DD-E3D0-4E43-9D60-E17E6BC34C3E}" sibTransId="{33DFDB88-B597-4516-B152-EA9E667C9F60}"/>
+    <dgm:cxn modelId="{E889756A-0E8E-4804-AA02-515F8981569A}" type="presOf" srcId="{085AFD13-7F14-47B7-B76D-A7F6AA6D7212}" destId="{1A350C2A-05E7-447D-A367-A20852E33E48}" srcOrd="0" destOrd="0" presId="urn:microsoft.com/office/officeart/2005/8/layout/orgChart1"/>
+    <dgm:cxn modelId="{5D0D2F16-3D63-4AFA-BBFE-4BA6DC8E3AC0}" srcId="{7DD12802-E74A-4097-86D1-028A7F959A05}" destId="{9D320C81-0A74-4E83-9A78-EDE402268EA2}" srcOrd="1" destOrd="0" parTransId="{7E029FC5-0B45-4201-9BBC-FB6C44F05368}" sibTransId="{5B678CCF-84DA-4A15-9790-D90C01312BF4}"/>
+    <dgm:cxn modelId="{C2D12244-3239-4E64-9507-0BB88FB63ACD}" type="presOf" srcId="{0520B758-E43F-43DC-8B3F-027FD277C58B}" destId="{83E75304-9D64-4ED0-A8F2-C2AD90D882CF}" srcOrd="1" destOrd="0" presId="urn:microsoft.com/office/officeart/2005/8/layout/orgChart1"/>
+    <dgm:cxn modelId="{56F81063-38ED-4965-A44F-90995047F453}" srcId="{2018ECA3-3A50-4106-AD7A-B731246A7598}" destId="{9F0B79EA-3A30-448C-90A2-15B8E9112023}" srcOrd="1" destOrd="0" parTransId="{81A8F166-AF98-495B-AFD5-4B70C9FEEB93}" sibTransId="{85E8328E-F519-4D47-AC71-E81378C096CD}"/>
+    <dgm:cxn modelId="{B422971E-6C3F-44B4-9659-C0B3B6EA0CAA}" type="presOf" srcId="{085AFD13-7F14-47B7-B76D-A7F6AA6D7212}" destId="{46D53ED0-223E-4775-9DAF-03CE5C37E983}" srcOrd="1" destOrd="0" presId="urn:microsoft.com/office/officeart/2005/8/layout/orgChart1"/>
+    <dgm:cxn modelId="{F26DDDEC-41D1-4218-B4B3-80AB5FDE31E2}" type="presOf" srcId="{91CA89EE-BC4A-4834-B60F-925408B98746}" destId="{4013B4B6-4487-4BA1-A2D2-3518FC17178F}" srcOrd="0" destOrd="0" presId="urn:microsoft.com/office/officeart/2005/8/layout/orgChart1"/>
+    <dgm:cxn modelId="{7ED9A2EB-562E-4BDE-81B6-73AE8DEF1990}" srcId="{2018ECA3-3A50-4106-AD7A-B731246A7598}" destId="{0520B758-E43F-43DC-8B3F-027FD277C58B}" srcOrd="2" destOrd="0" parTransId="{1199739B-BFE7-4EDE-9E9F-B924D03D7AC9}" sibTransId="{F5747C06-BE1D-44A1-B345-4736545CF320}"/>
+    <dgm:cxn modelId="{A637F482-39DD-4470-9BDC-05909EBA9DFB}" srcId="{24A9F61A-F705-4899-85B6-BE7BEA938049}" destId="{238AF202-FC15-4185-BFB0-CA07D2C4F3F9}" srcOrd="2" destOrd="0" parTransId="{91CA89EE-BC4A-4834-B60F-925408B98746}" sibTransId="{A936A088-6ED9-4ED9-BEC6-BF1B1EF5E5DF}"/>
+    <dgm:cxn modelId="{322E983C-B738-4DBB-A459-7C48BBB8DD1A}" srcId="{2502981D-B508-4D00-BBE3-C266A648905B}" destId="{BF228FAE-E2F9-4440-A067-75BC2D09439E}" srcOrd="0" destOrd="0" parTransId="{CC19FE3F-C17B-470C-A3B0-EB551EE659BD}" sibTransId="{EBBE59DE-AB61-44BB-9CD9-D5787C473FB3}"/>
+    <dgm:cxn modelId="{201CA1C3-EF9B-4F78-9C4D-E4E53240F309}" srcId="{35F2F850-E107-4C77-8C9D-F91B243DC4A5}" destId="{9649AF04-732C-4AFA-88F7-8FC2C53116FF}" srcOrd="1" destOrd="0" parTransId="{03CB0662-E879-4F8D-8F23-6182AFD1D0F2}" sibTransId="{F8C90F7B-6D0A-4EDA-A38E-9BE775B32392}"/>
+    <dgm:cxn modelId="{4294F149-73D0-46CD-BEE1-6CDCB66FD098}" srcId="{2502981D-B508-4D00-BBE3-C266A648905B}" destId="{F2A070D0-90DC-4710-9AF5-B06B5662AEA6}" srcOrd="1" destOrd="0" parTransId="{0B361A93-DC8B-43E9-9E58-435B18AFC9B2}" sibTransId="{D9D9AC85-EB10-48A2-BB10-5C819A97DE84}"/>
+    <dgm:cxn modelId="{AED80F1F-482E-4CA1-9278-9683025FB3D2}" type="presOf" srcId="{2DCF58DD-E3D0-4E43-9D60-E17E6BC34C3E}" destId="{2D2F53EB-A352-4924-8B99-8D078D24C7EA}" srcOrd="0" destOrd="0" presId="urn:microsoft.com/office/officeart/2005/8/layout/orgChart1"/>
+    <dgm:cxn modelId="{E26C256C-E267-469B-A9BD-047053ACA934}" type="presOf" srcId="{B4CD55CE-5A64-4000-9BDC-B03F47603D86}" destId="{5E69BB79-7E02-4BAB-9583-D3921136B6A3}" srcOrd="1" destOrd="0" presId="urn:microsoft.com/office/officeart/2005/8/layout/orgChart1"/>
+    <dgm:cxn modelId="{5250407C-D23B-4BD4-A19D-9BD02DCCBB1E}" srcId="{DA23096C-C503-4079-9651-0120D7DFD8FB}" destId="{B4CD55CE-5A64-4000-9BDC-B03F47603D86}" srcOrd="0" destOrd="0" parTransId="{FEA03D8D-E2A3-446C-8872-F4EF7675901C}" sibTransId="{33FCC0AA-CB6D-4F6F-9CCB-872253B5A16B}"/>
+    <dgm:cxn modelId="{85206848-C804-4BA3-9671-3125AF0D8244}" type="presOf" srcId="{9F0B79EA-3A30-448C-90A2-15B8E9112023}" destId="{0D2350D7-2FC9-4757-8FB8-DAF4285B6035}" srcOrd="0" destOrd="0" presId="urn:microsoft.com/office/officeart/2005/8/layout/orgChart1"/>
+    <dgm:cxn modelId="{AC5955BC-4831-4B78-8C2B-13C51ABC9584}" type="presOf" srcId="{CC19FE3F-C17B-470C-A3B0-EB551EE659BD}" destId="{36755ADB-4774-42F4-B5DF-685D738A5BC8}" srcOrd="0" destOrd="0" presId="urn:microsoft.com/office/officeart/2005/8/layout/orgChart1"/>
+    <dgm:cxn modelId="{BCD3C035-DB26-47F1-8741-A74106EB1162}" type="presOf" srcId="{A0A88FD2-0664-4A56-BE63-946D5533CF07}" destId="{7A49B742-3638-49B3-A71F-D6A49A18C5F1}" srcOrd="0" destOrd="0" presId="urn:microsoft.com/office/officeart/2005/8/layout/orgChart1"/>
+    <dgm:cxn modelId="{0734FB30-C88D-48DF-8A55-8F2FA11CD7D7}" type="presOf" srcId="{81A8F166-AF98-495B-AFD5-4B70C9FEEB93}" destId="{989FA015-F7E7-4C0D-9F5B-8CEF27A60918}" srcOrd="0" destOrd="0" presId="urn:microsoft.com/office/officeart/2005/8/layout/orgChart1"/>
+    <dgm:cxn modelId="{0B05A31D-F65E-4E1E-860D-60A12A4321D4}" srcId="{0520B758-E43F-43DC-8B3F-027FD277C58B}" destId="{2502981D-B508-4D00-BBE3-C266A648905B}" srcOrd="1" destOrd="0" parTransId="{A0A88FD2-0664-4A56-BE63-946D5533CF07}" sibTransId="{F69F2A0E-4AF0-422E-AFAC-2B8C277D4922}"/>
+    <dgm:cxn modelId="{F267F84B-1FA7-4E62-ABEC-812E311D6414}" type="presOf" srcId="{F2A070D0-90DC-4710-9AF5-B06B5662AEA6}" destId="{002116D8-3FBF-45CD-850E-4D9F16A63BA2}" srcOrd="1" destOrd="0" presId="urn:microsoft.com/office/officeart/2005/8/layout/orgChart1"/>
+    <dgm:cxn modelId="{EE970E6C-4262-405F-840E-165E6479255F}" type="presOf" srcId="{35F2F850-E107-4C77-8C9D-F91B243DC4A5}" destId="{F8718B6D-A3A0-4C07-B15E-4D6AA2E80E21}" srcOrd="0" destOrd="0" presId="urn:microsoft.com/office/officeart/2005/8/layout/orgChart1"/>
+    <dgm:cxn modelId="{8A686676-A482-46E6-8351-4D8B74773777}" type="presOf" srcId="{C65A0A47-1744-428E-A2CA-26F846199C1C}" destId="{1575D451-D673-4424-AE4D-AB209AF5EC81}" srcOrd="0" destOrd="0" presId="urn:microsoft.com/office/officeart/2005/8/layout/orgChart1"/>
+    <dgm:cxn modelId="{B9A1AC47-1563-4EA2-8C6A-1AF6AD3C9D0A}" srcId="{24A9F61A-F705-4899-85B6-BE7BEA938049}" destId="{270BEE6F-2C56-4827-9E7A-D9E89357073A}" srcOrd="1" destOrd="0" parTransId="{EF96740E-451F-4D50-A83B-D8B9E2184D46}" sibTransId="{D0ACCEE7-795C-46DE-90E9-F964D1CD0259}"/>
+    <dgm:cxn modelId="{F96E68CC-2A40-4FB0-BE9A-FBDBC5B9FC3E}" type="presOf" srcId="{3F2A56FE-F1F3-4B58-A8E4-6A6FF3C12065}" destId="{1C0336C7-1C3B-4EC3-A39C-A32229FEE91F}" srcOrd="0" destOrd="0" presId="urn:microsoft.com/office/officeart/2005/8/layout/orgChart1"/>
+    <dgm:cxn modelId="{0262AF80-CE15-43E0-9E9E-A30B4E447467}" type="presOf" srcId="{5CC81FDE-3B98-4B95-AD39-89E4A4F2D92D}" destId="{781DFCE4-43A1-43B6-9B54-DDC2B388E18A}" srcOrd="1" destOrd="0" presId="urn:microsoft.com/office/officeart/2005/8/layout/orgChart1"/>
+    <dgm:cxn modelId="{0FC609F1-AAC4-4FAF-9B3B-41F5C2F8D3C0}" type="presOf" srcId="{24A9F61A-F705-4899-85B6-BE7BEA938049}" destId="{FE964393-FF24-4F12-9E04-C5AC74F5291E}" srcOrd="1" destOrd="0" presId="urn:microsoft.com/office/officeart/2005/8/layout/orgChart1"/>
+    <dgm:cxn modelId="{0D2EE4F1-1378-49B8-B2C0-1218AB0F83BF}" type="presOf" srcId="{270BEE6F-2C56-4827-9E7A-D9E89357073A}" destId="{5B933681-DE6A-4935-82A7-0509A910A9A4}" srcOrd="1" destOrd="0" presId="urn:microsoft.com/office/officeart/2005/8/layout/orgChart1"/>
+    <dgm:cxn modelId="{A1938B66-2A80-453F-ADE4-A9CC9A3FF95E}" type="presOf" srcId="{7DD12802-E74A-4097-86D1-028A7F959A05}" destId="{E979CEFB-882A-43F6-B0D1-C6E4CD22FE8F}" srcOrd="1" destOrd="0" presId="urn:microsoft.com/office/officeart/2005/8/layout/orgChart1"/>
+    <dgm:cxn modelId="{2C58A8E4-8AC3-4D93-9DE0-2FE5D74EA321}" type="presOf" srcId="{03CB0662-E879-4F8D-8F23-6182AFD1D0F2}" destId="{A3259B1B-DB33-4D5F-8977-A5F3077C258A}" srcOrd="0" destOrd="0" presId="urn:microsoft.com/office/officeart/2005/8/layout/orgChart1"/>
+    <dgm:cxn modelId="{1A60EF39-94CD-4388-8DF2-838118942B05}" type="presOf" srcId="{A3D2CFEB-E623-4534-ADF8-DB2132888CFF}" destId="{AD606730-8D94-4FAE-84AB-6C0CC4496D5D}" srcOrd="0" destOrd="0" presId="urn:microsoft.com/office/officeart/2005/8/layout/orgChart1"/>
+    <dgm:cxn modelId="{AF7475BA-5B53-4E11-9F86-DF91C4C12249}" type="presOf" srcId="{2018ECA3-3A50-4106-AD7A-B731246A7598}" destId="{1058AA14-F65C-440C-AFE3-B314A177C29A}" srcOrd="0" destOrd="0" presId="urn:microsoft.com/office/officeart/2005/8/layout/orgChart1"/>
     <dgm:cxn modelId="{4D5F7AE8-51F1-41DB-AAD4-EED2643B49FB}" type="presOf" srcId="{35F2F850-E107-4C77-8C9D-F91B243DC4A5}" destId="{AF007662-F341-4510-BF09-E05402B91184}" srcOrd="1" destOrd="0" presId="urn:microsoft.com/office/officeart/2005/8/layout/orgChart1"/>
+    <dgm:cxn modelId="{8A6F1D29-16C7-43E0-8D6C-2B6FD7830F73}" type="presOf" srcId="{8AD0676E-5553-460D-B309-99833FC441A9}" destId="{89A51EBE-9714-4FEA-8270-2B8A9D36AEBA}" srcOrd="0" destOrd="0" presId="urn:microsoft.com/office/officeart/2005/8/layout/orgChart1"/>
+    <dgm:cxn modelId="{8E029C15-A586-49EA-A17C-C1630F12BD28}" type="presOf" srcId="{238AF202-FC15-4185-BFB0-CA07D2C4F3F9}" destId="{3ACE5AC5-CCF3-4813-86F3-CA9684BFDAE6}" srcOrd="1" destOrd="0" presId="urn:microsoft.com/office/officeart/2005/8/layout/orgChart1"/>
+    <dgm:cxn modelId="{04C776B0-ED38-49D3-BD98-FB67A64DF6A6}" type="presOf" srcId="{7DD12802-E74A-4097-86D1-028A7F959A05}" destId="{602B28CD-9751-402D-B38A-9208699B88B9}" srcOrd="0" destOrd="0" presId="urn:microsoft.com/office/officeart/2005/8/layout/orgChart1"/>
     <dgm:cxn modelId="{10B4C848-3F32-4893-81A6-DA12E261A7C0}" type="presOf" srcId="{BF228FAE-E2F9-4440-A067-75BC2D09439E}" destId="{7625274D-FF50-41DF-84DB-11BC22C45A36}" srcOrd="1" destOrd="0" presId="urn:microsoft.com/office/officeart/2005/8/layout/orgChart1"/>
-    <dgm:cxn modelId="{0FC609F1-AAC4-4FAF-9B3B-41F5C2F8D3C0}" type="presOf" srcId="{24A9F61A-F705-4899-85B6-BE7BEA938049}" destId="{FE964393-FF24-4F12-9E04-C5AC74F5291E}" srcOrd="1" destOrd="0" presId="urn:microsoft.com/office/officeart/2005/8/layout/orgChart1"/>
-    <dgm:cxn modelId="{0262AF80-CE15-43E0-9E9E-A30B4E447467}" type="presOf" srcId="{5CC81FDE-3B98-4B95-AD39-89E4A4F2D92D}" destId="{781DFCE4-43A1-43B6-9B54-DDC2B388E18A}" srcOrd="1" destOrd="0" presId="urn:microsoft.com/office/officeart/2005/8/layout/orgChart1"/>
-    <dgm:cxn modelId="{56F81063-38ED-4965-A44F-90995047F453}" srcId="{2018ECA3-3A50-4106-AD7A-B731246A7598}" destId="{9F0B79EA-3A30-448C-90A2-15B8E9112023}" srcOrd="1" destOrd="0" parTransId="{81A8F166-AF98-495B-AFD5-4B70C9FEEB93}" sibTransId="{85E8328E-F519-4D47-AC71-E81378C096CD}"/>
-    <dgm:cxn modelId="{0734FB30-C88D-48DF-8A55-8F2FA11CD7D7}" type="presOf" srcId="{81A8F166-AF98-495B-AFD5-4B70C9FEEB93}" destId="{989FA015-F7E7-4C0D-9F5B-8CEF27A60918}" srcOrd="0" destOrd="0" presId="urn:microsoft.com/office/officeart/2005/8/layout/orgChart1"/>
+    <dgm:cxn modelId="{6086D401-84F0-4B5E-8CF1-C7140967BB0C}" type="presOf" srcId="{D452F109-5781-45E9-8B00-AF4D270F3020}" destId="{AB95BCF8-91C6-4CC4-9159-EBAB7291A3AA}" srcOrd="0" destOrd="0" presId="urn:microsoft.com/office/officeart/2005/8/layout/orgChart1"/>
+    <dgm:cxn modelId="{44BFE925-9EB2-4F02-ACB9-851BC9E84561}" type="presOf" srcId="{87C6722B-8411-4627-88ED-F20025A38A56}" destId="{6D4EC7F1-CA82-432F-971D-3C7AA1308BF2}" srcOrd="0" destOrd="0" presId="urn:microsoft.com/office/officeart/2005/8/layout/orgChart1"/>
+    <dgm:cxn modelId="{5A49ED8D-BCB1-43CA-AC41-9E3FDBD9ABA8}" type="presOf" srcId="{EF96740E-451F-4D50-A83B-D8B9E2184D46}" destId="{7654533E-21FF-4056-AF83-E7A1A3DEF6CD}" srcOrd="0" destOrd="0" presId="urn:microsoft.com/office/officeart/2005/8/layout/orgChart1"/>
+    <dgm:cxn modelId="{EA6C5C9C-8093-43A5-A7DA-FB0BB57EF203}" type="presOf" srcId="{238AF202-FC15-4185-BFB0-CA07D2C4F3F9}" destId="{233E93EC-7755-4700-ABEF-527A5EB0BB0A}" srcOrd="0" destOrd="0" presId="urn:microsoft.com/office/officeart/2005/8/layout/orgChart1"/>
+    <dgm:cxn modelId="{5020BA93-3DC6-49F5-B2E9-F9F386EB175F}" type="presOf" srcId="{6BEC65C1-B5DA-4EA7-84AF-12402488F2FA}" destId="{2D4163EB-C95A-4803-87E5-AF71E21D9F0A}" srcOrd="1" destOrd="0" presId="urn:microsoft.com/office/officeart/2005/8/layout/orgChart1"/>
+    <dgm:cxn modelId="{8BCF3E7F-79F0-4840-9382-6490B5D65E69}" type="presOf" srcId="{2018ECA3-3A50-4106-AD7A-B731246A7598}" destId="{EDB2F9E9-0BB0-4A14-AE78-9ADE0DB7D7F9}" srcOrd="1" destOrd="0" presId="urn:microsoft.com/office/officeart/2005/8/layout/orgChart1"/>
+    <dgm:cxn modelId="{139A8D14-5574-461B-B3DA-991766D5F892}" srcId="{5CC81FDE-3B98-4B95-AD39-89E4A4F2D92D}" destId="{6BEC65C1-B5DA-4EA7-84AF-12402488F2FA}" srcOrd="1" destOrd="0" parTransId="{71383C8E-BA2F-4107-B6C7-08C92C51E575}" sibTransId="{FA040C3E-DFAC-4170-8A15-DD8397136B0D}"/>
+    <dgm:cxn modelId="{AD11DC8C-3D03-41CF-8DFA-6C34ABC19A52}" type="presOf" srcId="{0520B758-E43F-43DC-8B3F-027FD277C58B}" destId="{6D0C319E-23D6-43F1-B42A-A98526B61A96}" srcOrd="0" destOrd="0" presId="urn:microsoft.com/office/officeart/2005/8/layout/orgChart1"/>
+    <dgm:cxn modelId="{3A4FC1B0-FDCF-4494-B985-EA64C297FB80}" type="presOf" srcId="{B8722430-E04D-4FFD-BB4C-E90C8E6E9917}" destId="{8574B1D5-AB4E-4EA2-9BE4-CF4DA634B87C}" srcOrd="0" destOrd="0" presId="urn:microsoft.com/office/officeart/2005/8/layout/orgChart1"/>
+    <dgm:cxn modelId="{134BF836-08D0-4BBA-8708-D2BD8F59EC06}" type="presOf" srcId="{4B834CAB-818E-4F52-9286-EB6761DDC1AB}" destId="{EDA619DB-9D3D-445F-A1B6-8136A798A345}" srcOrd="0" destOrd="0" presId="urn:microsoft.com/office/officeart/2005/8/layout/orgChart1"/>
+    <dgm:cxn modelId="{41EFF8EB-97BC-4C22-B556-BCA7FF2C3850}" type="presOf" srcId="{DA23096C-C503-4079-9651-0120D7DFD8FB}" destId="{EC93B103-468E-4CBD-B903-F7F643BE1263}" srcOrd="1" destOrd="0" presId="urn:microsoft.com/office/officeart/2005/8/layout/orgChart1"/>
+    <dgm:cxn modelId="{2730FB3B-C3E9-452C-BCD4-3233C566F903}" type="presOf" srcId="{9735FA81-A365-4641-8F21-8EFA2F6CD387}" destId="{794C1402-FE47-41F6-A06E-0AB094AACC3A}" srcOrd="0" destOrd="0" presId="urn:microsoft.com/office/officeart/2005/8/layout/orgChart1"/>
+    <dgm:cxn modelId="{BA797577-CC54-430D-982D-24CEDEAFE85B}" type="presOf" srcId="{1A2BC42C-D917-47BA-9892-2A98BFAD301C}" destId="{D94E57F3-1295-403E-9BE0-48A7FD99AC72}" srcOrd="0" destOrd="0" presId="urn:microsoft.com/office/officeart/2005/8/layout/orgChart1"/>
+    <dgm:cxn modelId="{C807E77E-BB01-4AA8-97EF-1155F0B4E132}" type="presOf" srcId="{FDDA1B6B-1D57-4249-BFEA-C1F357D8F7DB}" destId="{D0D61E12-9153-48D3-A2FC-AA594E45FA03}" srcOrd="0" destOrd="0" presId="urn:microsoft.com/office/officeart/2005/8/layout/orgChart1"/>
+    <dgm:cxn modelId="{ABAFE405-3BAE-44CB-B26C-08ADD18C51D1}" type="presOf" srcId="{5CC81FDE-3B98-4B95-AD39-89E4A4F2D92D}" destId="{723EDBF7-BB25-40A8-9D84-FEC8BF62B464}" srcOrd="0" destOrd="0" presId="urn:microsoft.com/office/officeart/2005/8/layout/orgChart1"/>
+    <dgm:cxn modelId="{1965E8F4-2B4C-4348-95A8-843F71E9A6D9}" type="presOf" srcId="{B97417FE-BCBA-4F7E-B26B-114EB0A63CDD}" destId="{A639485A-B3DE-4FF7-8B8F-86421D00FFBF}" srcOrd="1" destOrd="0" presId="urn:microsoft.com/office/officeart/2005/8/layout/orgChart1"/>
+    <dgm:cxn modelId="{683B6AC8-E0DD-4FA2-9D37-3DCFFF522947}" type="presOf" srcId="{BF228FAE-E2F9-4440-A067-75BC2D09439E}" destId="{70CC56F8-3AC9-46BB-92F2-08916F5123B1}" srcOrd="0" destOrd="0" presId="urn:microsoft.com/office/officeart/2005/8/layout/orgChart1"/>
+    <dgm:cxn modelId="{E2D0A395-B9A4-44CF-8500-02E687AAFE9A}" type="presOf" srcId="{24A9F61A-F705-4899-85B6-BE7BEA938049}" destId="{8E128385-4E4F-4484-A4CF-529E679AEB44}" srcOrd="0" destOrd="0" presId="urn:microsoft.com/office/officeart/2005/8/layout/orgChart1"/>
+    <dgm:cxn modelId="{6BFEA5C1-4A14-479A-BFFD-1AB0299BF18C}" type="presOf" srcId="{9649AF04-732C-4AFA-88F7-8FC2C53116FF}" destId="{E1BABCF3-339D-4090-9CAF-29C1BCCD5CF0}" srcOrd="1" destOrd="0" presId="urn:microsoft.com/office/officeart/2005/8/layout/orgChart1"/>
+    <dgm:cxn modelId="{22AB0ACE-4294-414B-AAAF-798103133538}" type="presOf" srcId="{5EEA19EC-82E6-48A6-A9DF-5998351B73D7}" destId="{74337026-54A3-416F-BF29-2F2933D2B907}" srcOrd="0" destOrd="0" presId="urn:microsoft.com/office/officeart/2005/8/layout/orgChart1"/>
+    <dgm:cxn modelId="{816BE360-888F-4ED7-8E3C-573943B7B966}" type="presOf" srcId="{6BEC65C1-B5DA-4EA7-84AF-12402488F2FA}" destId="{2C4631C8-13A4-470E-8A9B-D904F220465A}" srcOrd="0" destOrd="0" presId="urn:microsoft.com/office/officeart/2005/8/layout/orgChart1"/>
+    <dgm:cxn modelId="{149407FE-0D4A-4984-8362-42F36C850602}" type="presOf" srcId="{9649AF04-732C-4AFA-88F7-8FC2C53116FF}" destId="{D7E127B8-2E5D-4A0F-976B-D3E8043E4C5B}" srcOrd="0" destOrd="0" presId="urn:microsoft.com/office/officeart/2005/8/layout/orgChart1"/>
+    <dgm:cxn modelId="{4C4C284A-53E7-4DD1-95AD-CA3120C66F92}" srcId="{2018ECA3-3A50-4106-AD7A-B731246A7598}" destId="{7DD12802-E74A-4097-86D1-028A7F959A05}" srcOrd="4" destOrd="0" parTransId="{41CD59CA-F9D8-4CA1-A04F-A4DA4627C1CC}" sibTransId="{9A5C4603-0D36-495A-AAAC-E1D21476B892}"/>
+    <dgm:cxn modelId="{93A07223-F3F9-4728-84D4-3A5000F40DF5}" type="presOf" srcId="{B97417FE-BCBA-4F7E-B26B-114EB0A63CDD}" destId="{E33D8E8D-3F33-46DC-8C84-D1C71321D732}" srcOrd="0" destOrd="0" presId="urn:microsoft.com/office/officeart/2005/8/layout/orgChart1"/>
+    <dgm:cxn modelId="{F045FD77-7054-4416-8E9F-6738C4D97703}" srcId="{9F0B79EA-3A30-448C-90A2-15B8E9112023}" destId="{C65A0A47-1744-428E-A2CA-26F846199C1C}" srcOrd="0" destOrd="0" parTransId="{B8722430-E04D-4FFD-BB4C-E90C8E6E9917}" sibTransId="{3AD53FA2-8DD5-4575-B835-08ED8439DE16}"/>
+    <dgm:cxn modelId="{D8E6A6F0-779F-461A-99B9-57DA6FB67477}" type="presOf" srcId="{5F27BC77-8941-43F4-8B90-FB3B05823CAC}" destId="{B6F79879-3595-4E55-B58D-6113B02CD8E8}" srcOrd="0" destOrd="0" presId="urn:microsoft.com/office/officeart/2005/8/layout/orgChart1"/>
+    <dgm:cxn modelId="{EF1CE36C-EBD8-4F94-8000-6B950C11FC85}" type="presOf" srcId="{71383C8E-BA2F-4107-B6C7-08C92C51E575}" destId="{394E97AD-5282-4D3C-851B-1739E18C3B22}" srcOrd="0" destOrd="0" presId="urn:microsoft.com/office/officeart/2005/8/layout/orgChart1"/>
+    <dgm:cxn modelId="{413F3A88-8B64-4AB9-95F4-45747A4F6EC3}" srcId="{0520B758-E43F-43DC-8B3F-027FD277C58B}" destId="{24A9F61A-F705-4899-85B6-BE7BEA938049}" srcOrd="0" destOrd="0" parTransId="{5EEA19EC-82E6-48A6-A9DF-5998351B73D7}" sibTransId="{FAB74B7E-CAA5-48DC-8963-3500579199D0}"/>
+    <dgm:cxn modelId="{DA442048-9214-422A-AD55-B62E4D42569A}" type="presOf" srcId="{DA23096C-C503-4079-9651-0120D7DFD8FB}" destId="{5A4A07DA-DC3F-4FB2-985A-69869BE7034F}" srcOrd="0" destOrd="0" presId="urn:microsoft.com/office/officeart/2005/8/layout/orgChart1"/>
+    <dgm:cxn modelId="{79C49F6B-DF60-4F7E-876D-8A0CBAA41E74}" type="presOf" srcId="{9D320C81-0A74-4E83-9A78-EDE402268EA2}" destId="{B0AD86AF-D4B7-47AA-A340-27CAC413D1EA}" srcOrd="1" destOrd="0" presId="urn:microsoft.com/office/officeart/2005/8/layout/orgChart1"/>
     <dgm:cxn modelId="{A5AA5415-F98B-4B0B-A4A8-B9FEE09AB379}" type="presOf" srcId="{2502981D-B508-4D00-BBE3-C266A648905B}" destId="{34D4E5E4-68CC-437A-86B7-1D596880EB2E}" srcOrd="0" destOrd="0" presId="urn:microsoft.com/office/officeart/2005/8/layout/orgChart1"/>
-    <dgm:cxn modelId="{658CB509-02F2-4814-9D27-A43D9BEC4F92}" srcId="{9F0B79EA-3A30-448C-90A2-15B8E9112023}" destId="{35F2F850-E107-4C77-8C9D-F91B243DC4A5}" srcOrd="1" destOrd="0" parTransId="{2DCF58DD-E3D0-4E43-9D60-E17E6BC34C3E}" sibTransId="{33DFDB88-B597-4516-B152-EA9E667C9F60}"/>
-    <dgm:cxn modelId="{81EE1E1C-72CD-47F9-9ECB-D58978B3F592}" type="presOf" srcId="{1A2BC42C-D917-47BA-9892-2A98BFAD301C}" destId="{CFB5BC9A-3731-456B-9D76-4EE628132314}" srcOrd="1" destOrd="0" presId="urn:microsoft.com/office/officeart/2005/8/layout/orgChart1"/>
-    <dgm:cxn modelId="{E889756A-0E8E-4804-AA02-515F8981569A}" type="presOf" srcId="{085AFD13-7F14-47B7-B76D-A7F6AA6D7212}" destId="{1A350C2A-05E7-447D-A367-A20852E33E48}" srcOrd="0" destOrd="0" presId="urn:microsoft.com/office/officeart/2005/8/layout/orgChart1"/>
+    <dgm:cxn modelId="{84BB7F5F-1052-4F7D-A3B4-CEDAC0F6F465}" type="presOf" srcId="{41CD59CA-F9D8-4CA1-A04F-A4DA4627C1CC}" destId="{722677F9-659F-4F19-B1A2-EF88290C73BD}" srcOrd="0" destOrd="0" presId="urn:microsoft.com/office/officeart/2005/8/layout/orgChart1"/>
+    <dgm:cxn modelId="{974AA234-1440-46D7-A175-2C8600FAF478}" type="presOf" srcId="{B4CD55CE-5A64-4000-9BDC-B03F47603D86}" destId="{4AF33755-706D-4315-B258-1F1C2070289F}" srcOrd="0" destOrd="0" presId="urn:microsoft.com/office/officeart/2005/8/layout/orgChart1"/>
+    <dgm:cxn modelId="{F41FAD95-67CD-4EAF-8833-F8E36085A659}" srcId="{5CC81FDE-3B98-4B95-AD39-89E4A4F2D92D}" destId="{B97417FE-BCBA-4F7E-B26B-114EB0A63CDD}" srcOrd="0" destOrd="0" parTransId="{9735FA81-A365-4641-8F21-8EFA2F6CD387}" sibTransId="{DD249135-6B6F-4BDF-91F4-210EB4E24F39}"/>
+    <dgm:cxn modelId="{64D9CC28-AA28-4624-BC4A-204A13F00EB9}" srcId="{2018ECA3-3A50-4106-AD7A-B731246A7598}" destId="{DA23096C-C503-4079-9651-0120D7DFD8FB}" srcOrd="0" destOrd="0" parTransId="{02223512-5C62-4EE0-AA42-DE6D4435D584}" sibTransId="{DCB456B7-4643-43C9-AFCC-5CAF68398CF8}"/>
+    <dgm:cxn modelId="{60AC721A-EEB5-4598-886A-ED978EE70EDC}" type="presOf" srcId="{F2A070D0-90DC-4710-9AF5-B06B5662AEA6}" destId="{DE55CCFF-0CB8-4F39-8009-B257196C6675}" srcOrd="0" destOrd="0" presId="urn:microsoft.com/office/officeart/2005/8/layout/orgChart1"/>
+    <dgm:cxn modelId="{F3A46E32-D761-40C2-B0EA-7291D6D35642}" srcId="{7DD12802-E74A-4097-86D1-028A7F959A05}" destId="{1A2BC42C-D917-47BA-9892-2A98BFAD301C}" srcOrd="0" destOrd="0" parTransId="{3F2A56FE-F1F3-4B58-A8E4-6A6FF3C12065}" sibTransId="{DEB770E0-3D0E-45A5-95A4-5D65E42BA39F}"/>
+    <dgm:cxn modelId="{BC3ABDA0-DE97-4DB0-A6E3-90C4F49BADE3}" srcId="{2018ECA3-3A50-4106-AD7A-B731246A7598}" destId="{5CC81FDE-3B98-4B95-AD39-89E4A4F2D92D}" srcOrd="3" destOrd="0" parTransId="{4B834CAB-818E-4F52-9286-EB6761DDC1AB}" sibTransId="{AC3861EB-AEC7-4851-A42D-4D3CC2A6AA7B}"/>
     <dgm:cxn modelId="{3525C27C-5AAE-4834-9C45-7E3B6AD5A52F}" type="presOf" srcId="{1199739B-BFE7-4EDE-9E9F-B924D03D7AC9}" destId="{5D798A56-5DCE-4375-B08A-9E5028C52174}" srcOrd="0" destOrd="0" presId="urn:microsoft.com/office/officeart/2005/8/layout/orgChart1"/>
-    <dgm:cxn modelId="{1CE9031A-0783-4A20-B18F-2D5F8E8B423F}" srcId="{35F2F850-E107-4C77-8C9D-F91B243DC4A5}" destId="{085AFD13-7F14-47B7-B76D-A7F6AA6D7212}" srcOrd="0" destOrd="0" parTransId="{87C6722B-8411-4627-88ED-F20025A38A56}" sibTransId="{D934D5F9-9223-4490-A537-0C0B68174B19}"/>
-    <dgm:cxn modelId="{E2D0A395-B9A4-44CF-8500-02E687AAFE9A}" type="presOf" srcId="{24A9F61A-F705-4899-85B6-BE7BEA938049}" destId="{8E128385-4E4F-4484-A4CF-529E679AEB44}" srcOrd="0" destOrd="0" presId="urn:microsoft.com/office/officeart/2005/8/layout/orgChart1"/>
-    <dgm:cxn modelId="{139A8D14-5574-461B-B3DA-991766D5F892}" srcId="{5CC81FDE-3B98-4B95-AD39-89E4A4F2D92D}" destId="{6BEC65C1-B5DA-4EA7-84AF-12402488F2FA}" srcOrd="1" destOrd="0" parTransId="{71383C8E-BA2F-4107-B6C7-08C92C51E575}" sibTransId="{FA040C3E-DFAC-4170-8A15-DD8397136B0D}"/>
-    <dgm:cxn modelId="{C807E77E-BB01-4AA8-97EF-1155F0B4E132}" type="presOf" srcId="{FDDA1B6B-1D57-4249-BFEA-C1F357D8F7DB}" destId="{D0D61E12-9153-48D3-A2FC-AA594E45FA03}" srcOrd="0" destOrd="0" presId="urn:microsoft.com/office/officeart/2005/8/layout/orgChart1"/>
-    <dgm:cxn modelId="{413F3A88-8B64-4AB9-95F4-45747A4F6EC3}" srcId="{0520B758-E43F-43DC-8B3F-027FD277C58B}" destId="{24A9F61A-F705-4899-85B6-BE7BEA938049}" srcOrd="0" destOrd="0" parTransId="{5EEA19EC-82E6-48A6-A9DF-5998351B73D7}" sibTransId="{FAB74B7E-CAA5-48DC-8963-3500579199D0}"/>
-    <dgm:cxn modelId="{974AA234-1440-46D7-A175-2C8600FAF478}" type="presOf" srcId="{B4CD55CE-5A64-4000-9BDC-B03F47603D86}" destId="{4AF33755-706D-4315-B258-1F1C2070289F}" srcOrd="0" destOrd="0" presId="urn:microsoft.com/office/officeart/2005/8/layout/orgChart1"/>
-    <dgm:cxn modelId="{F7797B2A-125B-4C0B-A0DB-B8437AE07347}" srcId="{5F27BC77-8941-43F4-8B90-FB3B05823CAC}" destId="{2018ECA3-3A50-4106-AD7A-B731246A7598}" srcOrd="0" destOrd="0" parTransId="{93CCB537-67DE-4CC6-8D9A-856EDB5572C9}" sibTransId="{EEB4D02B-1A50-4631-B303-68850DFE97D9}"/>
-    <dgm:cxn modelId="{84BB7F5F-1052-4F7D-A3B4-CEDAC0F6F465}" type="presOf" srcId="{41CD59CA-F9D8-4CA1-A04F-A4DA4627C1CC}" destId="{722677F9-659F-4F19-B1A2-EF88290C73BD}" srcOrd="0" destOrd="0" presId="urn:microsoft.com/office/officeart/2005/8/layout/orgChart1"/>
-    <dgm:cxn modelId="{0B05A31D-F65E-4E1E-860D-60A12A4321D4}" srcId="{0520B758-E43F-43DC-8B3F-027FD277C58B}" destId="{2502981D-B508-4D00-BBE3-C266A648905B}" srcOrd="1" destOrd="0" parTransId="{A0A88FD2-0664-4A56-BE63-946D5533CF07}" sibTransId="{F69F2A0E-4AF0-422E-AFAC-2B8C277D4922}"/>
-    <dgm:cxn modelId="{60AC721A-EEB5-4598-886A-ED978EE70EDC}" type="presOf" srcId="{F2A070D0-90DC-4710-9AF5-B06B5662AEA6}" destId="{DE55CCFF-0CB8-4F39-8009-B257196C6675}" srcOrd="0" destOrd="0" presId="urn:microsoft.com/office/officeart/2005/8/layout/orgChart1"/>
-    <dgm:cxn modelId="{2C58A8E4-8AC3-4D93-9DE0-2FE5D74EA321}" type="presOf" srcId="{03CB0662-E879-4F8D-8F23-6182AFD1D0F2}" destId="{A3259B1B-DB33-4D5F-8977-A5F3077C258A}" srcOrd="0" destOrd="0" presId="urn:microsoft.com/office/officeart/2005/8/layout/orgChart1"/>
-    <dgm:cxn modelId="{0D2EE4F1-1378-49B8-B2C0-1218AB0F83BF}" type="presOf" srcId="{270BEE6F-2C56-4827-9E7A-D9E89357073A}" destId="{5B933681-DE6A-4935-82A7-0509A910A9A4}" srcOrd="1" destOrd="0" presId="urn:microsoft.com/office/officeart/2005/8/layout/orgChart1"/>
-    <dgm:cxn modelId="{3C4A128B-6933-4B54-A176-49B19B4D19B5}" srcId="{24A9F61A-F705-4899-85B6-BE7BEA938049}" destId="{FDDA1B6B-1D57-4249-BFEA-C1F357D8F7DB}" srcOrd="0" destOrd="0" parTransId="{8AD0676E-5553-460D-B309-99833FC441A9}" sibTransId="{35E4DF9E-A722-48D1-ABB0-F242726577EE}"/>
-    <dgm:cxn modelId="{AD11DC8C-3D03-41CF-8DFA-6C34ABC19A52}" type="presOf" srcId="{0520B758-E43F-43DC-8B3F-027FD277C58B}" destId="{6D0C319E-23D6-43F1-B42A-A98526B61A96}" srcOrd="0" destOrd="0" presId="urn:microsoft.com/office/officeart/2005/8/layout/orgChart1"/>
-    <dgm:cxn modelId="{BA797577-CC54-430D-982D-24CEDEAFE85B}" type="presOf" srcId="{1A2BC42C-D917-47BA-9892-2A98BFAD301C}" destId="{D94E57F3-1295-403E-9BE0-48A7FD99AC72}" srcOrd="0" destOrd="0" presId="urn:microsoft.com/office/officeart/2005/8/layout/orgChart1"/>
-    <dgm:cxn modelId="{AF7475BA-5B53-4E11-9F86-DF91C4C12249}" type="presOf" srcId="{2018ECA3-3A50-4106-AD7A-B731246A7598}" destId="{1058AA14-F65C-440C-AFE3-B314A177C29A}" srcOrd="0" destOrd="0" presId="urn:microsoft.com/office/officeart/2005/8/layout/orgChart1"/>
-    <dgm:cxn modelId="{D893047D-9855-4DA6-9FA3-AA77B4095214}" type="presOf" srcId="{7E029FC5-0B45-4201-9BBC-FB6C44F05368}" destId="{562C605B-7DD0-4B03-9063-F50EE92E1CA5}" srcOrd="0" destOrd="0" presId="urn:microsoft.com/office/officeart/2005/8/layout/orgChart1"/>
-    <dgm:cxn modelId="{F96E68CC-2A40-4FB0-BE9A-FBDBC5B9FC3E}" type="presOf" srcId="{3F2A56FE-F1F3-4B58-A8E4-6A6FF3C12065}" destId="{1C0336C7-1C3B-4EC3-A39C-A32229FEE91F}" srcOrd="0" destOrd="0" presId="urn:microsoft.com/office/officeart/2005/8/layout/orgChart1"/>
-    <dgm:cxn modelId="{5020BA93-3DC6-49F5-B2E9-F9F386EB175F}" type="presOf" srcId="{6BEC65C1-B5DA-4EA7-84AF-12402488F2FA}" destId="{2D4163EB-C95A-4803-87E5-AF71E21D9F0A}" srcOrd="1" destOrd="0" presId="urn:microsoft.com/office/officeart/2005/8/layout/orgChart1"/>
-    <dgm:cxn modelId="{04C776B0-ED38-49D3-BD98-FB67A64DF6A6}" type="presOf" srcId="{7DD12802-E74A-4097-86D1-028A7F959A05}" destId="{602B28CD-9751-402D-B38A-9208699B88B9}" srcOrd="0" destOrd="0" presId="urn:microsoft.com/office/officeart/2005/8/layout/orgChart1"/>
-    <dgm:cxn modelId="{DA442048-9214-422A-AD55-B62E4D42569A}" type="presOf" srcId="{DA23096C-C503-4079-9651-0120D7DFD8FB}" destId="{5A4A07DA-DC3F-4FB2-985A-69869BE7034F}" srcOrd="0" destOrd="0" presId="urn:microsoft.com/office/officeart/2005/8/layout/orgChart1"/>
-    <dgm:cxn modelId="{5250407C-D23B-4BD4-A19D-9BD02DCCBB1E}" srcId="{DA23096C-C503-4079-9651-0120D7DFD8FB}" destId="{B4CD55CE-5A64-4000-9BDC-B03F47603D86}" srcOrd="0" destOrd="0" parTransId="{FEA03D8D-E2A3-446C-8872-F4EF7675901C}" sibTransId="{33FCC0AA-CB6D-4F6F-9CCB-872253B5A16B}"/>
-    <dgm:cxn modelId="{BCD3C035-DB26-47F1-8741-A74106EB1162}" type="presOf" srcId="{A0A88FD2-0664-4A56-BE63-946D5533CF07}" destId="{7A49B742-3638-49B3-A71F-D6A49A18C5F1}" srcOrd="0" destOrd="0" presId="urn:microsoft.com/office/officeart/2005/8/layout/orgChart1"/>
-    <dgm:cxn modelId="{F41FAD95-67CD-4EAF-8833-F8E36085A659}" srcId="{5CC81FDE-3B98-4B95-AD39-89E4A4F2D92D}" destId="{B97417FE-BCBA-4F7E-B26B-114EB0A63CDD}" srcOrd="0" destOrd="0" parTransId="{9735FA81-A365-4641-8F21-8EFA2F6CD387}" sibTransId="{DD249135-6B6F-4BDF-91F4-210EB4E24F39}"/>
-    <dgm:cxn modelId="{B422971E-6C3F-44B4-9659-C0B3B6EA0CAA}" type="presOf" srcId="{085AFD13-7F14-47B7-B76D-A7F6AA6D7212}" destId="{46D53ED0-223E-4775-9DAF-03CE5C37E983}" srcOrd="1" destOrd="0" presId="urn:microsoft.com/office/officeart/2005/8/layout/orgChart1"/>
-    <dgm:cxn modelId="{EE970E6C-4262-405F-840E-165E6479255F}" type="presOf" srcId="{35F2F850-E107-4C77-8C9D-F91B243DC4A5}" destId="{F8718B6D-A3A0-4C07-B15E-4D6AA2E80E21}" srcOrd="0" destOrd="0" presId="urn:microsoft.com/office/officeart/2005/8/layout/orgChart1"/>
-    <dgm:cxn modelId="{79C49F6B-DF60-4F7E-876D-8A0CBAA41E74}" type="presOf" srcId="{9D320C81-0A74-4E83-9A78-EDE402268EA2}" destId="{B0AD86AF-D4B7-47AA-A340-27CAC413D1EA}" srcOrd="1" destOrd="0" presId="urn:microsoft.com/office/officeart/2005/8/layout/orgChart1"/>
-    <dgm:cxn modelId="{8A6F1D29-16C7-43E0-8D6C-2B6FD7830F73}" type="presOf" srcId="{8AD0676E-5553-460D-B309-99833FC441A9}" destId="{89A51EBE-9714-4FEA-8270-2B8A9D36AEBA}" srcOrd="0" destOrd="0" presId="urn:microsoft.com/office/officeart/2005/8/layout/orgChart1"/>
-    <dgm:cxn modelId="{BB5A7476-A1FD-41BA-B6AA-A448089510D3}" type="presOf" srcId="{C65A0A47-1744-428E-A2CA-26F846199C1C}" destId="{7E1259E6-9B91-4841-A55A-80511B9ACB54}" srcOrd="1" destOrd="0" presId="urn:microsoft.com/office/officeart/2005/8/layout/orgChart1"/>
-    <dgm:cxn modelId="{AED80F1F-482E-4CA1-9278-9683025FB3D2}" type="presOf" srcId="{2DCF58DD-E3D0-4E43-9D60-E17E6BC34C3E}" destId="{2D2F53EB-A352-4924-8B99-8D078D24C7EA}" srcOrd="0" destOrd="0" presId="urn:microsoft.com/office/officeart/2005/8/layout/orgChart1"/>
-    <dgm:cxn modelId="{322E983C-B738-4DBB-A459-7C48BBB8DD1A}" srcId="{2502981D-B508-4D00-BBE3-C266A648905B}" destId="{BF228FAE-E2F9-4440-A067-75BC2D09439E}" srcOrd="0" destOrd="0" parTransId="{CC19FE3F-C17B-470C-A3B0-EB551EE659BD}" sibTransId="{EBBE59DE-AB61-44BB-9CD9-D5787C473FB3}"/>
-    <dgm:cxn modelId="{D8E6A6F0-779F-461A-99B9-57DA6FB67477}" type="presOf" srcId="{5F27BC77-8941-43F4-8B90-FB3B05823CAC}" destId="{B6F79879-3595-4E55-B58D-6113B02CD8E8}" srcOrd="0" destOrd="0" presId="urn:microsoft.com/office/officeart/2005/8/layout/orgChart1"/>
-    <dgm:cxn modelId="{85206848-C804-4BA3-9671-3125AF0D8244}" type="presOf" srcId="{9F0B79EA-3A30-448C-90A2-15B8E9112023}" destId="{0D2350D7-2FC9-4757-8FB8-DAF4285B6035}" srcOrd="0" destOrd="0" presId="urn:microsoft.com/office/officeart/2005/8/layout/orgChart1"/>
-    <dgm:cxn modelId="{149407FE-0D4A-4984-8362-42F36C850602}" type="presOf" srcId="{9649AF04-732C-4AFA-88F7-8FC2C53116FF}" destId="{D7E127B8-2E5D-4A0F-976B-D3E8043E4C5B}" srcOrd="0" destOrd="0" presId="urn:microsoft.com/office/officeart/2005/8/layout/orgChart1"/>
-    <dgm:cxn modelId="{64D9CC28-AA28-4624-BC4A-204A13F00EB9}" srcId="{2018ECA3-3A50-4106-AD7A-B731246A7598}" destId="{DA23096C-C503-4079-9651-0120D7DFD8FB}" srcOrd="0" destOrd="0" parTransId="{02223512-5C62-4EE0-AA42-DE6D4435D584}" sibTransId="{DCB456B7-4643-43C9-AFCC-5CAF68398CF8}"/>
-    <dgm:cxn modelId="{C31259B2-8F09-4813-8603-127CAC5BA1F4}" type="presOf" srcId="{FEA03D8D-E2A3-446C-8872-F4EF7675901C}" destId="{2635FAE6-A136-440B-94EE-CD567052726F}" srcOrd="0" destOrd="0" presId="urn:microsoft.com/office/officeart/2005/8/layout/orgChart1"/>
-    <dgm:cxn modelId="{631AF3FD-A246-4ECB-83D9-3DDE5E4278B2}" srcId="{DA23096C-C503-4079-9651-0120D7DFD8FB}" destId="{A3D2CFEB-E623-4534-ADF8-DB2132888CFF}" srcOrd="1" destOrd="0" parTransId="{D452F109-5781-45E9-8B00-AF4D270F3020}" sibTransId="{C92DF03B-22AC-423C-814F-36762F5A1B0F}"/>
-    <dgm:cxn modelId="{1A60EF39-94CD-4388-8DF2-838118942B05}" type="presOf" srcId="{A3D2CFEB-E623-4534-ADF8-DB2132888CFF}" destId="{AD606730-8D94-4FAE-84AB-6C0CC4496D5D}" srcOrd="0" destOrd="0" presId="urn:microsoft.com/office/officeart/2005/8/layout/orgChart1"/>
-    <dgm:cxn modelId="{0111E53A-F125-4024-91D8-A2EE082E4AA0}" type="presOf" srcId="{0B361A93-DC8B-43E9-9E58-435B18AFC9B2}" destId="{DC2E5D02-8D5B-489E-92B8-769C86A6A212}" srcOrd="0" destOrd="0" presId="urn:microsoft.com/office/officeart/2005/8/layout/orgChart1"/>
-    <dgm:cxn modelId="{A17DA96F-C559-475C-BE27-FE8646F28698}" type="presOf" srcId="{02223512-5C62-4EE0-AA42-DE6D4435D584}" destId="{6A3AAAAC-3DFF-43F8-8209-3D0095E6D75A}" srcOrd="0" destOrd="0" presId="urn:microsoft.com/office/officeart/2005/8/layout/orgChart1"/>
-    <dgm:cxn modelId="{A637F482-39DD-4470-9BDC-05909EBA9DFB}" srcId="{24A9F61A-F705-4899-85B6-BE7BEA938049}" destId="{238AF202-FC15-4185-BFB0-CA07D2C4F3F9}" srcOrd="2" destOrd="0" parTransId="{91CA89EE-BC4A-4834-B60F-925408B98746}" sibTransId="{A936A088-6ED9-4ED9-BEC6-BF1B1EF5E5DF}"/>
-    <dgm:cxn modelId="{4294F149-73D0-46CD-BEE1-6CDCB66FD098}" srcId="{2502981D-B508-4D00-BBE3-C266A648905B}" destId="{F2A070D0-90DC-4710-9AF5-B06B5662AEA6}" srcOrd="1" destOrd="0" parTransId="{0B361A93-DC8B-43E9-9E58-435B18AFC9B2}" sibTransId="{D9D9AC85-EB10-48A2-BB10-5C819A97DE84}"/>
-    <dgm:cxn modelId="{C2D12244-3239-4E64-9507-0BB88FB63ACD}" type="presOf" srcId="{0520B758-E43F-43DC-8B3F-027FD277C58B}" destId="{83E75304-9D64-4ED0-A8F2-C2AD90D882CF}" srcOrd="1" destOrd="0" presId="urn:microsoft.com/office/officeart/2005/8/layout/orgChart1"/>
-    <dgm:cxn modelId="{6086D401-84F0-4B5E-8CF1-C7140967BB0C}" type="presOf" srcId="{D452F109-5781-45E9-8B00-AF4D270F3020}" destId="{AB95BCF8-91C6-4CC4-9159-EBAB7291A3AA}" srcOrd="0" destOrd="0" presId="urn:microsoft.com/office/officeart/2005/8/layout/orgChart1"/>
-    <dgm:cxn modelId="{41EFF8EB-97BC-4C22-B556-BCA7FF2C3850}" type="presOf" srcId="{DA23096C-C503-4079-9651-0120D7DFD8FB}" destId="{EC93B103-468E-4CBD-B903-F7F643BE1263}" srcOrd="1" destOrd="0" presId="urn:microsoft.com/office/officeart/2005/8/layout/orgChart1"/>
-    <dgm:cxn modelId="{134BF836-08D0-4BBA-8708-D2BD8F59EC06}" type="presOf" srcId="{4B834CAB-818E-4F52-9286-EB6761DDC1AB}" destId="{EDA619DB-9D3D-445F-A1B6-8136A798A345}" srcOrd="0" destOrd="0" presId="urn:microsoft.com/office/officeart/2005/8/layout/orgChart1"/>
-    <dgm:cxn modelId="{201CA1C3-EF9B-4F78-9C4D-E4E53240F309}" srcId="{35F2F850-E107-4C77-8C9D-F91B243DC4A5}" destId="{9649AF04-732C-4AFA-88F7-8FC2C53116FF}" srcOrd="1" destOrd="0" parTransId="{03CB0662-E879-4F8D-8F23-6182AFD1D0F2}" sibTransId="{F8C90F7B-6D0A-4EDA-A38E-9BE775B32392}"/>
-    <dgm:cxn modelId="{C15AB236-BD29-49A2-A73D-E51060745BC9}" type="presOf" srcId="{9F0B79EA-3A30-448C-90A2-15B8E9112023}" destId="{60B23CFF-F02E-4461-AAFB-9778B1658DF2}" srcOrd="1" destOrd="0" presId="urn:microsoft.com/office/officeart/2005/8/layout/orgChart1"/>
-    <dgm:cxn modelId="{8E029C15-A586-49EA-A17C-C1630F12BD28}" type="presOf" srcId="{238AF202-FC15-4185-BFB0-CA07D2C4F3F9}" destId="{3ACE5AC5-CCF3-4813-86F3-CA9684BFDAE6}" srcOrd="1" destOrd="0" presId="urn:microsoft.com/office/officeart/2005/8/layout/orgChart1"/>
-    <dgm:cxn modelId="{E26C256C-E267-469B-A9BD-047053ACA934}" type="presOf" srcId="{B4CD55CE-5A64-4000-9BDC-B03F47603D86}" destId="{5E69BB79-7E02-4BAB-9583-D3921136B6A3}" srcOrd="1" destOrd="0" presId="urn:microsoft.com/office/officeart/2005/8/layout/orgChart1"/>
-    <dgm:cxn modelId="{8A686676-A482-46E6-8351-4D8B74773777}" type="presOf" srcId="{C65A0A47-1744-428E-A2CA-26F846199C1C}" destId="{1575D451-D673-4424-AE4D-AB209AF5EC81}" srcOrd="0" destOrd="0" presId="urn:microsoft.com/office/officeart/2005/8/layout/orgChart1"/>
-    <dgm:cxn modelId="{AC5955BC-4831-4B78-8C2B-13C51ABC9584}" type="presOf" srcId="{CC19FE3F-C17B-470C-A3B0-EB551EE659BD}" destId="{36755ADB-4774-42F4-B5DF-685D738A5BC8}" srcOrd="0" destOrd="0" presId="urn:microsoft.com/office/officeart/2005/8/layout/orgChart1"/>
-    <dgm:cxn modelId="{5D0D2F16-3D63-4AFA-BBFE-4BA6DC8E3AC0}" srcId="{7DD12802-E74A-4097-86D1-028A7F959A05}" destId="{9D320C81-0A74-4E83-9A78-EDE402268EA2}" srcOrd="1" destOrd="0" parTransId="{7E029FC5-0B45-4201-9BBC-FB6C44F05368}" sibTransId="{5B678CCF-84DA-4A15-9790-D90C01312BF4}"/>
-    <dgm:cxn modelId="{1965E8F4-2B4C-4348-95A8-843F71E9A6D9}" type="presOf" srcId="{B97417FE-BCBA-4F7E-B26B-114EB0A63CDD}" destId="{A639485A-B3DE-4FF7-8B8F-86421D00FFBF}" srcOrd="1" destOrd="0" presId="urn:microsoft.com/office/officeart/2005/8/layout/orgChart1"/>
-    <dgm:cxn modelId="{1A14DDAD-8272-4E91-92A2-6FA1021F64E7}" type="presOf" srcId="{A3D2CFEB-E623-4534-ADF8-DB2132888CFF}" destId="{8B5ADAD1-6A48-4917-ACF8-1E93A1E2A654}" srcOrd="1" destOrd="0" presId="urn:microsoft.com/office/officeart/2005/8/layout/orgChart1"/>
     <dgm:cxn modelId="{4A13E5AE-E438-4C26-839C-42D1E720EE6B}" type="presOf" srcId="{FDDA1B6B-1D57-4249-BFEA-C1F357D8F7DB}" destId="{EC5F192A-868D-4E0D-B55E-262045590AED}" srcOrd="1" destOrd="0" presId="urn:microsoft.com/office/officeart/2005/8/layout/orgChart1"/>
-    <dgm:cxn modelId="{5A49ED8D-BCB1-43CA-AC41-9E3FDBD9ABA8}" type="presOf" srcId="{EF96740E-451F-4D50-A83B-D8B9E2184D46}" destId="{7654533E-21FF-4056-AF83-E7A1A3DEF6CD}" srcOrd="0" destOrd="0" presId="urn:microsoft.com/office/officeart/2005/8/layout/orgChart1"/>
-    <dgm:cxn modelId="{4C4C284A-53E7-4DD1-95AD-CA3120C66F92}" srcId="{2018ECA3-3A50-4106-AD7A-B731246A7598}" destId="{7DD12802-E74A-4097-86D1-028A7F959A05}" srcOrd="4" destOrd="0" parTransId="{41CD59CA-F9D8-4CA1-A04F-A4DA4627C1CC}" sibTransId="{9A5C4603-0D36-495A-AAAC-E1D21476B892}"/>
-    <dgm:cxn modelId="{44BFE925-9EB2-4F02-ACB9-851BC9E84561}" type="presOf" srcId="{87C6722B-8411-4627-88ED-F20025A38A56}" destId="{6D4EC7F1-CA82-432F-971D-3C7AA1308BF2}" srcOrd="0" destOrd="0" presId="urn:microsoft.com/office/officeart/2005/8/layout/orgChart1"/>
-    <dgm:cxn modelId="{781C4749-9912-48CE-BD8C-1C77707F3F93}" type="presOf" srcId="{9D320C81-0A74-4E83-9A78-EDE402268EA2}" destId="{CA5B0725-412D-430C-AD19-F662C982586F}" srcOrd="0" destOrd="0" presId="urn:microsoft.com/office/officeart/2005/8/layout/orgChart1"/>
-    <dgm:cxn modelId="{6BFEA5C1-4A14-479A-BFFD-1AB0299BF18C}" type="presOf" srcId="{9649AF04-732C-4AFA-88F7-8FC2C53116FF}" destId="{E1BABCF3-339D-4090-9CAF-29C1BCCD5CF0}" srcOrd="1" destOrd="0" presId="urn:microsoft.com/office/officeart/2005/8/layout/orgChart1"/>
-    <dgm:cxn modelId="{816BE360-888F-4ED7-8E3C-573943B7B966}" type="presOf" srcId="{6BEC65C1-B5DA-4EA7-84AF-12402488F2FA}" destId="{2C4631C8-13A4-470E-8A9B-D904F220465A}" srcOrd="0" destOrd="0" presId="urn:microsoft.com/office/officeart/2005/8/layout/orgChart1"/>
-    <dgm:cxn modelId="{F26DDDEC-41D1-4218-B4B3-80AB5FDE31E2}" type="presOf" srcId="{91CA89EE-BC4A-4834-B60F-925408B98746}" destId="{4013B4B6-4487-4BA1-A2D2-3518FC17178F}" srcOrd="0" destOrd="0" presId="urn:microsoft.com/office/officeart/2005/8/layout/orgChart1"/>
-    <dgm:cxn modelId="{683B6AC8-E0DD-4FA2-9D37-3DCFFF522947}" type="presOf" srcId="{BF228FAE-E2F9-4440-A067-75BC2D09439E}" destId="{70CC56F8-3AC9-46BB-92F2-08916F5123B1}" srcOrd="0" destOrd="0" presId="urn:microsoft.com/office/officeart/2005/8/layout/orgChart1"/>
-    <dgm:cxn modelId="{811DF587-E783-4D60-A76B-ADFBBD7DAC45}" type="presOf" srcId="{270BEE6F-2C56-4827-9E7A-D9E89357073A}" destId="{0936718E-CEEA-4408-9F23-2080F361579F}" srcOrd="0" destOrd="0" presId="urn:microsoft.com/office/officeart/2005/8/layout/orgChart1"/>
-    <dgm:cxn modelId="{ABAFE405-3BAE-44CB-B26C-08ADD18C51D1}" type="presOf" srcId="{5CC81FDE-3B98-4B95-AD39-89E4A4F2D92D}" destId="{723EDBF7-BB25-40A8-9D84-FEC8BF62B464}" srcOrd="0" destOrd="0" presId="urn:microsoft.com/office/officeart/2005/8/layout/orgChart1"/>
-    <dgm:cxn modelId="{BC3ABDA0-DE97-4DB0-A6E3-90C4F49BADE3}" srcId="{2018ECA3-3A50-4106-AD7A-B731246A7598}" destId="{5CC81FDE-3B98-4B95-AD39-89E4A4F2D92D}" srcOrd="3" destOrd="0" parTransId="{4B834CAB-818E-4F52-9286-EB6761DDC1AB}" sibTransId="{AC3861EB-AEC7-4851-A42D-4D3CC2A6AA7B}"/>
-    <dgm:cxn modelId="{F3A46E32-D761-40C2-B0EA-7291D6D35642}" srcId="{7DD12802-E74A-4097-86D1-028A7F959A05}" destId="{1A2BC42C-D917-47BA-9892-2A98BFAD301C}" srcOrd="0" destOrd="0" parTransId="{3F2A56FE-F1F3-4B58-A8E4-6A6FF3C12065}" sibTransId="{DEB770E0-3D0E-45A5-95A4-5D65E42BA39F}"/>
-    <dgm:cxn modelId="{3A4FC1B0-FDCF-4494-B985-EA64C297FB80}" type="presOf" srcId="{B8722430-E04D-4FFD-BB4C-E90C8E6E9917}" destId="{8574B1D5-AB4E-4EA2-9BE4-CF4DA634B87C}" srcOrd="0" destOrd="0" presId="urn:microsoft.com/office/officeart/2005/8/layout/orgChart1"/>
-    <dgm:cxn modelId="{F267F84B-1FA7-4E62-ABEC-812E311D6414}" type="presOf" srcId="{F2A070D0-90DC-4710-9AF5-B06B5662AEA6}" destId="{002116D8-3FBF-45CD-850E-4D9F16A63BA2}" srcOrd="1" destOrd="0" presId="urn:microsoft.com/office/officeart/2005/8/layout/orgChart1"/>
-    <dgm:cxn modelId="{04C6CE32-EFD4-434F-8571-B87BE2ACB9CE}" type="presOf" srcId="{2502981D-B508-4D00-BBE3-C266A648905B}" destId="{1B1CDD48-3727-404A-A7F2-A7C163EFA9B4}" srcOrd="1" destOrd="0" presId="urn:microsoft.com/office/officeart/2005/8/layout/orgChart1"/>
-    <dgm:cxn modelId="{22AB0ACE-4294-414B-AAAF-798103133538}" type="presOf" srcId="{5EEA19EC-82E6-48A6-A9DF-5998351B73D7}" destId="{74337026-54A3-416F-BF29-2F2933D2B907}" srcOrd="0" destOrd="0" presId="urn:microsoft.com/office/officeart/2005/8/layout/orgChart1"/>
-    <dgm:cxn modelId="{B9A1AC47-1563-4EA2-8C6A-1AF6AD3C9D0A}" srcId="{24A9F61A-F705-4899-85B6-BE7BEA938049}" destId="{270BEE6F-2C56-4827-9E7A-D9E89357073A}" srcOrd="1" destOrd="0" parTransId="{EF96740E-451F-4D50-A83B-D8B9E2184D46}" sibTransId="{D0ACCEE7-795C-46DE-90E9-F964D1CD0259}"/>
-    <dgm:cxn modelId="{EA6C5C9C-8093-43A5-A7DA-FB0BB57EF203}" type="presOf" srcId="{238AF202-FC15-4185-BFB0-CA07D2C4F3F9}" destId="{233E93EC-7755-4700-ABEF-527A5EB0BB0A}" srcOrd="0" destOrd="0" presId="urn:microsoft.com/office/officeart/2005/8/layout/orgChart1"/>
-    <dgm:cxn modelId="{A1938B66-2A80-453F-ADE4-A9CC9A3FF95E}" type="presOf" srcId="{7DD12802-E74A-4097-86D1-028A7F959A05}" destId="{E979CEFB-882A-43F6-B0D1-C6E4CD22FE8F}" srcOrd="1" destOrd="0" presId="urn:microsoft.com/office/officeart/2005/8/layout/orgChart1"/>
-    <dgm:cxn modelId="{93A07223-F3F9-4728-84D4-3A5000F40DF5}" type="presOf" srcId="{B97417FE-BCBA-4F7E-B26B-114EB0A63CDD}" destId="{E33D8E8D-3F33-46DC-8C84-D1C71321D732}" srcOrd="0" destOrd="0" presId="urn:microsoft.com/office/officeart/2005/8/layout/orgChart1"/>
-    <dgm:cxn modelId="{8BCF3E7F-79F0-4840-9382-6490B5D65E69}" type="presOf" srcId="{2018ECA3-3A50-4106-AD7A-B731246A7598}" destId="{EDB2F9E9-0BB0-4A14-AE78-9ADE0DB7D7F9}" srcOrd="1" destOrd="0" presId="urn:microsoft.com/office/officeart/2005/8/layout/orgChart1"/>
-    <dgm:cxn modelId="{2730FB3B-C3E9-452C-BCD4-3233C566F903}" type="presOf" srcId="{9735FA81-A365-4641-8F21-8EFA2F6CD387}" destId="{794C1402-FE47-41F6-A06E-0AB094AACC3A}" srcOrd="0" destOrd="0" presId="urn:microsoft.com/office/officeart/2005/8/layout/orgChart1"/>
-    <dgm:cxn modelId="{EF1CE36C-EBD8-4F94-8000-6B950C11FC85}" type="presOf" srcId="{71383C8E-BA2F-4107-B6C7-08C92C51E575}" destId="{394E97AD-5282-4D3C-851B-1739E18C3B22}" srcOrd="0" destOrd="0" presId="urn:microsoft.com/office/officeart/2005/8/layout/orgChart1"/>
-    <dgm:cxn modelId="{F045FD77-7054-4416-8E9F-6738C4D97703}" srcId="{9F0B79EA-3A30-448C-90A2-15B8E9112023}" destId="{C65A0A47-1744-428E-A2CA-26F846199C1C}" srcOrd="0" destOrd="0" parTransId="{B8722430-E04D-4FFD-BB4C-E90C8E6E9917}" sibTransId="{3AD53FA2-8DD5-4575-B835-08ED8439DE16}"/>
-    <dgm:cxn modelId="{7ED9A2EB-562E-4BDE-81B6-73AE8DEF1990}" srcId="{2018ECA3-3A50-4106-AD7A-B731246A7598}" destId="{0520B758-E43F-43DC-8B3F-027FD277C58B}" srcOrd="2" destOrd="0" parTransId="{1199739B-BFE7-4EDE-9E9F-B924D03D7AC9}" sibTransId="{F5747C06-BE1D-44A1-B345-4736545CF320}"/>
     <dgm:cxn modelId="{8BA7F1FC-B535-41C5-8E23-56B7A99CFB83}" type="presParOf" srcId="{B6F79879-3595-4E55-B58D-6113B02CD8E8}" destId="{FCE71EAA-F8EC-40CF-9D77-F1FDDFE717C9}" srcOrd="0" destOrd="0" presId="urn:microsoft.com/office/officeart/2005/8/layout/orgChart1"/>
     <dgm:cxn modelId="{2D19A12D-D30B-474C-B3E9-7A0A0AB146D3}" type="presParOf" srcId="{FCE71EAA-F8EC-40CF-9D77-F1FDDFE717C9}" destId="{0D6618B1-04B1-4C24-9063-86D18392EB01}" srcOrd="0" destOrd="0" presId="urn:microsoft.com/office/officeart/2005/8/layout/orgChart1"/>
     <dgm:cxn modelId="{ADF9F516-DD4D-469D-A2ED-77973A833611}" type="presParOf" srcId="{0D6618B1-04B1-4C24-9063-86D18392EB01}" destId="{1058AA14-F65C-440C-AFE3-B314A177C29A}" srcOrd="0" destOrd="0" presId="urn:microsoft.com/office/officeart/2005/8/layout/orgChart1"/>
@@ -4808,7 +4844,7 @@
           </a:pPr>
           <a:r>
             <a:rPr lang="de-DE" sz="1500" kern="1200" dirty="0" smtClean="0"/>
-            <a:t>Management</a:t>
+            <a:t>1. Management</a:t>
           </a:r>
           <a:endParaRPr lang="de-DE" sz="1500" kern="1200" dirty="0"/>
         </a:p>
@@ -4886,7 +4922,7 @@
           </a:pPr>
           <a:r>
             <a:rPr lang="de-DE" sz="1500" kern="1200" dirty="0" smtClean="0"/>
-            <a:t>Planung</a:t>
+            <a:t>1.1 Planung</a:t>
           </a:r>
           <a:endParaRPr lang="de-DE" sz="1500" kern="1200" dirty="0"/>
         </a:p>
@@ -4964,7 +5000,7 @@
           </a:pPr>
           <a:r>
             <a:rPr lang="de-DE" sz="1500" kern="1200" dirty="0" smtClean="0"/>
-            <a:t>Kontrolle</a:t>
+            <a:t>1.2 Kontrolle</a:t>
           </a:r>
           <a:endParaRPr lang="de-DE" sz="1500" kern="1200" dirty="0"/>
         </a:p>
@@ -5042,7 +5078,7 @@
           </a:pPr>
           <a:r>
             <a:rPr lang="de-DE" sz="1500" kern="1200" dirty="0" smtClean="0"/>
-            <a:t>Anforderungen</a:t>
+            <a:t>2. Anforderungen</a:t>
           </a:r>
           <a:endParaRPr lang="de-DE" sz="1500" kern="1200" dirty="0"/>
         </a:p>
@@ -5120,7 +5156,7 @@
           </a:pPr>
           <a:r>
             <a:rPr lang="de-DE" sz="1500" kern="1200" dirty="0" smtClean="0"/>
-            <a:t>Dokumentation</a:t>
+            <a:t>2.1 Dokumentation</a:t>
           </a:r>
           <a:endParaRPr lang="de-DE" sz="1500" kern="1200" dirty="0"/>
         </a:p>
@@ -5198,7 +5234,7 @@
           </a:pPr>
           <a:r>
             <a:rPr lang="de-DE" sz="1500" kern="1200" dirty="0" smtClean="0"/>
-            <a:t>App</a:t>
+            <a:t>2.2 App</a:t>
           </a:r>
           <a:endParaRPr lang="de-DE" sz="1500" kern="1200" dirty="0"/>
         </a:p>
@@ -5276,7 +5312,7 @@
           </a:pPr>
           <a:r>
             <a:rPr lang="de-DE" sz="1500" kern="1200" dirty="0" smtClean="0"/>
-            <a:t>GPS</a:t>
+            <a:t>2.2.1 GPS</a:t>
           </a:r>
           <a:endParaRPr lang="de-DE" sz="1500" kern="1200" dirty="0"/>
         </a:p>
@@ -5354,7 +5390,7 @@
           </a:pPr>
           <a:r>
             <a:rPr lang="de-DE" sz="1500" kern="1200" dirty="0" smtClean="0"/>
-            <a:t>Inhalt</a:t>
+            <a:t>2.2.1 Inhalt</a:t>
           </a:r>
           <a:endParaRPr lang="de-DE" sz="1500" kern="1200" dirty="0"/>
         </a:p>
@@ -5432,7 +5468,7 @@
           </a:pPr>
           <a:r>
             <a:rPr lang="de-DE" sz="1500" kern="1200" dirty="0" smtClean="0"/>
-            <a:t>Entwicklung</a:t>
+            <a:t>3. Entwicklung</a:t>
           </a:r>
           <a:endParaRPr lang="de-DE" sz="1500" kern="1200" dirty="0"/>
         </a:p>
@@ -5510,7 +5546,7 @@
           </a:pPr>
           <a:r>
             <a:rPr lang="de-DE" sz="1500" kern="1200" dirty="0" smtClean="0"/>
-            <a:t>App</a:t>
+            <a:t>3.1 App</a:t>
           </a:r>
           <a:endParaRPr lang="de-DE" sz="1500" kern="1200" dirty="0"/>
         </a:p>
@@ -5588,7 +5624,11 @@
           </a:pPr>
           <a:r>
             <a:rPr lang="de-DE" sz="1500" kern="1200" dirty="0" smtClean="0"/>
-            <a:t>API Verwendung</a:t>
+            <a:t>3.1.1 API </a:t>
+          </a:r>
+          <a:r>
+            <a:rPr lang="de-DE" sz="1500" kern="1200" dirty="0" smtClean="0"/>
+            <a:t>Verwendung</a:t>
           </a:r>
           <a:endParaRPr lang="de-DE" sz="1500" kern="1200" dirty="0"/>
         </a:p>
@@ -5666,7 +5706,7 @@
           </a:pPr>
           <a:r>
             <a:rPr lang="de-DE" sz="1500" kern="1200" dirty="0" smtClean="0"/>
-            <a:t>GUI</a:t>
+            <a:t>3.1.2 GUI</a:t>
           </a:r>
           <a:endParaRPr lang="de-DE" sz="1500" kern="1200" dirty="0"/>
         </a:p>
@@ -5744,7 +5784,11 @@
           </a:pPr>
           <a:r>
             <a:rPr lang="de-DE" sz="1500" kern="1200" dirty="0" smtClean="0"/>
-            <a:t>Standort erfassen</a:t>
+            <a:t>3.1.3 Standort </a:t>
+          </a:r>
+          <a:r>
+            <a:rPr lang="de-DE" sz="1500" kern="1200" dirty="0" smtClean="0"/>
+            <a:t>erfassen</a:t>
           </a:r>
           <a:endParaRPr lang="de-DE" sz="1500" kern="1200" dirty="0"/>
         </a:p>
@@ -5822,7 +5866,7 @@
           </a:pPr>
           <a:r>
             <a:rPr lang="de-DE" sz="1500" kern="1200" dirty="0" smtClean="0"/>
-            <a:t>Inhalte</a:t>
+            <a:t>3.2 Inhalte</a:t>
           </a:r>
           <a:endParaRPr lang="de-DE" sz="1500" kern="1200" dirty="0"/>
         </a:p>
@@ -5900,7 +5944,7 @@
           </a:pPr>
           <a:r>
             <a:rPr lang="de-DE" sz="1500" kern="1200" dirty="0" smtClean="0"/>
-            <a:t>Bereitstellen</a:t>
+            <a:t>3.2.1 Bereitstellen</a:t>
           </a:r>
           <a:endParaRPr lang="de-DE" sz="1500" kern="1200" dirty="0"/>
         </a:p>
@@ -5978,7 +6022,7 @@
           </a:pPr>
           <a:r>
             <a:rPr lang="de-DE" sz="1500" kern="1200" dirty="0" smtClean="0"/>
-            <a:t>Route</a:t>
+            <a:t>3.2.2 Route</a:t>
           </a:r>
           <a:endParaRPr lang="de-DE" sz="1500" kern="1200" dirty="0"/>
         </a:p>
@@ -6056,7 +6100,7 @@
           </a:pPr>
           <a:r>
             <a:rPr lang="de-DE" sz="1500" kern="1200" dirty="0" smtClean="0"/>
-            <a:t>Tests</a:t>
+            <a:t>4. Tests</a:t>
           </a:r>
           <a:endParaRPr lang="de-DE" sz="1500" kern="1200" dirty="0"/>
         </a:p>
@@ -6134,7 +6178,7 @@
           </a:pPr>
           <a:r>
             <a:rPr lang="de-DE" sz="1500" kern="1200" dirty="0" smtClean="0"/>
-            <a:t>Software</a:t>
+            <a:t>4.1 Software</a:t>
           </a:r>
           <a:endParaRPr lang="de-DE" sz="1500" kern="1200" dirty="0"/>
         </a:p>
@@ -6212,7 +6256,7 @@
           </a:pPr>
           <a:r>
             <a:rPr lang="de-DE" sz="1500" kern="1200" dirty="0" smtClean="0"/>
-            <a:t>Touren</a:t>
+            <a:t>4.2 Touren</a:t>
           </a:r>
           <a:endParaRPr lang="de-DE" sz="1500" kern="1200" dirty="0"/>
         </a:p>
@@ -6290,7 +6334,7 @@
           </a:pPr>
           <a:r>
             <a:rPr lang="de-DE" sz="1500" kern="1200" dirty="0" smtClean="0"/>
-            <a:t>Release</a:t>
+            <a:t>5. Release</a:t>
           </a:r>
           <a:endParaRPr lang="de-DE" sz="1500" kern="1200" dirty="0"/>
         </a:p>
@@ -6368,7 +6412,7 @@
           </a:pPr>
           <a:r>
             <a:rPr lang="de-DE" sz="1500" kern="1200" dirty="0" smtClean="0"/>
-            <a:t>Übergabe</a:t>
+            <a:t>5.1 Übergabe</a:t>
           </a:r>
           <a:endParaRPr lang="de-DE" sz="1500" kern="1200" dirty="0"/>
         </a:p>
@@ -6446,7 +6490,7 @@
           </a:pPr>
           <a:r>
             <a:rPr lang="de-DE" sz="1500" kern="1200" dirty="0" smtClean="0"/>
-            <a:t>Veröffentlichung</a:t>
+            <a:t>5.2 Veröffentlichung</a:t>
           </a:r>
           <a:endParaRPr lang="de-DE" sz="1500" kern="1200" dirty="0"/>
         </a:p>
@@ -11507,7 +11551,7 @@
             <p:ph idx="1"/>
             <p:extLst>
               <p:ext uri="{D42A27DB-BD31-4B8C-83A1-F6EECF244321}">
-                <p14:modId xmlns:p14="http://schemas.microsoft.com/office/powerpoint/2010/main" val="1860130583"/>
+                <p14:modId xmlns:p14="http://schemas.microsoft.com/office/powerpoint/2010/main" val="1698247640"/>
               </p:ext>
             </p:extLst>
           </p:nvPr>
